--- a/docs/Chuyên ngành - Nguyễn Hoàng Nhân - DA21TTA - 110121071.pptx
+++ b/docs/Chuyên ngành - Nguyễn Hoàng Nhân - DA21TTA - 110121071.pptx
@@ -226,7 +226,7 @@
           <a:p>
             <a:fld id="{ACB083D2-5C48-4536-B332-A764F4458D67}" type="datetimeFigureOut">
               <a:rPr lang="en-US" smtClean="0"/>
-              <a:t>1/12/2025</a:t>
+              <a:t>9/4/2025</a:t>
             </a:fld>
             <a:endParaRPr lang="en-US"/>
           </a:p>
@@ -719,7 +719,7 @@
           <a:p>
             <a:fld id="{11CAAE0D-3441-4906-A64A-7D2C20127F80}" type="datetime1">
               <a:rPr lang="en-US" smtClean="0"/>
-              <a:t>1/12/2025</a:t>
+              <a:t>9/4/2025</a:t>
             </a:fld>
             <a:endParaRPr lang="en-US"/>
           </a:p>
@@ -927,7 +927,7 @@
           <a:p>
             <a:fld id="{B769113C-A904-49AA-949E-D751B5A90CCE}" type="datetime1">
               <a:rPr lang="en-US" smtClean="0"/>
-              <a:t>1/12/2025</a:t>
+              <a:t>9/4/2025</a:t>
             </a:fld>
             <a:endParaRPr lang="en-US"/>
           </a:p>
@@ -1183,7 +1183,7 @@
           <a:p>
             <a:fld id="{E51E107E-E092-45F4-85B6-9A227E35F313}" type="datetime1">
               <a:rPr lang="en-US" smtClean="0"/>
-              <a:t>1/12/2025</a:t>
+              <a:t>9/4/2025</a:t>
             </a:fld>
             <a:endParaRPr lang="en-US"/>
           </a:p>
@@ -1391,7 +1391,7 @@
           <a:p>
             <a:fld id="{11CAAE0D-3441-4906-A64A-7D2C20127F80}" type="datetime1">
               <a:rPr lang="en-US" smtClean="0"/>
-              <a:t>1/12/2025</a:t>
+              <a:t>9/4/2025</a:t>
             </a:fld>
             <a:endParaRPr lang="en-US"/>
           </a:p>
@@ -1589,7 +1589,7 @@
           <a:p>
             <a:fld id="{E4125A0B-256F-45C5-9FBA-362BBC7F545A}" type="datetime1">
               <a:rPr lang="en-US" smtClean="0"/>
-              <a:t>1/12/2025</a:t>
+              <a:t>9/4/2025</a:t>
             </a:fld>
             <a:endParaRPr lang="en-US"/>
           </a:p>
@@ -1864,7 +1864,7 @@
           <a:p>
             <a:fld id="{922CDB40-F44C-4E5A-9F18-CCAB00396110}" type="datetime1">
               <a:rPr lang="en-US" smtClean="0"/>
-              <a:t>1/12/2025</a:t>
+              <a:t>9/4/2025</a:t>
             </a:fld>
             <a:endParaRPr lang="en-US"/>
           </a:p>
@@ -2129,7 +2129,7 @@
           <a:p>
             <a:fld id="{7FF1D6FF-7DF6-4C85-AB5D-BE93991D34F1}" type="datetime1">
               <a:rPr lang="en-US" smtClean="0"/>
-              <a:t>1/12/2025</a:t>
+              <a:t>9/4/2025</a:t>
             </a:fld>
             <a:endParaRPr lang="en-US"/>
           </a:p>
@@ -2541,7 +2541,7 @@
           <a:p>
             <a:fld id="{A65E997E-53D1-4FC9-8D0B-483375908042}" type="datetime1">
               <a:rPr lang="en-US" smtClean="0"/>
-              <a:t>1/12/2025</a:t>
+              <a:t>9/4/2025</a:t>
             </a:fld>
             <a:endParaRPr lang="en-US"/>
           </a:p>
@@ -2682,7 +2682,7 @@
           <a:p>
             <a:fld id="{CDD172DB-4F94-4075-9224-51A846485DE5}" type="datetime1">
               <a:rPr lang="en-US" smtClean="0"/>
-              <a:t>1/12/2025</a:t>
+              <a:t>9/4/2025</a:t>
             </a:fld>
             <a:endParaRPr lang="en-US"/>
           </a:p>
@@ -2795,7 +2795,7 @@
           <a:p>
             <a:fld id="{1A1673DD-B046-4B66-80CE-0DD43B97C0BE}" type="datetime1">
               <a:rPr lang="en-US" smtClean="0"/>
-              <a:t>1/12/2025</a:t>
+              <a:t>9/4/2025</a:t>
             </a:fld>
             <a:endParaRPr lang="en-US"/>
           </a:p>
@@ -3106,7 +3106,7 @@
           <a:p>
             <a:fld id="{451D1776-73EC-4B3C-88E1-835141B09AEB}" type="datetime1">
               <a:rPr lang="en-US" smtClean="0"/>
-              <a:t>1/12/2025</a:t>
+              <a:t>9/4/2025</a:t>
             </a:fld>
             <a:endParaRPr lang="en-US"/>
           </a:p>
@@ -3292,7 +3292,7 @@
           <a:p>
             <a:fld id="{E4125A0B-256F-45C5-9FBA-362BBC7F545A}" type="datetime1">
               <a:rPr lang="en-US" smtClean="0"/>
-              <a:t>1/12/2025</a:t>
+              <a:t>9/4/2025</a:t>
             </a:fld>
             <a:endParaRPr lang="en-US"/>
           </a:p>
@@ -3568,7 +3568,7 @@
           <a:p>
             <a:fld id="{84A537F8-96C6-48EF-9A91-47ED6220C1D0}" type="datetime1">
               <a:rPr lang="en-US" smtClean="0"/>
-              <a:t>1/12/2025</a:t>
+              <a:t>9/4/2025</a:t>
             </a:fld>
             <a:endParaRPr lang="en-US"/>
           </a:p>
@@ -3766,7 +3766,7 @@
           <a:p>
             <a:fld id="{B769113C-A904-49AA-949E-D751B5A90CCE}" type="datetime1">
               <a:rPr lang="en-US" smtClean="0"/>
-              <a:t>1/12/2025</a:t>
+              <a:t>9/4/2025</a:t>
             </a:fld>
             <a:endParaRPr lang="en-US"/>
           </a:p>
@@ -3974,7 +3974,7 @@
           <a:p>
             <a:fld id="{E51E107E-E092-45F4-85B6-9A227E35F313}" type="datetime1">
               <a:rPr lang="en-US" smtClean="0"/>
-              <a:t>1/12/2025</a:t>
+              <a:t>9/4/2025</a:t>
             </a:fld>
             <a:endParaRPr lang="en-US"/>
           </a:p>
@@ -4194,7 +4194,7 @@
           <a:p>
             <a:fld id="{11CAAE0D-3441-4906-A64A-7D2C20127F80}" type="datetime1">
               <a:rPr lang="en-US" smtClean="0"/>
-              <a:t>1/12/2025</a:t>
+              <a:t>9/4/2025</a:t>
             </a:fld>
             <a:endParaRPr lang="en-US"/>
           </a:p>
@@ -4392,7 +4392,7 @@
           <a:p>
             <a:fld id="{E4125A0B-256F-45C5-9FBA-362BBC7F545A}" type="datetime1">
               <a:rPr lang="en-US" smtClean="0"/>
-              <a:t>1/12/2025</a:t>
+              <a:t>9/4/2025</a:t>
             </a:fld>
             <a:endParaRPr lang="en-US"/>
           </a:p>
@@ -4667,7 +4667,7 @@
           <a:p>
             <a:fld id="{922CDB40-F44C-4E5A-9F18-CCAB00396110}" type="datetime1">
               <a:rPr lang="en-US" smtClean="0"/>
-              <a:t>1/12/2025</a:t>
+              <a:t>9/4/2025</a:t>
             </a:fld>
             <a:endParaRPr lang="en-US"/>
           </a:p>
@@ -4932,7 +4932,7 @@
           <a:p>
             <a:fld id="{7FF1D6FF-7DF6-4C85-AB5D-BE93991D34F1}" type="datetime1">
               <a:rPr lang="en-US" smtClean="0"/>
-              <a:t>1/12/2025</a:t>
+              <a:t>9/4/2025</a:t>
             </a:fld>
             <a:endParaRPr lang="en-US"/>
           </a:p>
@@ -5344,7 +5344,7 @@
           <a:p>
             <a:fld id="{A65E997E-53D1-4FC9-8D0B-483375908042}" type="datetime1">
               <a:rPr lang="en-US" smtClean="0"/>
-              <a:t>1/12/2025</a:t>
+              <a:t>9/4/2025</a:t>
             </a:fld>
             <a:endParaRPr lang="en-US"/>
           </a:p>
@@ -5485,7 +5485,7 @@
           <a:p>
             <a:fld id="{CDD172DB-4F94-4075-9224-51A846485DE5}" type="datetime1">
               <a:rPr lang="en-US" smtClean="0"/>
-              <a:t>1/12/2025</a:t>
+              <a:t>9/4/2025</a:t>
             </a:fld>
             <a:endParaRPr lang="en-US"/>
           </a:p>
@@ -5598,7 +5598,7 @@
           <a:p>
             <a:fld id="{1A1673DD-B046-4B66-80CE-0DD43B97C0BE}" type="datetime1">
               <a:rPr lang="en-US" smtClean="0"/>
-              <a:t>1/12/2025</a:t>
+              <a:t>9/4/2025</a:t>
             </a:fld>
             <a:endParaRPr lang="en-US"/>
           </a:p>
@@ -5953,7 +5953,7 @@
           <a:p>
             <a:fld id="{922CDB40-F44C-4E5A-9F18-CCAB00396110}" type="datetime1">
               <a:rPr lang="en-US" smtClean="0"/>
-              <a:t>1/12/2025</a:t>
+              <a:t>9/4/2025</a:t>
             </a:fld>
             <a:endParaRPr lang="en-US"/>
           </a:p>
@@ -6290,7 +6290,7 @@
           <a:p>
             <a:fld id="{451D1776-73EC-4B3C-88E1-835141B09AEB}" type="datetime1">
               <a:rPr lang="en-US" smtClean="0"/>
-              <a:t>1/12/2025</a:t>
+              <a:t>9/4/2025</a:t>
             </a:fld>
             <a:endParaRPr lang="en-US"/>
           </a:p>
@@ -6578,7 +6578,7 @@
           <a:p>
             <a:fld id="{84A537F8-96C6-48EF-9A91-47ED6220C1D0}" type="datetime1">
               <a:rPr lang="en-US" smtClean="0"/>
-              <a:t>1/12/2025</a:t>
+              <a:t>9/4/2025</a:t>
             </a:fld>
             <a:endParaRPr lang="en-US"/>
           </a:p>
@@ -6776,7 +6776,7 @@
           <a:p>
             <a:fld id="{B769113C-A904-49AA-949E-D751B5A90CCE}" type="datetime1">
               <a:rPr lang="en-US" smtClean="0"/>
-              <a:t>1/12/2025</a:t>
+              <a:t>9/4/2025</a:t>
             </a:fld>
             <a:endParaRPr lang="en-US"/>
           </a:p>
@@ -6984,7 +6984,7 @@
           <a:p>
             <a:fld id="{E51E107E-E092-45F4-85B6-9A227E35F313}" type="datetime1">
               <a:rPr lang="en-US" smtClean="0"/>
-              <a:t>1/12/2025</a:t>
+              <a:t>9/4/2025</a:t>
             </a:fld>
             <a:endParaRPr lang="en-US"/>
           </a:p>
@@ -7233,7 +7233,7 @@
           <a:p>
             <a:fld id="{7FF1D6FF-7DF6-4C85-AB5D-BE93991D34F1}" type="datetime1">
               <a:rPr lang="en-US" smtClean="0"/>
-              <a:t>1/12/2025</a:t>
+              <a:t>9/4/2025</a:t>
             </a:fld>
             <a:endParaRPr lang="en-US"/>
           </a:p>
@@ -7612,7 +7612,7 @@
           <a:p>
             <a:fld id="{A65E997E-53D1-4FC9-8D0B-483375908042}" type="datetime1">
               <a:rPr lang="en-US" smtClean="0"/>
-              <a:t>1/12/2025</a:t>
+              <a:t>9/4/2025</a:t>
             </a:fld>
             <a:endParaRPr lang="en-US"/>
           </a:p>
@@ -7730,7 +7730,7 @@
           <a:p>
             <a:fld id="{CDD172DB-4F94-4075-9224-51A846485DE5}" type="datetime1">
               <a:rPr lang="en-US" smtClean="0"/>
-              <a:t>1/12/2025</a:t>
+              <a:t>9/4/2025</a:t>
             </a:fld>
             <a:endParaRPr lang="en-US"/>
           </a:p>
@@ -7901,7 +7901,7 @@
           <a:p>
             <a:fld id="{1A1673DD-B046-4B66-80CE-0DD43B97C0BE}" type="datetime1">
               <a:rPr lang="en-US" smtClean="0"/>
-              <a:t>1/12/2025</a:t>
+              <a:t>9/4/2025</a:t>
             </a:fld>
             <a:endParaRPr lang="en-US"/>
           </a:p>
@@ -8255,7 +8255,7 @@
           <a:p>
             <a:fld id="{451D1776-73EC-4B3C-88E1-835141B09AEB}" type="datetime1">
               <a:rPr lang="en-US" smtClean="0"/>
-              <a:t>1/12/2025</a:t>
+              <a:t>9/4/2025</a:t>
             </a:fld>
             <a:endParaRPr lang="en-US"/>
           </a:p>
@@ -8637,7 +8637,7 @@
           <a:p>
             <a:fld id="{84A537F8-96C6-48EF-9A91-47ED6220C1D0}" type="datetime1">
               <a:rPr lang="en-US" smtClean="0"/>
-              <a:t>1/12/2025</a:t>
+              <a:t>9/4/2025</a:t>
             </a:fld>
             <a:endParaRPr lang="en-US"/>
           </a:p>
@@ -8924,7 +8924,7 @@
           <a:p>
             <a:fld id="{D97BE10E-F54C-45C9-82EB-8EFEBCC5A06A}" type="datetime1">
               <a:rPr lang="en-US" smtClean="0"/>
-              <a:t>1/12/2025</a:t>
+              <a:t>9/4/2025</a:t>
             </a:fld>
             <a:endParaRPr lang="en-US"/>
           </a:p>
@@ -9600,7 +9600,7 @@
           <a:p>
             <a:fld id="{D97BE10E-F54C-45C9-82EB-8EFEBCC5A06A}" type="datetime1">
               <a:rPr lang="en-US" smtClean="0"/>
-              <a:t>1/12/2025</a:t>
+              <a:t>9/4/2025</a:t>
             </a:fld>
             <a:endParaRPr lang="en-US"/>
           </a:p>
@@ -10169,7 +10169,7 @@
           <a:p>
             <a:fld id="{D97BE10E-F54C-45C9-82EB-8EFEBCC5A06A}" type="datetime1">
               <a:rPr lang="en-US" smtClean="0"/>
-              <a:t>1/12/2025</a:t>
+              <a:t>9/4/2025</a:t>
             </a:fld>
             <a:endParaRPr lang="en-US"/>
           </a:p>
@@ -10601,8 +10601,8 @@
         </p:nvSpPr>
         <p:spPr>
           <a:xfrm>
-            <a:off x="3048786" y="52304"/>
-            <a:ext cx="6094428" cy="873252"/>
+            <a:off x="3048786" y="161393"/>
+            <a:ext cx="6094428" cy="646331"/>
           </a:xfrm>
           <a:prstGeom prst="rect">
             <a:avLst/>
@@ -10615,56 +10615,40 @@
           </a:bodyPr>
           <a:lstStyle/>
           <a:p>
-            <a:pPr marL="0" marR="0" algn="ctr">
-              <a:lnSpc>
-                <a:spcPct val="150000"/>
-              </a:lnSpc>
-              <a:spcBef>
-                <a:spcPts val="0"/>
-              </a:spcBef>
-              <a:spcAft>
-                <a:spcPts val="0"/>
-              </a:spcAft>
-            </a:pPr>
-            <a:r>
-              <a:rPr lang="vi-VN" sz="1800">
-                <a:effectLst/>
-                <a:latin typeface="Tahoma" panose="020B0604030504040204" pitchFamily="34" charset="0"/>
-                <a:ea typeface="Tahoma" panose="020B0604030504040204" pitchFamily="34" charset="0"/>
-                <a:cs typeface="Tahoma" panose="020B0604030504040204" pitchFamily="34" charset="0"/>
-              </a:rPr>
-              <a:t>KHOA KỸ THUẬT VÀ CÔNG NGHỆ</a:t>
-            </a:r>
-            <a:endParaRPr lang="en-US" sz="1400">
-              <a:effectLst/>
+            <a:pPr algn="ctr"/>
+            <a:r>
+              <a:rPr lang="vi-VN" b="1" dirty="0">
+                <a:latin typeface="Tahoma" panose="020B0604030504040204" pitchFamily="34" charset="0"/>
+                <a:ea typeface="Tahoma" panose="020B0604030504040204" pitchFamily="34" charset="0"/>
+                <a:cs typeface="Tahoma" panose="020B0604030504040204" pitchFamily="34" charset="0"/>
+              </a:rPr>
+              <a:t>TRƯỜNG ĐẠI HỌC TRÀ VINH</a:t>
+            </a:r>
+            <a:endParaRPr lang="en-US" dirty="0">
               <a:latin typeface="Tahoma" panose="020B0604030504040204" pitchFamily="34" charset="0"/>
               <a:ea typeface="Tahoma" panose="020B0604030504040204" pitchFamily="34" charset="0"/>
               <a:cs typeface="Tahoma" panose="020B0604030504040204" pitchFamily="34" charset="0"/>
             </a:endParaRPr>
           </a:p>
           <a:p>
-            <a:pPr marL="0" marR="0" algn="ctr">
-              <a:lnSpc>
-                <a:spcPct val="150000"/>
-              </a:lnSpc>
-              <a:spcBef>
-                <a:spcPts val="0"/>
-              </a:spcBef>
-              <a:spcAft>
-                <a:spcPts val="0"/>
-              </a:spcAft>
-            </a:pPr>
-            <a:r>
-              <a:rPr lang="vi-VN" sz="1800" b="1">
-                <a:effectLst/>
-                <a:latin typeface="Tahoma" panose="020B0604030504040204" pitchFamily="34" charset="0"/>
-                <a:ea typeface="Tahoma" panose="020B0604030504040204" pitchFamily="34" charset="0"/>
-                <a:cs typeface="Tahoma" panose="020B0604030504040204" pitchFamily="34" charset="0"/>
-              </a:rPr>
-              <a:t>BỘ MÔN CÔNG NGHỆ THÔNG TIN</a:t>
-            </a:r>
-            <a:endParaRPr lang="en-US" sz="1400">
-              <a:effectLst/>
+            <a:pPr algn="ctr"/>
+            <a:r>
+              <a:rPr lang="en-US" b="1" dirty="0">
+                <a:latin typeface="Tahoma" panose="020B0604030504040204" pitchFamily="34" charset="0"/>
+                <a:ea typeface="Tahoma" panose="020B0604030504040204" pitchFamily="34" charset="0"/>
+                <a:cs typeface="Tahoma" panose="020B0604030504040204" pitchFamily="34" charset="0"/>
+              </a:rPr>
+              <a:t>TRƯỜNG</a:t>
+            </a:r>
+            <a:r>
+              <a:rPr lang="vi-VN" b="1" dirty="0">
+                <a:latin typeface="Tahoma" panose="020B0604030504040204" pitchFamily="34" charset="0"/>
+                <a:ea typeface="Tahoma" panose="020B0604030504040204" pitchFamily="34" charset="0"/>
+                <a:cs typeface="Tahoma" panose="020B0604030504040204" pitchFamily="34" charset="0"/>
+              </a:rPr>
+              <a:t> KỸ THUẬT VÀ CÔNG NGHỆ</a:t>
+            </a:r>
+            <a:endParaRPr lang="en-US" dirty="0">
               <a:latin typeface="Tahoma" panose="020B0604030504040204" pitchFamily="34" charset="0"/>
               <a:ea typeface="Tahoma" panose="020B0604030504040204" pitchFamily="34" charset="0"/>
               <a:cs typeface="Tahoma" panose="020B0604030504040204" pitchFamily="34" charset="0"/>
@@ -10753,41 +10737,15 @@
               </a:spcAft>
             </a:pPr>
             <a:r>
-              <a:rPr lang="en-US" sz="1500" b="1">
+              <a:rPr lang="en-US" sz="1500" b="1" dirty="0">
                 <a:effectLst/>
                 <a:latin typeface="Tahoma" panose="020B0604030504040204" pitchFamily="34" charset="0"/>
                 <a:ea typeface="Tahoma" panose="020B0604030504040204" pitchFamily="34" charset="0"/>
                 <a:cs typeface="Tahoma" panose="020B0604030504040204" pitchFamily="34" charset="0"/>
               </a:rPr>
-              <a:t>THỰC TẬP </a:t>
-            </a:r>
-            <a:r>
-              <a:rPr lang="vi-VN" sz="1500" b="1">
-                <a:effectLst/>
-                <a:latin typeface="Tahoma" panose="020B0604030504040204" pitchFamily="34" charset="0"/>
-                <a:ea typeface="Tahoma" panose="020B0604030504040204" pitchFamily="34" charset="0"/>
-                <a:cs typeface="Tahoma" panose="020B0604030504040204" pitchFamily="34" charset="0"/>
-              </a:rPr>
-              <a:t>ĐỒ ÁN</a:t>
-            </a:r>
-            <a:r>
-              <a:rPr lang="en-US" sz="1500" b="1">
-                <a:effectLst/>
-                <a:latin typeface="Tahoma" panose="020B0604030504040204" pitchFamily="34" charset="0"/>
-                <a:ea typeface="Tahoma" panose="020B0604030504040204" pitchFamily="34" charset="0"/>
-                <a:cs typeface="Tahoma" panose="020B0604030504040204" pitchFamily="34" charset="0"/>
-              </a:rPr>
-              <a:t> </a:t>
-            </a:r>
-            <a:r>
-              <a:rPr lang="en-US" sz="1500" b="1">
-                <a:latin typeface="Tahoma" panose="020B0604030504040204" pitchFamily="34" charset="0"/>
-                <a:ea typeface="Tahoma" panose="020B0604030504040204" pitchFamily="34" charset="0"/>
-                <a:cs typeface="Tahoma" panose="020B0604030504040204" pitchFamily="34" charset="0"/>
-              </a:rPr>
-              <a:t>CHUYÊN NGÀNH</a:t>
-            </a:r>
-            <a:endParaRPr lang="en-US" sz="1500">
+              <a:t>KHÓA LUẬN TỐT NGHIỆP</a:t>
+            </a:r>
+            <a:endParaRPr lang="en-US" sz="1500" dirty="0">
               <a:effectLst/>
               <a:latin typeface="Tahoma" panose="020B0604030504040204" pitchFamily="34" charset="0"/>
               <a:ea typeface="Tahoma" panose="020B0604030504040204" pitchFamily="34" charset="0"/>
@@ -10807,60 +10765,15 @@
               </a:spcAft>
             </a:pPr>
             <a:r>
-              <a:rPr lang="vi-VN" sz="1500" b="1">
+              <a:rPr lang="en-US" sz="1500" b="1" dirty="0">
                 <a:effectLst/>
                 <a:latin typeface="Tahoma" panose="020B0604030504040204" pitchFamily="34" charset="0"/>
                 <a:ea typeface="Tahoma" panose="020B0604030504040204" pitchFamily="34" charset="0"/>
                 <a:cs typeface="Tahoma" panose="020B0604030504040204" pitchFamily="34" charset="0"/>
               </a:rPr>
-              <a:t>HỌC KỲ </a:t>
-            </a:r>
-            <a:r>
-              <a:rPr lang="en-US" sz="1500" b="1">
-                <a:effectLst/>
-                <a:latin typeface="Tahoma" panose="020B0604030504040204" pitchFamily="34" charset="0"/>
-                <a:ea typeface="Tahoma" panose="020B0604030504040204" pitchFamily="34" charset="0"/>
-                <a:cs typeface="Tahoma" panose="020B0604030504040204" pitchFamily="34" charset="0"/>
-              </a:rPr>
-              <a:t>I</a:t>
-            </a:r>
-            <a:r>
-              <a:rPr lang="vi-VN" sz="1500" b="1">
-                <a:effectLst/>
-                <a:latin typeface="Tahoma" panose="020B0604030504040204" pitchFamily="34" charset="0"/>
-                <a:ea typeface="Tahoma" panose="020B0604030504040204" pitchFamily="34" charset="0"/>
-                <a:cs typeface="Tahoma" panose="020B0604030504040204" pitchFamily="34" charset="0"/>
-              </a:rPr>
-              <a:t>, NĂM HỌC 202</a:t>
-            </a:r>
-            <a:r>
-              <a:rPr lang="en-US" sz="1500" b="1">
-                <a:effectLst/>
-                <a:latin typeface="Tahoma" panose="020B0604030504040204" pitchFamily="34" charset="0"/>
-                <a:ea typeface="Tahoma" panose="020B0604030504040204" pitchFamily="34" charset="0"/>
-                <a:cs typeface="Tahoma" panose="020B0604030504040204" pitchFamily="34" charset="0"/>
-              </a:rPr>
-              <a:t>4</a:t>
-            </a:r>
-            <a:r>
-              <a:rPr lang="vi-VN" sz="1500" b="1">
-                <a:effectLst/>
-                <a:latin typeface="Tahoma" panose="020B0604030504040204" pitchFamily="34" charset="0"/>
-                <a:ea typeface="Tahoma" panose="020B0604030504040204" pitchFamily="34" charset="0"/>
-                <a:cs typeface="Tahoma" panose="020B0604030504040204" pitchFamily="34" charset="0"/>
-              </a:rPr>
-              <a:t>-202</a:t>
-            </a:r>
-            <a:r>
-              <a:rPr lang="en-US" sz="1500" b="1">
-                <a:effectLst/>
-                <a:latin typeface="Tahoma" panose="020B0604030504040204" pitchFamily="34" charset="0"/>
-                <a:ea typeface="Tahoma" panose="020B0604030504040204" pitchFamily="34" charset="0"/>
-                <a:cs typeface="Tahoma" panose="020B0604030504040204" pitchFamily="34" charset="0"/>
-              </a:rPr>
-              <a:t>5</a:t>
-            </a:r>
-            <a:endParaRPr lang="en-US" sz="1500">
+              <a:t>NGÀNH CÔNG NGHỆ THÔNG TIN</a:t>
+            </a:r>
+            <a:endParaRPr lang="en-US" sz="1500" dirty="0">
               <a:effectLst/>
               <a:latin typeface="Tahoma" panose="020B0604030504040204" pitchFamily="34" charset="0"/>
               <a:ea typeface="Tahoma" panose="020B0604030504040204" pitchFamily="34" charset="0"/>
@@ -10993,7 +10906,7 @@
               </a:spcAft>
             </a:pPr>
             <a:r>
-              <a:rPr lang="en-US" sz="2000" i="1">
+              <a:rPr lang="en-US" sz="2000" i="1" dirty="0">
                 <a:effectLst/>
                 <a:latin typeface="Tahoma" panose="020B0604030504040204" pitchFamily="34" charset="0"/>
                 <a:ea typeface="Tahoma" panose="020B0604030504040204" pitchFamily="34" charset="0"/>
@@ -11002,7 +10915,7 @@
               <a:t> </a:t>
             </a:r>
             <a:r>
-              <a:rPr lang="en-US" sz="1600" i="1">
+              <a:rPr lang="en-US" sz="1600" i="1" dirty="0" err="1">
                 <a:effectLst/>
                 <a:latin typeface="Tahoma" panose="020B0604030504040204" pitchFamily="34" charset="0"/>
                 <a:ea typeface="Tahoma" panose="020B0604030504040204" pitchFamily="34" charset="0"/>
@@ -11011,7 +10924,7 @@
               <a:t>Gi</a:t>
             </a:r>
             <a:r>
-              <a:rPr lang="en-US" sz="1600" i="1">
+              <a:rPr lang="en-US" sz="1600" i="1" dirty="0" err="1">
                 <a:latin typeface="Tahoma" panose="020B0604030504040204" pitchFamily="34" charset="0"/>
                 <a:ea typeface="Tahoma" panose="020B0604030504040204" pitchFamily="34" charset="0"/>
                 <a:cs typeface="Tahoma" panose="020B0604030504040204" pitchFamily="34" charset="0"/>
@@ -11019,7 +10932,7 @@
               <a:t>ảng</a:t>
             </a:r>
             <a:r>
-              <a:rPr lang="en-US" sz="1600" i="1">
+              <a:rPr lang="en-US" sz="1600" i="1" dirty="0">
                 <a:effectLst/>
                 <a:latin typeface="Tahoma" panose="020B0604030504040204" pitchFamily="34" charset="0"/>
                 <a:ea typeface="Tahoma" panose="020B0604030504040204" pitchFamily="34" charset="0"/>
@@ -11028,7 +10941,7 @@
               <a:t> </a:t>
             </a:r>
             <a:r>
-              <a:rPr lang="en-US" sz="1600" i="1" err="1">
+              <a:rPr lang="en-US" sz="1600" i="1" dirty="0" err="1">
                 <a:effectLst/>
                 <a:latin typeface="Tahoma" panose="020B0604030504040204" pitchFamily="34" charset="0"/>
                 <a:ea typeface="Tahoma" panose="020B0604030504040204" pitchFamily="34" charset="0"/>
@@ -11037,7 +10950,7 @@
               <a:t>viên</a:t>
             </a:r>
             <a:r>
-              <a:rPr lang="en-US" sz="1600" i="1">
+              <a:rPr lang="en-US" sz="1600" i="1" dirty="0">
                 <a:effectLst/>
                 <a:latin typeface="Tahoma" panose="020B0604030504040204" pitchFamily="34" charset="0"/>
                 <a:ea typeface="Tahoma" panose="020B0604030504040204" pitchFamily="34" charset="0"/>
@@ -11046,7 +10959,7 @@
               <a:t> </a:t>
             </a:r>
             <a:r>
-              <a:rPr lang="en-US" sz="1600" i="1" err="1">
+              <a:rPr lang="en-US" sz="1600" i="1" dirty="0" err="1">
                 <a:effectLst/>
                 <a:latin typeface="Tahoma" panose="020B0604030504040204" pitchFamily="34" charset="0"/>
                 <a:ea typeface="Tahoma" panose="020B0604030504040204" pitchFamily="34" charset="0"/>
@@ -11055,7 +10968,7 @@
               <a:t>hướng</a:t>
             </a:r>
             <a:r>
-              <a:rPr lang="en-US" sz="1600" i="1">
+              <a:rPr lang="en-US" sz="1600" i="1" dirty="0">
                 <a:effectLst/>
                 <a:latin typeface="Tahoma" panose="020B0604030504040204" pitchFamily="34" charset="0"/>
                 <a:ea typeface="Tahoma" panose="020B0604030504040204" pitchFamily="34" charset="0"/>
@@ -11064,7 +10977,7 @@
               <a:t> </a:t>
             </a:r>
             <a:r>
-              <a:rPr lang="en-US" sz="1600" i="1" err="1">
+              <a:rPr lang="en-US" sz="1600" i="1" dirty="0" err="1">
                 <a:effectLst/>
                 <a:latin typeface="Tahoma" panose="020B0604030504040204" pitchFamily="34" charset="0"/>
                 <a:ea typeface="Tahoma" panose="020B0604030504040204" pitchFamily="34" charset="0"/>
@@ -11073,7 +10986,7 @@
               <a:t>dẫn</a:t>
             </a:r>
             <a:r>
-              <a:rPr lang="en-US" sz="1600" i="1">
+              <a:rPr lang="en-US" sz="1600" i="1" dirty="0">
                 <a:effectLst/>
                 <a:latin typeface="Tahoma" panose="020B0604030504040204" pitchFamily="34" charset="0"/>
                 <a:ea typeface="Tahoma" panose="020B0604030504040204" pitchFamily="34" charset="0"/>
@@ -11081,7 +10994,7 @@
               </a:rPr>
               <a:t>:</a:t>
             </a:r>
-            <a:endParaRPr lang="en-US" sz="1600">
+            <a:endParaRPr lang="en-US" sz="1600" dirty="0">
               <a:effectLst/>
               <a:latin typeface="Tahoma" panose="020B0604030504040204" pitchFamily="34" charset="0"/>
               <a:ea typeface="Tahoma" panose="020B0604030504040204" pitchFamily="34" charset="0"/>
@@ -11101,7 +11014,7 @@
               </a:spcAft>
             </a:pPr>
             <a:r>
-              <a:rPr lang="en-US" sz="1600">
+              <a:rPr lang="en-US" sz="1600" dirty="0">
                 <a:effectLst/>
                 <a:latin typeface="Tahoma" panose="020B0604030504040204" pitchFamily="34" charset="0"/>
                 <a:ea typeface="Tahoma" panose="020B0604030504040204" pitchFamily="34" charset="0"/>
@@ -11110,27 +11023,21 @@
               <a:t> </a:t>
             </a:r>
             <a:r>
-              <a:rPr lang="en-US" sz="1600">
-                <a:latin typeface="Tahoma" panose="020B0604030504040204" pitchFamily="34" charset="0"/>
-                <a:ea typeface="Tahoma" panose="020B0604030504040204" pitchFamily="34" charset="0"/>
-                <a:cs typeface="Tahoma" panose="020B0604030504040204" pitchFamily="34" charset="0"/>
-              </a:rPr>
-              <a:t>ThS.</a:t>
-            </a:r>
-            <a:r>
-              <a:rPr lang="en-US" sz="1600">
-                <a:effectLst/>
-                <a:latin typeface="Tahoma" panose="020B0604030504040204" pitchFamily="34" charset="0"/>
-                <a:ea typeface="Tahoma" panose="020B0604030504040204" pitchFamily="34" charset="0"/>
-                <a:cs typeface="Tahoma" panose="020B0604030504040204" pitchFamily="34" charset="0"/>
-              </a:rPr>
-              <a:t> Phạm Thị Trúc Mai</a:t>
-            </a:r>
-            <a:endParaRPr lang="en-US" sz="1600">
-              <a:latin typeface="Tahoma" panose="020B0604030504040204" pitchFamily="34" charset="0"/>
-              <a:ea typeface="Tahoma" panose="020B0604030504040204" pitchFamily="34" charset="0"/>
-              <a:cs typeface="Tahoma" panose="020B0604030504040204" pitchFamily="34" charset="0"/>
-            </a:endParaRPr>
+              <a:rPr lang="en-US" sz="1600" dirty="0" err="1">
+                <a:latin typeface="Tahoma" panose="020B0604030504040204" pitchFamily="34" charset="0"/>
+                <a:ea typeface="Tahoma" panose="020B0604030504040204" pitchFamily="34" charset="0"/>
+                <a:cs typeface="Tahoma" panose="020B0604030504040204" pitchFamily="34" charset="0"/>
+              </a:rPr>
+              <a:t>Thầy</a:t>
+            </a:r>
+            <a:r>
+              <a:rPr lang="en-US" sz="1600" dirty="0">
+                <a:latin typeface="Tahoma" panose="020B0604030504040204" pitchFamily="34" charset="0"/>
+                <a:ea typeface="Tahoma" panose="020B0604030504040204" pitchFamily="34" charset="0"/>
+                <a:cs typeface="Tahoma" panose="020B0604030504040204" pitchFamily="34" charset="0"/>
+              </a:rPr>
+              <a:t> Võ Thành C</a:t>
+            </a:r>
           </a:p>
         </p:txBody>
       </p:sp>
@@ -11415,63 +11322,46 @@
               </a:spcAft>
             </a:pPr>
             <a:r>
-              <a:rPr lang="vi-VN" sz="1800" b="1" i="1">
+              <a:rPr lang="en-US" sz="1800" b="1" i="1" dirty="0" err="1">
                 <a:effectLst/>
-                <a:latin typeface="Times New Roman" panose="02020603050405020304" pitchFamily="18" charset="0"/>
-                <a:ea typeface="Arial" panose="020B0604020202020204" pitchFamily="34" charset="0"/>
-              </a:rPr>
-              <a:t>Trà Vinh,  tháng</a:t>
-            </a:r>
-            <a:r>
-              <a:rPr lang="en-US" sz="1800" b="1" i="1">
+                <a:latin typeface="Tahoma" panose="020B0604030504040204" pitchFamily="34" charset="0"/>
+                <a:ea typeface="Tahoma" panose="020B0604030504040204" pitchFamily="34" charset="0"/>
+                <a:cs typeface="Tahoma" panose="020B0604030504040204" pitchFamily="34" charset="0"/>
+              </a:rPr>
+              <a:t>Vĩnh</a:t>
+            </a:r>
+            <a:r>
+              <a:rPr lang="en-US" sz="1800" b="1" i="1" dirty="0">
                 <a:effectLst/>
-                <a:latin typeface="Times New Roman" panose="02020603050405020304" pitchFamily="18" charset="0"/>
-                <a:ea typeface="Arial" panose="020B0604020202020204" pitchFamily="34" charset="0"/>
-              </a:rPr>
-              <a:t> </a:t>
-            </a:r>
-            <a:r>
-              <a:rPr lang="en-US" b="1" i="1">
-                <a:latin typeface="Times New Roman" panose="02020603050405020304" pitchFamily="18" charset="0"/>
-                <a:ea typeface="Arial" panose="020B0604020202020204" pitchFamily="34" charset="0"/>
-              </a:rPr>
-              <a:t>12</a:t>
-            </a:r>
-            <a:r>
-              <a:rPr lang="en-US" sz="1800" b="1" i="1">
+                <a:latin typeface="Tahoma" panose="020B0604030504040204" pitchFamily="34" charset="0"/>
+                <a:ea typeface="Tahoma" panose="020B0604030504040204" pitchFamily="34" charset="0"/>
+                <a:cs typeface="Tahoma" panose="020B0604030504040204" pitchFamily="34" charset="0"/>
+              </a:rPr>
+              <a:t> Long</a:t>
+            </a:r>
+            <a:r>
+              <a:rPr lang="vi-VN" sz="1800" b="1" i="1" dirty="0">
                 <a:effectLst/>
-                <a:latin typeface="Times New Roman" panose="02020603050405020304" pitchFamily="18" charset="0"/>
-                <a:ea typeface="Arial" panose="020B0604020202020204" pitchFamily="34" charset="0"/>
-              </a:rPr>
-              <a:t> </a:t>
-            </a:r>
-            <a:r>
-              <a:rPr lang="vi-VN" sz="1800" b="1" i="1">
+                <a:latin typeface="Tahoma" panose="020B0604030504040204" pitchFamily="34" charset="0"/>
+                <a:ea typeface="Tahoma" panose="020B0604030504040204" pitchFamily="34" charset="0"/>
+                <a:cs typeface="Tahoma" panose="020B0604030504040204" pitchFamily="34" charset="0"/>
+              </a:rPr>
+              <a:t>, năm</a:t>
+            </a:r>
+            <a:r>
+              <a:rPr lang="en-US" sz="1800" b="1" i="1" dirty="0">
                 <a:effectLst/>
-                <a:latin typeface="Times New Roman" panose="02020603050405020304" pitchFamily="18" charset="0"/>
-                <a:ea typeface="Arial" panose="020B0604020202020204" pitchFamily="34" charset="0"/>
-              </a:rPr>
-              <a:t>năm</a:t>
-            </a:r>
-            <a:r>
-              <a:rPr lang="en-US" sz="1800" b="1" i="1">
-                <a:effectLst/>
-                <a:latin typeface="Times New Roman" panose="02020603050405020304" pitchFamily="18" charset="0"/>
-                <a:ea typeface="Arial" panose="020B0604020202020204" pitchFamily="34" charset="0"/>
-              </a:rPr>
-              <a:t> 202</a:t>
-            </a:r>
-            <a:r>
-              <a:rPr lang="en-US" b="1" i="1">
-                <a:latin typeface="Times New Roman" panose="02020603050405020304" pitchFamily="18" charset="0"/>
-                <a:ea typeface="Arial" panose="020B0604020202020204" pitchFamily="34" charset="0"/>
-              </a:rPr>
-              <a:t>4</a:t>
-            </a:r>
-            <a:endParaRPr lang="en-US" sz="1400">
+                <a:latin typeface="Tahoma" panose="020B0604030504040204" pitchFamily="34" charset="0"/>
+                <a:ea typeface="Tahoma" panose="020B0604030504040204" pitchFamily="34" charset="0"/>
+                <a:cs typeface="Tahoma" panose="020B0604030504040204" pitchFamily="34" charset="0"/>
+              </a:rPr>
+              <a:t> 2025</a:t>
+            </a:r>
+            <a:endParaRPr lang="en-US" sz="1400" dirty="0">
               <a:effectLst/>
-              <a:latin typeface="Arial" panose="020B0604020202020204" pitchFamily="34" charset="0"/>
-              <a:ea typeface="Arial" panose="020B0604020202020204" pitchFamily="34" charset="0"/>
+              <a:latin typeface="Tahoma" panose="020B0604030504040204" pitchFamily="34" charset="0"/>
+              <a:ea typeface="Tahoma" panose="020B0604030504040204" pitchFamily="34" charset="0"/>
+              <a:cs typeface="Tahoma" panose="020B0604030504040204" pitchFamily="34" charset="0"/>
             </a:endParaRPr>
           </a:p>
         </p:txBody>
@@ -11519,7 +11409,11 @@
           <a:lstStyle/>
           <a:p>
             <a:pPr algn="ctr"/>
-            <a:endParaRPr lang="en-US"/>
+            <a:endParaRPr lang="en-US">
+              <a:latin typeface="Tahoma" panose="020B0604030504040204" pitchFamily="34" charset="0"/>
+              <a:ea typeface="Tahoma" panose="020B0604030504040204" pitchFamily="34" charset="0"/>
+              <a:cs typeface="Tahoma" panose="020B0604030504040204" pitchFamily="34" charset="0"/>
+            </a:endParaRPr>
           </a:p>
         </p:txBody>
       </p:sp>
@@ -11669,14 +11563,38 @@
               </a:spcAft>
             </a:pPr>
             <a:r>
-              <a:rPr lang="en-US" sz="4000">
-                <a:latin typeface="Tahoma" panose="020B0604030504040204" pitchFamily="34" charset="0"/>
-                <a:ea typeface="Tahoma" panose="020B0604030504040204" pitchFamily="34" charset="0"/>
-                <a:cs typeface="Tahoma" panose="020B0604030504040204" pitchFamily="34" charset="0"/>
-              </a:rPr>
-              <a:t>Mô hình ERD</a:t>
-            </a:r>
-            <a:endParaRPr lang="en-US" sz="4000">
+              <a:rPr lang="en-US" sz="4000" dirty="0" err="1">
+                <a:latin typeface="Tahoma" panose="020B0604030504040204" pitchFamily="34" charset="0"/>
+                <a:ea typeface="Tahoma" panose="020B0604030504040204" pitchFamily="34" charset="0"/>
+                <a:cs typeface="Tahoma" panose="020B0604030504040204" pitchFamily="34" charset="0"/>
+              </a:rPr>
+              <a:t>Mô</a:t>
+            </a:r>
+            <a:r>
+              <a:rPr lang="en-US" sz="4000" dirty="0">
+                <a:latin typeface="Tahoma" panose="020B0604030504040204" pitchFamily="34" charset="0"/>
+                <a:ea typeface="Tahoma" panose="020B0604030504040204" pitchFamily="34" charset="0"/>
+                <a:cs typeface="Tahoma" panose="020B0604030504040204" pitchFamily="34" charset="0"/>
+              </a:rPr>
+              <a:t> </a:t>
+            </a:r>
+            <a:r>
+              <a:rPr lang="en-US" sz="4000" dirty="0" err="1">
+                <a:latin typeface="Tahoma" panose="020B0604030504040204" pitchFamily="34" charset="0"/>
+                <a:ea typeface="Tahoma" panose="020B0604030504040204" pitchFamily="34" charset="0"/>
+                <a:cs typeface="Tahoma" panose="020B0604030504040204" pitchFamily="34" charset="0"/>
+              </a:rPr>
+              <a:t>hình</a:t>
+            </a:r>
+            <a:r>
+              <a:rPr lang="en-US" sz="4000" dirty="0">
+                <a:latin typeface="Tahoma" panose="020B0604030504040204" pitchFamily="34" charset="0"/>
+                <a:ea typeface="Tahoma" panose="020B0604030504040204" pitchFamily="34" charset="0"/>
+                <a:cs typeface="Tahoma" panose="020B0604030504040204" pitchFamily="34" charset="0"/>
+              </a:rPr>
+              <a:t> ERD</a:t>
+            </a:r>
+            <a:endParaRPr lang="en-US" sz="4000" dirty="0">
               <a:effectLst/>
               <a:latin typeface="Tahoma" panose="020B0604030504040204" pitchFamily="34" charset="0"/>
               <a:ea typeface="Tahoma" panose="020B0604030504040204" pitchFamily="34" charset="0"/>
@@ -11723,10 +11641,10 @@
       </p:pic>
       <p:pic>
         <p:nvPicPr>
-          <p:cNvPr id="3" name="Picture 2">
-            <a:extLst>
-              <a:ext uri="{FF2B5EF4-FFF2-40B4-BE49-F238E27FC236}">
-                <a16:creationId xmlns:a16="http://schemas.microsoft.com/office/drawing/2014/main" id="{1E1DE5B4-4F03-23F9-B5F1-0A11719EAD92}"/>
+          <p:cNvPr id="10" name="Picture 9">
+            <a:extLst>
+              <a:ext uri="{FF2B5EF4-FFF2-40B4-BE49-F238E27FC236}">
+                <a16:creationId xmlns:a16="http://schemas.microsoft.com/office/drawing/2014/main" id="{82FF0162-1190-B3A2-7F98-AC2DB0DC1C5E}"/>
               </a:ext>
             </a:extLst>
           </p:cNvPr>
@@ -11736,30 +11654,19 @@
           <p:nvPr/>
         </p:nvPicPr>
         <p:blipFill>
-          <a:blip r:embed="rId3">
-            <a:extLst>
-              <a:ext uri="{28A0092B-C50C-407E-A947-70E740481C1C}">
-                <a14:useLocalDpi xmlns:a14="http://schemas.microsoft.com/office/drawing/2010/main" val="0"/>
-              </a:ext>
-            </a:extLst>
-          </a:blip>
-          <a:srcRect/>
+          <a:blip r:embed="rId3"/>
           <a:stretch>
             <a:fillRect/>
           </a:stretch>
         </p:blipFill>
-        <p:spPr bwMode="auto">
+        <p:spPr>
           <a:xfrm>
-            <a:off x="1274900" y="1878552"/>
-            <a:ext cx="9642199" cy="4477798"/>
+            <a:off x="576943" y="1669378"/>
+            <a:ext cx="10776857" cy="4217991"/>
           </a:xfrm>
           <a:prstGeom prst="rect">
             <a:avLst/>
           </a:prstGeom>
-          <a:noFill/>
-          <a:ln>
-            <a:noFill/>
-          </a:ln>
         </p:spPr>
       </p:pic>
     </p:spTree>
@@ -11908,14 +11815,62 @@
               </a:spcAft>
             </a:pPr>
             <a:r>
-              <a:rPr lang="en-US" sz="4000">
-                <a:latin typeface="Tahoma" panose="020B0604030504040204" pitchFamily="34" charset="0"/>
-                <a:ea typeface="Tahoma" panose="020B0604030504040204" pitchFamily="34" charset="0"/>
-                <a:cs typeface="Tahoma" panose="020B0604030504040204" pitchFamily="34" charset="0"/>
-              </a:rPr>
-              <a:t>Mô hình vật lý</a:t>
-            </a:r>
-            <a:endParaRPr lang="en-US" sz="4000">
+              <a:rPr lang="en-US" sz="4000" dirty="0" err="1">
+                <a:latin typeface="Tahoma" panose="020B0604030504040204" pitchFamily="34" charset="0"/>
+                <a:ea typeface="Tahoma" panose="020B0604030504040204" pitchFamily="34" charset="0"/>
+                <a:cs typeface="Tahoma" panose="020B0604030504040204" pitchFamily="34" charset="0"/>
+              </a:rPr>
+              <a:t>Mô</a:t>
+            </a:r>
+            <a:r>
+              <a:rPr lang="en-US" sz="4000" dirty="0">
+                <a:latin typeface="Tahoma" panose="020B0604030504040204" pitchFamily="34" charset="0"/>
+                <a:ea typeface="Tahoma" panose="020B0604030504040204" pitchFamily="34" charset="0"/>
+                <a:cs typeface="Tahoma" panose="020B0604030504040204" pitchFamily="34" charset="0"/>
+              </a:rPr>
+              <a:t> </a:t>
+            </a:r>
+            <a:r>
+              <a:rPr lang="en-US" sz="4000" dirty="0" err="1">
+                <a:latin typeface="Tahoma" panose="020B0604030504040204" pitchFamily="34" charset="0"/>
+                <a:ea typeface="Tahoma" panose="020B0604030504040204" pitchFamily="34" charset="0"/>
+                <a:cs typeface="Tahoma" panose="020B0604030504040204" pitchFamily="34" charset="0"/>
+              </a:rPr>
+              <a:t>hình</a:t>
+            </a:r>
+            <a:r>
+              <a:rPr lang="en-US" sz="4000" dirty="0">
+                <a:latin typeface="Tahoma" panose="020B0604030504040204" pitchFamily="34" charset="0"/>
+                <a:ea typeface="Tahoma" panose="020B0604030504040204" pitchFamily="34" charset="0"/>
+                <a:cs typeface="Tahoma" panose="020B0604030504040204" pitchFamily="34" charset="0"/>
+              </a:rPr>
+              <a:t> </a:t>
+            </a:r>
+            <a:r>
+              <a:rPr lang="en-US" sz="4000" dirty="0" err="1">
+                <a:latin typeface="Tahoma" panose="020B0604030504040204" pitchFamily="34" charset="0"/>
+                <a:ea typeface="Tahoma" panose="020B0604030504040204" pitchFamily="34" charset="0"/>
+                <a:cs typeface="Tahoma" panose="020B0604030504040204" pitchFamily="34" charset="0"/>
+              </a:rPr>
+              <a:t>vật</a:t>
+            </a:r>
+            <a:r>
+              <a:rPr lang="en-US" sz="4000" dirty="0">
+                <a:latin typeface="Tahoma" panose="020B0604030504040204" pitchFamily="34" charset="0"/>
+                <a:ea typeface="Tahoma" panose="020B0604030504040204" pitchFamily="34" charset="0"/>
+                <a:cs typeface="Tahoma" panose="020B0604030504040204" pitchFamily="34" charset="0"/>
+              </a:rPr>
+              <a:t> </a:t>
+            </a:r>
+            <a:r>
+              <a:rPr lang="en-US" sz="4000" dirty="0" err="1">
+                <a:latin typeface="Tahoma" panose="020B0604030504040204" pitchFamily="34" charset="0"/>
+                <a:ea typeface="Tahoma" panose="020B0604030504040204" pitchFamily="34" charset="0"/>
+                <a:cs typeface="Tahoma" panose="020B0604030504040204" pitchFamily="34" charset="0"/>
+              </a:rPr>
+              <a:t>lý</a:t>
+            </a:r>
+            <a:endParaRPr lang="en-US" sz="4000" dirty="0">
               <a:effectLst/>
               <a:latin typeface="Tahoma" panose="020B0604030504040204" pitchFamily="34" charset="0"/>
               <a:ea typeface="Tahoma" panose="020B0604030504040204" pitchFamily="34" charset="0"/>
@@ -11962,10 +11917,10 @@
       </p:pic>
       <p:pic>
         <p:nvPicPr>
-          <p:cNvPr id="3" name="Picture 2">
-            <a:extLst>
-              <a:ext uri="{FF2B5EF4-FFF2-40B4-BE49-F238E27FC236}">
-                <a16:creationId xmlns:a16="http://schemas.microsoft.com/office/drawing/2014/main" id="{98EE67B8-3DD8-7C2B-93DE-F3F42F9D6B71}"/>
+          <p:cNvPr id="6" name="Picture 5">
+            <a:extLst>
+              <a:ext uri="{FF2B5EF4-FFF2-40B4-BE49-F238E27FC236}">
+                <a16:creationId xmlns:a16="http://schemas.microsoft.com/office/drawing/2014/main" id="{93989EA0-5941-3705-6B33-AFFD056CAD5C}"/>
               </a:ext>
             </a:extLst>
           </p:cNvPr>
@@ -11982,23 +11937,18 @@
               </a:ext>
             </a:extLst>
           </a:blip>
-          <a:srcRect/>
           <a:stretch>
             <a:fillRect/>
           </a:stretch>
         </p:blipFill>
-        <p:spPr bwMode="auto">
+        <p:spPr>
           <a:xfrm>
-            <a:off x="1510245" y="1955596"/>
-            <a:ext cx="9171510" cy="4319870"/>
+            <a:off x="312375" y="1701422"/>
+            <a:ext cx="11462857" cy="4828218"/>
           </a:xfrm>
           <a:prstGeom prst="rect">
             <a:avLst/>
           </a:prstGeom>
-          <a:noFill/>
-          <a:ln>
-            <a:noFill/>
-          </a:ln>
         </p:spPr>
       </p:pic>
     </p:spTree>
@@ -12053,10 +12003,18 @@
           <a:lstStyle/>
           <a:p>
             <a:fld id="{D16EA1EE-1AB6-40C4-ADCB-7B395AD295B2}" type="slidenum">
-              <a:rPr lang="en-US" smtClean="0"/>
+              <a:rPr lang="en-US" smtClean="0">
+                <a:latin typeface="Tahoma" panose="020B0604030504040204" pitchFamily="34" charset="0"/>
+                <a:ea typeface="Tahoma" panose="020B0604030504040204" pitchFamily="34" charset="0"/>
+                <a:cs typeface="Tahoma" panose="020B0604030504040204" pitchFamily="34" charset="0"/>
+              </a:rPr>
               <a:t>12</a:t>
             </a:fld>
-            <a:endParaRPr lang="en-US"/>
+            <a:endParaRPr lang="en-US">
+              <a:latin typeface="Tahoma" panose="020B0604030504040204" pitchFamily="34" charset="0"/>
+              <a:ea typeface="Tahoma" panose="020B0604030504040204" pitchFamily="34" charset="0"/>
+              <a:cs typeface="Tahoma" panose="020B0604030504040204" pitchFamily="34" charset="0"/>
+            </a:endParaRPr>
           </a:p>
         </p:txBody>
       </p:sp>
@@ -12103,7 +12061,11 @@
           <a:lstStyle/>
           <a:p>
             <a:pPr algn="ctr"/>
-            <a:endParaRPr lang="en-US"/>
+            <a:endParaRPr lang="en-US">
+              <a:latin typeface="Tahoma" panose="020B0604030504040204" pitchFamily="34" charset="0"/>
+              <a:ea typeface="Tahoma" panose="020B0604030504040204" pitchFamily="34" charset="0"/>
+              <a:cs typeface="Tahoma" panose="020B0604030504040204" pitchFamily="34" charset="0"/>
+            </a:endParaRPr>
           </a:p>
         </p:txBody>
       </p:sp>
@@ -12431,7 +12393,7 @@
         <p:spPr>
           <a:xfrm>
             <a:off x="2709737" y="5472444"/>
-            <a:ext cx="2330245" cy="1077218"/>
+            <a:ext cx="2330245" cy="830997"/>
           </a:xfrm>
           <a:prstGeom prst="rect">
             <a:avLst/>
@@ -12453,14 +12415,142 @@
               </a:spcAft>
             </a:pPr>
             <a:r>
-              <a:rPr lang="en-US" sz="1600">
-                <a:latin typeface="Tahoma" panose="020B0604030504040204" pitchFamily="34" charset="0"/>
-                <a:ea typeface="Tahoma" panose="020B0604030504040204" pitchFamily="34" charset="0"/>
-                <a:cs typeface="Tahoma" panose="020B0604030504040204" pitchFamily="34" charset="0"/>
-              </a:rPr>
-              <a:t>Tham khảo giao diện web khác, học Reactjs, Node, Docker, MySQL,…</a:t>
-            </a:r>
-            <a:endParaRPr lang="en-US" sz="1600">
+              <a:rPr lang="en-US" sz="1600" dirty="0">
+                <a:latin typeface="Tahoma" panose="020B0604030504040204" pitchFamily="34" charset="0"/>
+                <a:ea typeface="Tahoma" panose="020B0604030504040204" pitchFamily="34" charset="0"/>
+                <a:cs typeface="Tahoma" panose="020B0604030504040204" pitchFamily="34" charset="0"/>
+              </a:rPr>
+              <a:t>Tham </a:t>
+            </a:r>
+            <a:r>
+              <a:rPr lang="en-US" sz="1600" dirty="0" err="1">
+                <a:latin typeface="Tahoma" panose="020B0604030504040204" pitchFamily="34" charset="0"/>
+                <a:ea typeface="Tahoma" panose="020B0604030504040204" pitchFamily="34" charset="0"/>
+                <a:cs typeface="Tahoma" panose="020B0604030504040204" pitchFamily="34" charset="0"/>
+              </a:rPr>
+              <a:t>khảo</a:t>
+            </a:r>
+            <a:r>
+              <a:rPr lang="en-US" sz="1600" dirty="0">
+                <a:latin typeface="Tahoma" panose="020B0604030504040204" pitchFamily="34" charset="0"/>
+                <a:ea typeface="Tahoma" panose="020B0604030504040204" pitchFamily="34" charset="0"/>
+                <a:cs typeface="Tahoma" panose="020B0604030504040204" pitchFamily="34" charset="0"/>
+              </a:rPr>
+              <a:t> </a:t>
+            </a:r>
+            <a:r>
+              <a:rPr lang="en-US" sz="1600" dirty="0" err="1">
+                <a:latin typeface="Tahoma" panose="020B0604030504040204" pitchFamily="34" charset="0"/>
+                <a:ea typeface="Tahoma" panose="020B0604030504040204" pitchFamily="34" charset="0"/>
+                <a:cs typeface="Tahoma" panose="020B0604030504040204" pitchFamily="34" charset="0"/>
+              </a:rPr>
+              <a:t>giao</a:t>
+            </a:r>
+            <a:r>
+              <a:rPr lang="en-US" sz="1600" dirty="0">
+                <a:latin typeface="Tahoma" panose="020B0604030504040204" pitchFamily="34" charset="0"/>
+                <a:ea typeface="Tahoma" panose="020B0604030504040204" pitchFamily="34" charset="0"/>
+                <a:cs typeface="Tahoma" panose="020B0604030504040204" pitchFamily="34" charset="0"/>
+              </a:rPr>
+              <a:t> </a:t>
+            </a:r>
+            <a:r>
+              <a:rPr lang="en-US" sz="1600" dirty="0" err="1">
+                <a:latin typeface="Tahoma" panose="020B0604030504040204" pitchFamily="34" charset="0"/>
+                <a:ea typeface="Tahoma" panose="020B0604030504040204" pitchFamily="34" charset="0"/>
+                <a:cs typeface="Tahoma" panose="020B0604030504040204" pitchFamily="34" charset="0"/>
+              </a:rPr>
+              <a:t>diện</a:t>
+            </a:r>
+            <a:r>
+              <a:rPr lang="en-US" sz="1600" dirty="0">
+                <a:latin typeface="Tahoma" panose="020B0604030504040204" pitchFamily="34" charset="0"/>
+                <a:ea typeface="Tahoma" panose="020B0604030504040204" pitchFamily="34" charset="0"/>
+                <a:cs typeface="Tahoma" panose="020B0604030504040204" pitchFamily="34" charset="0"/>
+              </a:rPr>
+              <a:t> </a:t>
+            </a:r>
+            <a:r>
+              <a:rPr lang="en-US" sz="1600" dirty="0" err="1">
+                <a:latin typeface="Tahoma" panose="020B0604030504040204" pitchFamily="34" charset="0"/>
+                <a:ea typeface="Tahoma" panose="020B0604030504040204" pitchFamily="34" charset="0"/>
+                <a:cs typeface="Tahoma" panose="020B0604030504040204" pitchFamily="34" charset="0"/>
+              </a:rPr>
+              <a:t>và</a:t>
+            </a:r>
+            <a:r>
+              <a:rPr lang="en-US" sz="1600" dirty="0">
+                <a:latin typeface="Tahoma" panose="020B0604030504040204" pitchFamily="34" charset="0"/>
+                <a:ea typeface="Tahoma" panose="020B0604030504040204" pitchFamily="34" charset="0"/>
+                <a:cs typeface="Tahoma" panose="020B0604030504040204" pitchFamily="34" charset="0"/>
+              </a:rPr>
+              <a:t> </a:t>
+            </a:r>
+            <a:r>
+              <a:rPr lang="en-US" sz="1600" dirty="0" err="1">
+                <a:latin typeface="Tahoma" panose="020B0604030504040204" pitchFamily="34" charset="0"/>
+                <a:ea typeface="Tahoma" panose="020B0604030504040204" pitchFamily="34" charset="0"/>
+                <a:cs typeface="Tahoma" panose="020B0604030504040204" pitchFamily="34" charset="0"/>
+              </a:rPr>
+              <a:t>chức</a:t>
+            </a:r>
+            <a:r>
+              <a:rPr lang="en-US" sz="1600" dirty="0">
+                <a:latin typeface="Tahoma" panose="020B0604030504040204" pitchFamily="34" charset="0"/>
+                <a:ea typeface="Tahoma" panose="020B0604030504040204" pitchFamily="34" charset="0"/>
+                <a:cs typeface="Tahoma" panose="020B0604030504040204" pitchFamily="34" charset="0"/>
+              </a:rPr>
+              <a:t> </a:t>
+            </a:r>
+            <a:r>
+              <a:rPr lang="en-US" sz="1600" dirty="0" err="1">
+                <a:latin typeface="Tahoma" panose="020B0604030504040204" pitchFamily="34" charset="0"/>
+                <a:ea typeface="Tahoma" panose="020B0604030504040204" pitchFamily="34" charset="0"/>
+                <a:cs typeface="Tahoma" panose="020B0604030504040204" pitchFamily="34" charset="0"/>
+              </a:rPr>
+              <a:t>năng</a:t>
+            </a:r>
+            <a:r>
+              <a:rPr lang="en-US" sz="1600" dirty="0">
+                <a:latin typeface="Tahoma" panose="020B0604030504040204" pitchFamily="34" charset="0"/>
+                <a:ea typeface="Tahoma" panose="020B0604030504040204" pitchFamily="34" charset="0"/>
+                <a:cs typeface="Tahoma" panose="020B0604030504040204" pitchFamily="34" charset="0"/>
+              </a:rPr>
+              <a:t> </a:t>
+            </a:r>
+            <a:r>
+              <a:rPr lang="en-US" sz="1600" dirty="0" err="1">
+                <a:latin typeface="Tahoma" panose="020B0604030504040204" pitchFamily="34" charset="0"/>
+                <a:ea typeface="Tahoma" panose="020B0604030504040204" pitchFamily="34" charset="0"/>
+                <a:cs typeface="Tahoma" panose="020B0604030504040204" pitchFamily="34" charset="0"/>
+              </a:rPr>
+              <a:t>trên</a:t>
+            </a:r>
+            <a:r>
+              <a:rPr lang="en-US" sz="1600" dirty="0">
+                <a:latin typeface="Tahoma" panose="020B0604030504040204" pitchFamily="34" charset="0"/>
+                <a:ea typeface="Tahoma" panose="020B0604030504040204" pitchFamily="34" charset="0"/>
+                <a:cs typeface="Tahoma" panose="020B0604030504040204" pitchFamily="34" charset="0"/>
+              </a:rPr>
+              <a:t> web </a:t>
+            </a:r>
+            <a:r>
+              <a:rPr lang="en-US" sz="1600" dirty="0" err="1">
+                <a:latin typeface="Tahoma" panose="020B0604030504040204" pitchFamily="34" charset="0"/>
+                <a:ea typeface="Tahoma" panose="020B0604030504040204" pitchFamily="34" charset="0"/>
+                <a:cs typeface="Tahoma" panose="020B0604030504040204" pitchFamily="34" charset="0"/>
+              </a:rPr>
+              <a:t>khác</a:t>
+            </a:r>
+            <a:r>
+              <a:rPr lang="en-US" sz="1600" dirty="0">
+                <a:latin typeface="Tahoma" panose="020B0604030504040204" pitchFamily="34" charset="0"/>
+                <a:ea typeface="Tahoma" panose="020B0604030504040204" pitchFamily="34" charset="0"/>
+                <a:cs typeface="Tahoma" panose="020B0604030504040204" pitchFamily="34" charset="0"/>
+              </a:rPr>
+              <a:t>.</a:t>
+            </a:r>
+            <a:endParaRPr lang="en-US" sz="1600" dirty="0">
               <a:effectLst/>
               <a:latin typeface="Tahoma" panose="020B0604030504040204" pitchFamily="34" charset="0"/>
               <a:ea typeface="Tahoma" panose="020B0604030504040204" pitchFamily="34" charset="0"/>
@@ -13265,10 +13355,18 @@
           <a:lstStyle/>
           <a:p>
             <a:fld id="{D16EA1EE-1AB6-40C4-ADCB-7B395AD295B2}" type="slidenum">
-              <a:rPr lang="en-US" smtClean="0"/>
+              <a:rPr lang="en-US" smtClean="0">
+                <a:latin typeface="Tahoma" panose="020B0604030504040204" pitchFamily="34" charset="0"/>
+                <a:ea typeface="Tahoma" panose="020B0604030504040204" pitchFamily="34" charset="0"/>
+                <a:cs typeface="Tahoma" panose="020B0604030504040204" pitchFamily="34" charset="0"/>
+              </a:rPr>
               <a:t>13</a:t>
             </a:fld>
-            <a:endParaRPr lang="en-US"/>
+            <a:endParaRPr lang="en-US">
+              <a:latin typeface="Tahoma" panose="020B0604030504040204" pitchFamily="34" charset="0"/>
+              <a:ea typeface="Tahoma" panose="020B0604030504040204" pitchFamily="34" charset="0"/>
+              <a:cs typeface="Tahoma" panose="020B0604030504040204" pitchFamily="34" charset="0"/>
+            </a:endParaRPr>
           </a:p>
         </p:txBody>
       </p:sp>
@@ -13315,7 +13413,11 @@
           <a:lstStyle/>
           <a:p>
             <a:pPr algn="ctr"/>
-            <a:endParaRPr lang="en-US"/>
+            <a:endParaRPr lang="en-US">
+              <a:latin typeface="Tahoma" panose="020B0604030504040204" pitchFamily="34" charset="0"/>
+              <a:ea typeface="Tahoma" panose="020B0604030504040204" pitchFamily="34" charset="0"/>
+              <a:cs typeface="Tahoma" panose="020B0604030504040204" pitchFamily="34" charset="0"/>
+            </a:endParaRPr>
           </a:p>
         </p:txBody>
       </p:sp>
@@ -13513,10 +13615,18 @@
           <a:lstStyle/>
           <a:p>
             <a:fld id="{D16EA1EE-1AB6-40C4-ADCB-7B395AD295B2}" type="slidenum">
-              <a:rPr lang="en-US" smtClean="0"/>
+              <a:rPr lang="en-US" smtClean="0">
+                <a:latin typeface="Tahoma" panose="020B0604030504040204" pitchFamily="34" charset="0"/>
+                <a:ea typeface="Tahoma" panose="020B0604030504040204" pitchFamily="34" charset="0"/>
+                <a:cs typeface="Tahoma" panose="020B0604030504040204" pitchFamily="34" charset="0"/>
+              </a:rPr>
               <a:t>14</a:t>
             </a:fld>
-            <a:endParaRPr lang="en-US"/>
+            <a:endParaRPr lang="en-US">
+              <a:latin typeface="Tahoma" panose="020B0604030504040204" pitchFamily="34" charset="0"/>
+              <a:ea typeface="Tahoma" panose="020B0604030504040204" pitchFamily="34" charset="0"/>
+              <a:cs typeface="Tahoma" panose="020B0604030504040204" pitchFamily="34" charset="0"/>
+            </a:endParaRPr>
           </a:p>
         </p:txBody>
       </p:sp>
@@ -13563,7 +13673,11 @@
           <a:lstStyle/>
           <a:p>
             <a:pPr algn="ctr"/>
-            <a:endParaRPr lang="en-US"/>
+            <a:endParaRPr lang="en-US">
+              <a:latin typeface="Tahoma" panose="020B0604030504040204" pitchFamily="34" charset="0"/>
+              <a:ea typeface="Tahoma" panose="020B0604030504040204" pitchFamily="34" charset="0"/>
+              <a:cs typeface="Tahoma" panose="020B0604030504040204" pitchFamily="34" charset="0"/>
+            </a:endParaRPr>
           </a:p>
         </p:txBody>
       </p:sp>
@@ -13607,7 +13721,7 @@
               </a:spcAft>
             </a:pPr>
             <a:r>
-              <a:rPr lang="en-US" sz="4000" b="1">
+              <a:rPr lang="en-US" sz="4000" b="1" dirty="0">
                 <a:solidFill>
                   <a:srgbClr val="000000"/>
                 </a:solidFill>
@@ -13617,7 +13731,7 @@
               </a:rPr>
               <a:t>KẾT QUẢ ĐẠT ĐƯỢC</a:t>
             </a:r>
-            <a:endParaRPr lang="en-US" sz="4000">
+            <a:endParaRPr lang="en-US" sz="4000" dirty="0">
               <a:effectLst/>
               <a:latin typeface="Tahoma" panose="020B0604030504040204" pitchFamily="34" charset="0"/>
               <a:ea typeface="Tahoma" panose="020B0604030504040204" pitchFamily="34" charset="0"/>
@@ -13724,7 +13838,7 @@
         <p:spPr>
           <a:xfrm>
             <a:off x="546421" y="2036347"/>
-            <a:ext cx="6155935" cy="2054665"/>
+            <a:ext cx="6155935" cy="3070328"/>
           </a:xfrm>
           <a:prstGeom prst="rect">
             <a:avLst/>
@@ -13737,7 +13851,456 @@
           </a:bodyPr>
           <a:lstStyle/>
           <a:p>
-            <a:pPr marR="0" indent="457200">
+            <a:pPr indent="341313">
+              <a:lnSpc>
+                <a:spcPct val="150000"/>
+              </a:lnSpc>
+              <a:buFontTx/>
+              <a:buChar char="-"/>
+            </a:pPr>
+            <a:r>
+              <a:rPr lang="en-US" sz="2200" dirty="0" err="1">
+                <a:solidFill>
+                  <a:srgbClr val="000000"/>
+                </a:solidFill>
+                <a:latin typeface="Tahoma" panose="020B0604030504040204" pitchFamily="34" charset="0"/>
+                <a:ea typeface="Tahoma" panose="020B0604030504040204" pitchFamily="34" charset="0"/>
+                <a:cs typeface="Tahoma" panose="020B0604030504040204" pitchFamily="34" charset="0"/>
+              </a:rPr>
+              <a:t>Xây</a:t>
+            </a:r>
+            <a:r>
+              <a:rPr lang="en-US" sz="2200" dirty="0">
+                <a:solidFill>
+                  <a:srgbClr val="000000"/>
+                </a:solidFill>
+                <a:latin typeface="Tahoma" panose="020B0604030504040204" pitchFamily="34" charset="0"/>
+                <a:ea typeface="Tahoma" panose="020B0604030504040204" pitchFamily="34" charset="0"/>
+                <a:cs typeface="Tahoma" panose="020B0604030504040204" pitchFamily="34" charset="0"/>
+              </a:rPr>
+              <a:t> </a:t>
+            </a:r>
+            <a:r>
+              <a:rPr lang="en-US" sz="2200" dirty="0" err="1">
+                <a:solidFill>
+                  <a:srgbClr val="000000"/>
+                </a:solidFill>
+                <a:latin typeface="Tahoma" panose="020B0604030504040204" pitchFamily="34" charset="0"/>
+                <a:ea typeface="Tahoma" panose="020B0604030504040204" pitchFamily="34" charset="0"/>
+                <a:cs typeface="Tahoma" panose="020B0604030504040204" pitchFamily="34" charset="0"/>
+              </a:rPr>
+              <a:t>dựng</a:t>
+            </a:r>
+            <a:r>
+              <a:rPr lang="en-US" sz="2200" dirty="0">
+                <a:solidFill>
+                  <a:srgbClr val="000000"/>
+                </a:solidFill>
+                <a:latin typeface="Tahoma" panose="020B0604030504040204" pitchFamily="34" charset="0"/>
+                <a:ea typeface="Tahoma" panose="020B0604030504040204" pitchFamily="34" charset="0"/>
+                <a:cs typeface="Tahoma" panose="020B0604030504040204" pitchFamily="34" charset="0"/>
+              </a:rPr>
+              <a:t> </a:t>
+            </a:r>
+            <a:r>
+              <a:rPr lang="en-US" sz="2200" dirty="0" err="1">
+                <a:solidFill>
+                  <a:srgbClr val="000000"/>
+                </a:solidFill>
+                <a:latin typeface="Tahoma" panose="020B0604030504040204" pitchFamily="34" charset="0"/>
+                <a:ea typeface="Tahoma" panose="020B0604030504040204" pitchFamily="34" charset="0"/>
+                <a:cs typeface="Tahoma" panose="020B0604030504040204" pitchFamily="34" charset="0"/>
+              </a:rPr>
+              <a:t>được</a:t>
+            </a:r>
+            <a:r>
+              <a:rPr lang="en-US" sz="2200" dirty="0">
+                <a:solidFill>
+                  <a:srgbClr val="000000"/>
+                </a:solidFill>
+                <a:latin typeface="Tahoma" panose="020B0604030504040204" pitchFamily="34" charset="0"/>
+                <a:ea typeface="Tahoma" panose="020B0604030504040204" pitchFamily="34" charset="0"/>
+                <a:cs typeface="Tahoma" panose="020B0604030504040204" pitchFamily="34" charset="0"/>
+              </a:rPr>
+              <a:t> </a:t>
+            </a:r>
+            <a:r>
+              <a:rPr lang="en-US" sz="2200" dirty="0" err="1">
+                <a:solidFill>
+                  <a:srgbClr val="000000"/>
+                </a:solidFill>
+                <a:latin typeface="Tahoma" panose="020B0604030504040204" pitchFamily="34" charset="0"/>
+                <a:ea typeface="Tahoma" panose="020B0604030504040204" pitchFamily="34" charset="0"/>
+                <a:cs typeface="Tahoma" panose="020B0604030504040204" pitchFamily="34" charset="0"/>
+              </a:rPr>
+              <a:t>một</a:t>
+            </a:r>
+            <a:r>
+              <a:rPr lang="en-US" sz="2200" dirty="0">
+                <a:solidFill>
+                  <a:srgbClr val="000000"/>
+                </a:solidFill>
+                <a:latin typeface="Tahoma" panose="020B0604030504040204" pitchFamily="34" charset="0"/>
+                <a:ea typeface="Tahoma" panose="020B0604030504040204" pitchFamily="34" charset="0"/>
+                <a:cs typeface="Tahoma" panose="020B0604030504040204" pitchFamily="34" charset="0"/>
+              </a:rPr>
+              <a:t> website </a:t>
+            </a:r>
+            <a:r>
+              <a:rPr lang="en-US" sz="2200" dirty="0" err="1">
+                <a:solidFill>
+                  <a:srgbClr val="000000"/>
+                </a:solidFill>
+                <a:latin typeface="Tahoma" panose="020B0604030504040204" pitchFamily="34" charset="0"/>
+                <a:ea typeface="Tahoma" panose="020B0604030504040204" pitchFamily="34" charset="0"/>
+                <a:cs typeface="Tahoma" panose="020B0604030504040204" pitchFamily="34" charset="0"/>
+              </a:rPr>
+              <a:t>có</a:t>
+            </a:r>
+            <a:r>
+              <a:rPr lang="en-US" sz="2200" dirty="0">
+                <a:solidFill>
+                  <a:srgbClr val="000000"/>
+                </a:solidFill>
+                <a:latin typeface="Tahoma" panose="020B0604030504040204" pitchFamily="34" charset="0"/>
+                <a:ea typeface="Tahoma" panose="020B0604030504040204" pitchFamily="34" charset="0"/>
+                <a:cs typeface="Tahoma" panose="020B0604030504040204" pitchFamily="34" charset="0"/>
+              </a:rPr>
+              <a:t> </a:t>
+            </a:r>
+            <a:r>
+              <a:rPr lang="en-US" sz="2200" dirty="0" err="1">
+                <a:solidFill>
+                  <a:srgbClr val="000000"/>
+                </a:solidFill>
+                <a:latin typeface="Tahoma" panose="020B0604030504040204" pitchFamily="34" charset="0"/>
+                <a:ea typeface="Tahoma" panose="020B0604030504040204" pitchFamily="34" charset="0"/>
+                <a:cs typeface="Tahoma" panose="020B0604030504040204" pitchFamily="34" charset="0"/>
+              </a:rPr>
+              <a:t>các</a:t>
+            </a:r>
+            <a:r>
+              <a:rPr lang="en-US" sz="2200" dirty="0">
+                <a:solidFill>
+                  <a:srgbClr val="000000"/>
+                </a:solidFill>
+                <a:latin typeface="Tahoma" panose="020B0604030504040204" pitchFamily="34" charset="0"/>
+                <a:ea typeface="Tahoma" panose="020B0604030504040204" pitchFamily="34" charset="0"/>
+                <a:cs typeface="Tahoma" panose="020B0604030504040204" pitchFamily="34" charset="0"/>
+              </a:rPr>
+              <a:t> </a:t>
+            </a:r>
+            <a:r>
+              <a:rPr lang="en-US" sz="2200" dirty="0" err="1">
+                <a:solidFill>
+                  <a:srgbClr val="000000"/>
+                </a:solidFill>
+                <a:latin typeface="Tahoma" panose="020B0604030504040204" pitchFamily="34" charset="0"/>
+                <a:ea typeface="Tahoma" panose="020B0604030504040204" pitchFamily="34" charset="0"/>
+                <a:cs typeface="Tahoma" panose="020B0604030504040204" pitchFamily="34" charset="0"/>
+              </a:rPr>
+              <a:t>chức</a:t>
+            </a:r>
+            <a:r>
+              <a:rPr lang="en-US" sz="2200" dirty="0">
+                <a:solidFill>
+                  <a:srgbClr val="000000"/>
+                </a:solidFill>
+                <a:latin typeface="Tahoma" panose="020B0604030504040204" pitchFamily="34" charset="0"/>
+                <a:ea typeface="Tahoma" panose="020B0604030504040204" pitchFamily="34" charset="0"/>
+                <a:cs typeface="Tahoma" panose="020B0604030504040204" pitchFamily="34" charset="0"/>
+              </a:rPr>
+              <a:t> </a:t>
+            </a:r>
+            <a:r>
+              <a:rPr lang="en-US" sz="2200" dirty="0" err="1">
+                <a:solidFill>
+                  <a:srgbClr val="000000"/>
+                </a:solidFill>
+                <a:latin typeface="Tahoma" panose="020B0604030504040204" pitchFamily="34" charset="0"/>
+                <a:ea typeface="Tahoma" panose="020B0604030504040204" pitchFamily="34" charset="0"/>
+                <a:cs typeface="Tahoma" panose="020B0604030504040204" pitchFamily="34" charset="0"/>
+              </a:rPr>
+              <a:t>năng</a:t>
+            </a:r>
+            <a:r>
+              <a:rPr lang="en-US" sz="2200" dirty="0">
+                <a:solidFill>
+                  <a:srgbClr val="000000"/>
+                </a:solidFill>
+                <a:latin typeface="Tahoma" panose="020B0604030504040204" pitchFamily="34" charset="0"/>
+                <a:ea typeface="Tahoma" panose="020B0604030504040204" pitchFamily="34" charset="0"/>
+                <a:cs typeface="Tahoma" panose="020B0604030504040204" pitchFamily="34" charset="0"/>
+              </a:rPr>
+              <a:t> </a:t>
+            </a:r>
+            <a:r>
+              <a:rPr lang="en-US" sz="2200" dirty="0" err="1">
+                <a:solidFill>
+                  <a:srgbClr val="000000"/>
+                </a:solidFill>
+                <a:latin typeface="Tahoma" panose="020B0604030504040204" pitchFamily="34" charset="0"/>
+                <a:ea typeface="Tahoma" panose="020B0604030504040204" pitchFamily="34" charset="0"/>
+                <a:cs typeface="Tahoma" panose="020B0604030504040204" pitchFamily="34" charset="0"/>
+              </a:rPr>
+              <a:t>cơ</a:t>
+            </a:r>
+            <a:r>
+              <a:rPr lang="en-US" sz="2200" dirty="0">
+                <a:solidFill>
+                  <a:srgbClr val="000000"/>
+                </a:solidFill>
+                <a:latin typeface="Tahoma" panose="020B0604030504040204" pitchFamily="34" charset="0"/>
+                <a:ea typeface="Tahoma" panose="020B0604030504040204" pitchFamily="34" charset="0"/>
+                <a:cs typeface="Tahoma" panose="020B0604030504040204" pitchFamily="34" charset="0"/>
+              </a:rPr>
+              <a:t> </a:t>
+            </a:r>
+            <a:r>
+              <a:rPr lang="en-US" sz="2200" dirty="0" err="1">
+                <a:solidFill>
+                  <a:srgbClr val="000000"/>
+                </a:solidFill>
+                <a:latin typeface="Tahoma" panose="020B0604030504040204" pitchFamily="34" charset="0"/>
+                <a:ea typeface="Tahoma" panose="020B0604030504040204" pitchFamily="34" charset="0"/>
+                <a:cs typeface="Tahoma" panose="020B0604030504040204" pitchFamily="34" charset="0"/>
+              </a:rPr>
+              <a:t>bản</a:t>
+            </a:r>
+            <a:r>
+              <a:rPr lang="en-US" sz="2200" dirty="0">
+                <a:solidFill>
+                  <a:srgbClr val="000000"/>
+                </a:solidFill>
+                <a:latin typeface="Tahoma" panose="020B0604030504040204" pitchFamily="34" charset="0"/>
+                <a:ea typeface="Tahoma" panose="020B0604030504040204" pitchFamily="34" charset="0"/>
+                <a:cs typeface="Tahoma" panose="020B0604030504040204" pitchFamily="34" charset="0"/>
+              </a:rPr>
+              <a:t> </a:t>
+            </a:r>
+            <a:r>
+              <a:rPr lang="en-US" sz="2200" dirty="0" err="1">
+                <a:solidFill>
+                  <a:srgbClr val="000000"/>
+                </a:solidFill>
+                <a:latin typeface="Tahoma" panose="020B0604030504040204" pitchFamily="34" charset="0"/>
+                <a:ea typeface="Tahoma" panose="020B0604030504040204" pitchFamily="34" charset="0"/>
+                <a:cs typeface="Tahoma" panose="020B0604030504040204" pitchFamily="34" charset="0"/>
+              </a:rPr>
+              <a:t>của</a:t>
+            </a:r>
+            <a:r>
+              <a:rPr lang="en-US" sz="2200" dirty="0">
+                <a:solidFill>
+                  <a:srgbClr val="000000"/>
+                </a:solidFill>
+                <a:latin typeface="Tahoma" panose="020B0604030504040204" pitchFamily="34" charset="0"/>
+                <a:ea typeface="Tahoma" panose="020B0604030504040204" pitchFamily="34" charset="0"/>
+                <a:cs typeface="Tahoma" panose="020B0604030504040204" pitchFamily="34" charset="0"/>
+              </a:rPr>
+              <a:t> </a:t>
+            </a:r>
+            <a:r>
+              <a:rPr lang="en-US" sz="2200" dirty="0" err="1">
+                <a:solidFill>
+                  <a:srgbClr val="000000"/>
+                </a:solidFill>
+                <a:latin typeface="Tahoma" panose="020B0604030504040204" pitchFamily="34" charset="0"/>
+                <a:ea typeface="Tahoma" panose="020B0604030504040204" pitchFamily="34" charset="0"/>
+                <a:cs typeface="Tahoma" panose="020B0604030504040204" pitchFamily="34" charset="0"/>
+              </a:rPr>
+              <a:t>một</a:t>
+            </a:r>
+            <a:r>
+              <a:rPr lang="en-US" sz="2200" dirty="0">
+                <a:solidFill>
+                  <a:srgbClr val="000000"/>
+                </a:solidFill>
+                <a:latin typeface="Tahoma" panose="020B0604030504040204" pitchFamily="34" charset="0"/>
+                <a:ea typeface="Tahoma" panose="020B0604030504040204" pitchFamily="34" charset="0"/>
+                <a:cs typeface="Tahoma" panose="020B0604030504040204" pitchFamily="34" charset="0"/>
+              </a:rPr>
+              <a:t> </a:t>
+            </a:r>
+            <a:r>
+              <a:rPr lang="en-US" sz="2200" dirty="0" err="1">
+                <a:solidFill>
+                  <a:srgbClr val="000000"/>
+                </a:solidFill>
+                <a:latin typeface="Tahoma" panose="020B0604030504040204" pitchFamily="34" charset="0"/>
+                <a:ea typeface="Tahoma" panose="020B0604030504040204" pitchFamily="34" charset="0"/>
+                <a:cs typeface="Tahoma" panose="020B0604030504040204" pitchFamily="34" charset="0"/>
+              </a:rPr>
+              <a:t>trang</a:t>
+            </a:r>
+            <a:r>
+              <a:rPr lang="en-US" sz="2200" dirty="0">
+                <a:solidFill>
+                  <a:srgbClr val="000000"/>
+                </a:solidFill>
+                <a:latin typeface="Tahoma" panose="020B0604030504040204" pitchFamily="34" charset="0"/>
+                <a:ea typeface="Tahoma" panose="020B0604030504040204" pitchFamily="34" charset="0"/>
+                <a:cs typeface="Tahoma" panose="020B0604030504040204" pitchFamily="34" charset="0"/>
+              </a:rPr>
+              <a:t> website </a:t>
+            </a:r>
+            <a:r>
+              <a:rPr lang="en-US" sz="2200" dirty="0" err="1">
+                <a:solidFill>
+                  <a:srgbClr val="000000"/>
+                </a:solidFill>
+                <a:latin typeface="Tahoma" panose="020B0604030504040204" pitchFamily="34" charset="0"/>
+                <a:ea typeface="Tahoma" panose="020B0604030504040204" pitchFamily="34" charset="0"/>
+                <a:cs typeface="Tahoma" panose="020B0604030504040204" pitchFamily="34" charset="0"/>
+              </a:rPr>
+              <a:t>thương</a:t>
+            </a:r>
+            <a:r>
+              <a:rPr lang="en-US" sz="2200" dirty="0">
+                <a:solidFill>
+                  <a:srgbClr val="000000"/>
+                </a:solidFill>
+                <a:latin typeface="Tahoma" panose="020B0604030504040204" pitchFamily="34" charset="0"/>
+                <a:ea typeface="Tahoma" panose="020B0604030504040204" pitchFamily="34" charset="0"/>
+                <a:cs typeface="Tahoma" panose="020B0604030504040204" pitchFamily="34" charset="0"/>
+              </a:rPr>
+              <a:t> </a:t>
+            </a:r>
+            <a:r>
+              <a:rPr lang="en-US" sz="2200" dirty="0" err="1">
+                <a:solidFill>
+                  <a:srgbClr val="000000"/>
+                </a:solidFill>
+                <a:latin typeface="Tahoma" panose="020B0604030504040204" pitchFamily="34" charset="0"/>
+                <a:ea typeface="Tahoma" panose="020B0604030504040204" pitchFamily="34" charset="0"/>
+                <a:cs typeface="Tahoma" panose="020B0604030504040204" pitchFamily="34" charset="0"/>
+              </a:rPr>
+              <a:t>mại</a:t>
+            </a:r>
+            <a:r>
+              <a:rPr lang="en-US" sz="2200" dirty="0">
+                <a:solidFill>
+                  <a:srgbClr val="000000"/>
+                </a:solidFill>
+                <a:latin typeface="Tahoma" panose="020B0604030504040204" pitchFamily="34" charset="0"/>
+                <a:ea typeface="Tahoma" panose="020B0604030504040204" pitchFamily="34" charset="0"/>
+                <a:cs typeface="Tahoma" panose="020B0604030504040204" pitchFamily="34" charset="0"/>
+              </a:rPr>
+              <a:t> </a:t>
+            </a:r>
+            <a:r>
+              <a:rPr lang="en-US" sz="2200" dirty="0" err="1">
+                <a:solidFill>
+                  <a:srgbClr val="000000"/>
+                </a:solidFill>
+                <a:latin typeface="Tahoma" panose="020B0604030504040204" pitchFamily="34" charset="0"/>
+                <a:ea typeface="Tahoma" panose="020B0604030504040204" pitchFamily="34" charset="0"/>
+                <a:cs typeface="Tahoma" panose="020B0604030504040204" pitchFamily="34" charset="0"/>
+              </a:rPr>
+              <a:t>điện</a:t>
+            </a:r>
+            <a:r>
+              <a:rPr lang="en-US" sz="2200" dirty="0">
+                <a:solidFill>
+                  <a:srgbClr val="000000"/>
+                </a:solidFill>
+                <a:latin typeface="Tahoma" panose="020B0604030504040204" pitchFamily="34" charset="0"/>
+                <a:ea typeface="Tahoma" panose="020B0604030504040204" pitchFamily="34" charset="0"/>
+                <a:cs typeface="Tahoma" panose="020B0604030504040204" pitchFamily="34" charset="0"/>
+              </a:rPr>
+              <a:t> </a:t>
+            </a:r>
+            <a:r>
+              <a:rPr lang="en-US" sz="2200" dirty="0" err="1">
+                <a:solidFill>
+                  <a:srgbClr val="000000"/>
+                </a:solidFill>
+                <a:latin typeface="Tahoma" panose="020B0604030504040204" pitchFamily="34" charset="0"/>
+                <a:ea typeface="Tahoma" panose="020B0604030504040204" pitchFamily="34" charset="0"/>
+                <a:cs typeface="Tahoma" panose="020B0604030504040204" pitchFamily="34" charset="0"/>
+              </a:rPr>
+              <a:t>tử</a:t>
+            </a:r>
+            <a:r>
+              <a:rPr lang="en-US" sz="2200" dirty="0">
+                <a:solidFill>
+                  <a:srgbClr val="000000"/>
+                </a:solidFill>
+                <a:latin typeface="Tahoma" panose="020B0604030504040204" pitchFamily="34" charset="0"/>
+                <a:ea typeface="Tahoma" panose="020B0604030504040204" pitchFamily="34" charset="0"/>
+                <a:cs typeface="Tahoma" panose="020B0604030504040204" pitchFamily="34" charset="0"/>
+              </a:rPr>
+              <a:t> </a:t>
+            </a:r>
+            <a:r>
+              <a:rPr lang="en-US" sz="2200" dirty="0" err="1">
+                <a:solidFill>
+                  <a:srgbClr val="000000"/>
+                </a:solidFill>
+                <a:latin typeface="Tahoma" panose="020B0604030504040204" pitchFamily="34" charset="0"/>
+                <a:ea typeface="Tahoma" panose="020B0604030504040204" pitchFamily="34" charset="0"/>
+                <a:cs typeface="Tahoma" panose="020B0604030504040204" pitchFamily="34" charset="0"/>
+              </a:rPr>
+              <a:t>như</a:t>
+            </a:r>
+            <a:r>
+              <a:rPr lang="en-US" sz="2200" dirty="0">
+                <a:solidFill>
+                  <a:srgbClr val="000000"/>
+                </a:solidFill>
+                <a:latin typeface="Tahoma" panose="020B0604030504040204" pitchFamily="34" charset="0"/>
+                <a:ea typeface="Tahoma" panose="020B0604030504040204" pitchFamily="34" charset="0"/>
+                <a:cs typeface="Tahoma" panose="020B0604030504040204" pitchFamily="34" charset="0"/>
+              </a:rPr>
+              <a:t> </a:t>
+            </a:r>
+            <a:r>
+              <a:rPr lang="en-US" sz="2200" dirty="0" err="1">
+                <a:solidFill>
+                  <a:srgbClr val="000000"/>
+                </a:solidFill>
+                <a:latin typeface="Tahoma" panose="020B0604030504040204" pitchFamily="34" charset="0"/>
+                <a:ea typeface="Tahoma" panose="020B0604030504040204" pitchFamily="34" charset="0"/>
+                <a:cs typeface="Tahoma" panose="020B0604030504040204" pitchFamily="34" charset="0"/>
+              </a:rPr>
+              <a:t>mong</a:t>
+            </a:r>
+            <a:r>
+              <a:rPr lang="en-US" sz="2200" dirty="0">
+                <a:solidFill>
+                  <a:srgbClr val="000000"/>
+                </a:solidFill>
+                <a:latin typeface="Tahoma" panose="020B0604030504040204" pitchFamily="34" charset="0"/>
+                <a:ea typeface="Tahoma" panose="020B0604030504040204" pitchFamily="34" charset="0"/>
+                <a:cs typeface="Tahoma" panose="020B0604030504040204" pitchFamily="34" charset="0"/>
+              </a:rPr>
+              <a:t> </a:t>
+            </a:r>
+            <a:r>
+              <a:rPr lang="en-US" sz="2200" dirty="0" err="1">
+                <a:solidFill>
+                  <a:srgbClr val="000000"/>
+                </a:solidFill>
+                <a:latin typeface="Tahoma" panose="020B0604030504040204" pitchFamily="34" charset="0"/>
+                <a:ea typeface="Tahoma" panose="020B0604030504040204" pitchFamily="34" charset="0"/>
+                <a:cs typeface="Tahoma" panose="020B0604030504040204" pitchFamily="34" charset="0"/>
+              </a:rPr>
+              <a:t>muốn</a:t>
+            </a:r>
+            <a:r>
+              <a:rPr lang="en-US" sz="2200" dirty="0">
+                <a:solidFill>
+                  <a:srgbClr val="000000"/>
+                </a:solidFill>
+                <a:latin typeface="Tahoma" panose="020B0604030504040204" pitchFamily="34" charset="0"/>
+                <a:ea typeface="Tahoma" panose="020B0604030504040204" pitchFamily="34" charset="0"/>
+                <a:cs typeface="Tahoma" panose="020B0604030504040204" pitchFamily="34" charset="0"/>
+              </a:rPr>
+              <a:t>.</a:t>
+            </a:r>
+          </a:p>
+          <a:p>
+            <a:pPr marL="342900" marR="0" indent="-342900">
               <a:lnSpc>
                 <a:spcPct val="150000"/>
               </a:lnSpc>
@@ -13747,9 +14310,11 @@
               <a:spcAft>
                 <a:spcPts val="0"/>
               </a:spcAft>
+              <a:buFontTx/>
+              <a:buChar char="-"/>
             </a:pPr>
             <a:r>
-              <a:rPr lang="en-US" sz="2200">
+              <a:rPr lang="en-US" sz="2200" dirty="0">
                 <a:solidFill>
                   <a:srgbClr val="000000"/>
                 </a:solidFill>
@@ -13757,11 +14322,143 @@
                 <a:ea typeface="Tahoma" panose="020B0604030504040204" pitchFamily="34" charset="0"/>
                 <a:cs typeface="Tahoma" panose="020B0604030504040204" pitchFamily="34" charset="0"/>
               </a:rPr>
-              <a:t>Xây dựng được một website có các chức năng cơ bản của một trang website thương mại điện tử như mong muốn.</a:t>
-            </a:r>
-          </a:p>
-          <a:p>
-            <a:pPr marR="0" indent="457200">
+              <a:t>Giao </a:t>
+            </a:r>
+            <a:r>
+              <a:rPr lang="en-US" sz="2200" dirty="0" err="1">
+                <a:solidFill>
+                  <a:srgbClr val="000000"/>
+                </a:solidFill>
+                <a:latin typeface="Tahoma" panose="020B0604030504040204" pitchFamily="34" charset="0"/>
+                <a:ea typeface="Tahoma" panose="020B0604030504040204" pitchFamily="34" charset="0"/>
+                <a:cs typeface="Tahoma" panose="020B0604030504040204" pitchFamily="34" charset="0"/>
+              </a:rPr>
+              <a:t>diện</a:t>
+            </a:r>
+            <a:r>
+              <a:rPr lang="en-US" sz="2200" dirty="0">
+                <a:solidFill>
+                  <a:srgbClr val="000000"/>
+                </a:solidFill>
+                <a:latin typeface="Tahoma" panose="020B0604030504040204" pitchFamily="34" charset="0"/>
+                <a:ea typeface="Tahoma" panose="020B0604030504040204" pitchFamily="34" charset="0"/>
+                <a:cs typeface="Tahoma" panose="020B0604030504040204" pitchFamily="34" charset="0"/>
+              </a:rPr>
+              <a:t> </a:t>
+            </a:r>
+            <a:r>
+              <a:rPr lang="en-US" sz="2200" dirty="0" err="1">
+                <a:solidFill>
+                  <a:srgbClr val="000000"/>
+                </a:solidFill>
+                <a:latin typeface="Tahoma" panose="020B0604030504040204" pitchFamily="34" charset="0"/>
+                <a:ea typeface="Tahoma" panose="020B0604030504040204" pitchFamily="34" charset="0"/>
+                <a:cs typeface="Tahoma" panose="020B0604030504040204" pitchFamily="34" charset="0"/>
+              </a:rPr>
+              <a:t>thân</a:t>
+            </a:r>
+            <a:r>
+              <a:rPr lang="en-US" sz="2200" dirty="0">
+                <a:solidFill>
+                  <a:srgbClr val="000000"/>
+                </a:solidFill>
+                <a:latin typeface="Tahoma" panose="020B0604030504040204" pitchFamily="34" charset="0"/>
+                <a:ea typeface="Tahoma" panose="020B0604030504040204" pitchFamily="34" charset="0"/>
+                <a:cs typeface="Tahoma" panose="020B0604030504040204" pitchFamily="34" charset="0"/>
+              </a:rPr>
+              <a:t> </a:t>
+            </a:r>
+            <a:r>
+              <a:rPr lang="en-US" sz="2200" dirty="0" err="1">
+                <a:solidFill>
+                  <a:srgbClr val="000000"/>
+                </a:solidFill>
+                <a:latin typeface="Tahoma" panose="020B0604030504040204" pitchFamily="34" charset="0"/>
+                <a:ea typeface="Tahoma" panose="020B0604030504040204" pitchFamily="34" charset="0"/>
+                <a:cs typeface="Tahoma" panose="020B0604030504040204" pitchFamily="34" charset="0"/>
+              </a:rPr>
+              <a:t>thiện</a:t>
+            </a:r>
+            <a:r>
+              <a:rPr lang="en-US" sz="2200" dirty="0">
+                <a:solidFill>
+                  <a:srgbClr val="000000"/>
+                </a:solidFill>
+                <a:latin typeface="Tahoma" panose="020B0604030504040204" pitchFamily="34" charset="0"/>
+                <a:ea typeface="Tahoma" panose="020B0604030504040204" pitchFamily="34" charset="0"/>
+                <a:cs typeface="Tahoma" panose="020B0604030504040204" pitchFamily="34" charset="0"/>
+              </a:rPr>
+              <a:t>, </a:t>
+            </a:r>
+            <a:r>
+              <a:rPr lang="en-US" sz="2200" dirty="0" err="1">
+                <a:solidFill>
+                  <a:srgbClr val="000000"/>
+                </a:solidFill>
+                <a:latin typeface="Tahoma" panose="020B0604030504040204" pitchFamily="34" charset="0"/>
+                <a:ea typeface="Tahoma" panose="020B0604030504040204" pitchFamily="34" charset="0"/>
+                <a:cs typeface="Tahoma" panose="020B0604030504040204" pitchFamily="34" charset="0"/>
+              </a:rPr>
+              <a:t>dễ</a:t>
+            </a:r>
+            <a:r>
+              <a:rPr lang="en-US" sz="2200" dirty="0">
+                <a:solidFill>
+                  <a:srgbClr val="000000"/>
+                </a:solidFill>
+                <a:latin typeface="Tahoma" panose="020B0604030504040204" pitchFamily="34" charset="0"/>
+                <a:ea typeface="Tahoma" panose="020B0604030504040204" pitchFamily="34" charset="0"/>
+                <a:cs typeface="Tahoma" panose="020B0604030504040204" pitchFamily="34" charset="0"/>
+              </a:rPr>
+              <a:t> </a:t>
+            </a:r>
+            <a:r>
+              <a:rPr lang="en-US" sz="2200" dirty="0" err="1">
+                <a:solidFill>
+                  <a:srgbClr val="000000"/>
+                </a:solidFill>
+                <a:latin typeface="Tahoma" panose="020B0604030504040204" pitchFamily="34" charset="0"/>
+                <a:ea typeface="Tahoma" panose="020B0604030504040204" pitchFamily="34" charset="0"/>
+                <a:cs typeface="Tahoma" panose="020B0604030504040204" pitchFamily="34" charset="0"/>
+              </a:rPr>
+              <a:t>tương</a:t>
+            </a:r>
+            <a:r>
+              <a:rPr lang="en-US" sz="2200" dirty="0">
+                <a:solidFill>
+                  <a:srgbClr val="000000"/>
+                </a:solidFill>
+                <a:latin typeface="Tahoma" panose="020B0604030504040204" pitchFamily="34" charset="0"/>
+                <a:ea typeface="Tahoma" panose="020B0604030504040204" pitchFamily="34" charset="0"/>
+                <a:cs typeface="Tahoma" panose="020B0604030504040204" pitchFamily="34" charset="0"/>
+              </a:rPr>
+              <a:t> </a:t>
+            </a:r>
+            <a:r>
+              <a:rPr lang="en-US" sz="2200" dirty="0" err="1">
+                <a:solidFill>
+                  <a:srgbClr val="000000"/>
+                </a:solidFill>
+                <a:latin typeface="Tahoma" panose="020B0604030504040204" pitchFamily="34" charset="0"/>
+                <a:ea typeface="Tahoma" panose="020B0604030504040204" pitchFamily="34" charset="0"/>
+                <a:cs typeface="Tahoma" panose="020B0604030504040204" pitchFamily="34" charset="0"/>
+              </a:rPr>
+              <a:t>tác</a:t>
+            </a:r>
+            <a:r>
+              <a:rPr lang="en-US" sz="2200" dirty="0">
+                <a:solidFill>
+                  <a:srgbClr val="000000"/>
+                </a:solidFill>
+                <a:latin typeface="Tahoma" panose="020B0604030504040204" pitchFamily="34" charset="0"/>
+                <a:ea typeface="Tahoma" panose="020B0604030504040204" pitchFamily="34" charset="0"/>
+                <a:cs typeface="Tahoma" panose="020B0604030504040204" pitchFamily="34" charset="0"/>
+              </a:rPr>
+              <a:t>.</a:t>
+            </a:r>
+          </a:p>
+          <a:p>
+            <a:pPr marL="342900" marR="0" indent="-342900">
               <a:lnSpc>
                 <a:spcPct val="150000"/>
               </a:lnSpc>
@@ -13771,9 +14468,11 @@
               <a:spcAft>
                 <a:spcPts val="0"/>
               </a:spcAft>
+              <a:buFontTx/>
+              <a:buChar char="-"/>
             </a:pPr>
             <a:r>
-              <a:rPr lang="en-US" sz="2200">
+              <a:rPr lang="en-US" sz="2200" dirty="0" err="1">
                 <a:solidFill>
                   <a:srgbClr val="000000"/>
                 </a:solidFill>
@@ -13781,8 +14480,152 @@
                 <a:ea typeface="Tahoma" panose="020B0604030504040204" pitchFamily="34" charset="0"/>
                 <a:cs typeface="Tahoma" panose="020B0604030504040204" pitchFamily="34" charset="0"/>
               </a:rPr>
-              <a:t>Giao diện thân thiện, dễ tương tác</a:t>
-            </a:r>
+              <a:t>Cải</a:t>
+            </a:r>
+            <a:r>
+              <a:rPr lang="en-US" sz="2200" dirty="0">
+                <a:solidFill>
+                  <a:srgbClr val="000000"/>
+                </a:solidFill>
+                <a:latin typeface="Tahoma" panose="020B0604030504040204" pitchFamily="34" charset="0"/>
+                <a:ea typeface="Tahoma" panose="020B0604030504040204" pitchFamily="34" charset="0"/>
+                <a:cs typeface="Tahoma" panose="020B0604030504040204" pitchFamily="34" charset="0"/>
+              </a:rPr>
+              <a:t> </a:t>
+            </a:r>
+            <a:r>
+              <a:rPr lang="en-US" sz="2200" dirty="0" err="1">
+                <a:solidFill>
+                  <a:srgbClr val="000000"/>
+                </a:solidFill>
+                <a:latin typeface="Tahoma" panose="020B0604030504040204" pitchFamily="34" charset="0"/>
+                <a:ea typeface="Tahoma" panose="020B0604030504040204" pitchFamily="34" charset="0"/>
+                <a:cs typeface="Tahoma" panose="020B0604030504040204" pitchFamily="34" charset="0"/>
+              </a:rPr>
+              <a:t>thiện</a:t>
+            </a:r>
+            <a:r>
+              <a:rPr lang="en-US" sz="2200" dirty="0">
+                <a:solidFill>
+                  <a:srgbClr val="000000"/>
+                </a:solidFill>
+                <a:latin typeface="Tahoma" panose="020B0604030504040204" pitchFamily="34" charset="0"/>
+                <a:ea typeface="Tahoma" panose="020B0604030504040204" pitchFamily="34" charset="0"/>
+                <a:cs typeface="Tahoma" panose="020B0604030504040204" pitchFamily="34" charset="0"/>
+              </a:rPr>
+              <a:t> </a:t>
+            </a:r>
+            <a:r>
+              <a:rPr lang="en-US" sz="2200" dirty="0" err="1">
+                <a:solidFill>
+                  <a:srgbClr val="000000"/>
+                </a:solidFill>
+                <a:latin typeface="Tahoma" panose="020B0604030504040204" pitchFamily="34" charset="0"/>
+                <a:ea typeface="Tahoma" panose="020B0604030504040204" pitchFamily="34" charset="0"/>
+                <a:cs typeface="Tahoma" panose="020B0604030504040204" pitchFamily="34" charset="0"/>
+              </a:rPr>
+              <a:t>kỹ</a:t>
+            </a:r>
+            <a:r>
+              <a:rPr lang="en-US" sz="2200" dirty="0">
+                <a:solidFill>
+                  <a:srgbClr val="000000"/>
+                </a:solidFill>
+                <a:latin typeface="Tahoma" panose="020B0604030504040204" pitchFamily="34" charset="0"/>
+                <a:ea typeface="Tahoma" panose="020B0604030504040204" pitchFamily="34" charset="0"/>
+                <a:cs typeface="Tahoma" panose="020B0604030504040204" pitchFamily="34" charset="0"/>
+              </a:rPr>
+              <a:t> </a:t>
+            </a:r>
+            <a:r>
+              <a:rPr lang="en-US" sz="2200" dirty="0" err="1">
+                <a:solidFill>
+                  <a:srgbClr val="000000"/>
+                </a:solidFill>
+                <a:latin typeface="Tahoma" panose="020B0604030504040204" pitchFamily="34" charset="0"/>
+                <a:ea typeface="Tahoma" panose="020B0604030504040204" pitchFamily="34" charset="0"/>
+                <a:cs typeface="Tahoma" panose="020B0604030504040204" pitchFamily="34" charset="0"/>
+              </a:rPr>
+              <a:t>năng</a:t>
+            </a:r>
+            <a:r>
+              <a:rPr lang="en-US" sz="2200" dirty="0">
+                <a:solidFill>
+                  <a:srgbClr val="000000"/>
+                </a:solidFill>
+                <a:latin typeface="Tahoma" panose="020B0604030504040204" pitchFamily="34" charset="0"/>
+                <a:ea typeface="Tahoma" panose="020B0604030504040204" pitchFamily="34" charset="0"/>
+                <a:cs typeface="Tahoma" panose="020B0604030504040204" pitchFamily="34" charset="0"/>
+              </a:rPr>
+              <a:t> </a:t>
+            </a:r>
+            <a:r>
+              <a:rPr lang="en-US" sz="2200" dirty="0" err="1">
+                <a:solidFill>
+                  <a:srgbClr val="000000"/>
+                </a:solidFill>
+                <a:latin typeface="Tahoma" panose="020B0604030504040204" pitchFamily="34" charset="0"/>
+                <a:ea typeface="Tahoma" panose="020B0604030504040204" pitchFamily="34" charset="0"/>
+                <a:cs typeface="Tahoma" panose="020B0604030504040204" pitchFamily="34" charset="0"/>
+              </a:rPr>
+              <a:t>bản</a:t>
+            </a:r>
+            <a:r>
+              <a:rPr lang="en-US" sz="2200" dirty="0">
+                <a:solidFill>
+                  <a:srgbClr val="000000"/>
+                </a:solidFill>
+                <a:latin typeface="Tahoma" panose="020B0604030504040204" pitchFamily="34" charset="0"/>
+                <a:ea typeface="Tahoma" panose="020B0604030504040204" pitchFamily="34" charset="0"/>
+                <a:cs typeface="Tahoma" panose="020B0604030504040204" pitchFamily="34" charset="0"/>
+              </a:rPr>
+              <a:t> </a:t>
+            </a:r>
+            <a:r>
+              <a:rPr lang="en-US" sz="2200" dirty="0" err="1">
+                <a:solidFill>
+                  <a:srgbClr val="000000"/>
+                </a:solidFill>
+                <a:latin typeface="Tahoma" panose="020B0604030504040204" pitchFamily="34" charset="0"/>
+                <a:ea typeface="Tahoma" panose="020B0604030504040204" pitchFamily="34" charset="0"/>
+                <a:cs typeface="Tahoma" panose="020B0604030504040204" pitchFamily="34" charset="0"/>
+              </a:rPr>
+              <a:t>thân</a:t>
+            </a:r>
+            <a:r>
+              <a:rPr lang="en-US" sz="2200" dirty="0">
+                <a:solidFill>
+                  <a:srgbClr val="000000"/>
+                </a:solidFill>
+                <a:latin typeface="Tahoma" panose="020B0604030504040204" pitchFamily="34" charset="0"/>
+                <a:ea typeface="Tahoma" panose="020B0604030504040204" pitchFamily="34" charset="0"/>
+                <a:cs typeface="Tahoma" panose="020B0604030504040204" pitchFamily="34" charset="0"/>
+              </a:rPr>
+              <a:t>.</a:t>
+            </a:r>
+          </a:p>
+          <a:p>
+            <a:pPr marL="342900" marR="0" indent="-342900">
+              <a:lnSpc>
+                <a:spcPct val="150000"/>
+              </a:lnSpc>
+              <a:spcBef>
+                <a:spcPts val="0"/>
+              </a:spcBef>
+              <a:spcAft>
+                <a:spcPts val="0"/>
+              </a:spcAft>
+              <a:buFontTx/>
+              <a:buChar char="-"/>
+            </a:pPr>
+            <a:endParaRPr lang="en-US" sz="2200" dirty="0">
+              <a:solidFill>
+                <a:srgbClr val="000000"/>
+              </a:solidFill>
+              <a:latin typeface="Tahoma" panose="020B0604030504040204" pitchFamily="34" charset="0"/>
+              <a:ea typeface="Tahoma" panose="020B0604030504040204" pitchFamily="34" charset="0"/>
+              <a:cs typeface="Tahoma" panose="020B0604030504040204" pitchFamily="34" charset="0"/>
+            </a:endParaRPr>
           </a:p>
         </p:txBody>
       </p:sp>
@@ -13838,10 +14681,18 @@
           <a:lstStyle/>
           <a:p>
             <a:fld id="{D16EA1EE-1AB6-40C4-ADCB-7B395AD295B2}" type="slidenum">
-              <a:rPr lang="en-US" smtClean="0"/>
+              <a:rPr lang="en-US" smtClean="0">
+                <a:latin typeface="Tahoma" panose="020B0604030504040204" pitchFamily="34" charset="0"/>
+                <a:ea typeface="Tahoma" panose="020B0604030504040204" pitchFamily="34" charset="0"/>
+                <a:cs typeface="Tahoma" panose="020B0604030504040204" pitchFamily="34" charset="0"/>
+              </a:rPr>
               <a:t>15</a:t>
             </a:fld>
-            <a:endParaRPr lang="en-US"/>
+            <a:endParaRPr lang="en-US">
+              <a:latin typeface="Tahoma" panose="020B0604030504040204" pitchFamily="34" charset="0"/>
+              <a:ea typeface="Tahoma" panose="020B0604030504040204" pitchFamily="34" charset="0"/>
+              <a:cs typeface="Tahoma" panose="020B0604030504040204" pitchFamily="34" charset="0"/>
+            </a:endParaRPr>
           </a:p>
         </p:txBody>
       </p:sp>
@@ -13888,7 +14739,11 @@
           <a:lstStyle/>
           <a:p>
             <a:pPr algn="ctr"/>
-            <a:endParaRPr lang="en-US"/>
+            <a:endParaRPr lang="en-US">
+              <a:latin typeface="Tahoma" panose="020B0604030504040204" pitchFamily="34" charset="0"/>
+              <a:ea typeface="Tahoma" panose="020B0604030504040204" pitchFamily="34" charset="0"/>
+              <a:cs typeface="Tahoma" panose="020B0604030504040204" pitchFamily="34" charset="0"/>
+            </a:endParaRPr>
           </a:p>
         </p:txBody>
       </p:sp>
@@ -14001,8 +14856,8 @@
         </p:nvSpPr>
         <p:spPr>
           <a:xfrm>
-            <a:off x="546422" y="2036347"/>
-            <a:ext cx="6895238" cy="2677656"/>
+            <a:off x="546421" y="2036347"/>
+            <a:ext cx="7969506" cy="2054665"/>
           </a:xfrm>
           <a:prstGeom prst="rect">
             <a:avLst/>
@@ -14016,6 +14871,9 @@
           <a:lstStyle/>
           <a:p>
             <a:pPr marL="457200" marR="0" indent="-457200">
+              <a:lnSpc>
+                <a:spcPct val="150000"/>
+              </a:lnSpc>
               <a:spcBef>
                 <a:spcPts val="0"/>
               </a:spcBef>
@@ -14026,17 +14884,128 @@
               <a:buChar char="•"/>
             </a:pPr>
             <a:r>
-              <a:rPr lang="en-US" sz="2800">
+              <a:rPr lang="en-US" sz="2200" dirty="0">
                 <a:effectLst/>
-                <a:latin typeface="Calibri" panose="020F0502020204030204" pitchFamily="34" charset="0"/>
-                <a:ea typeface="Calibri" panose="020F0502020204030204" pitchFamily="34" charset="0"/>
-                <a:cs typeface="Calibri" panose="020F0502020204030204" pitchFamily="34" charset="0"/>
-              </a:rPr>
-              <a:t>Danh mục sản phẩm chưa đa dạng.</a:t>
+                <a:latin typeface="Tahoma" panose="020B0604030504040204" pitchFamily="34" charset="0"/>
+                <a:ea typeface="Tahoma" panose="020B0604030504040204" pitchFamily="34" charset="0"/>
+                <a:cs typeface="Tahoma" panose="020B0604030504040204" pitchFamily="34" charset="0"/>
+              </a:rPr>
+              <a:t>Danh </a:t>
+            </a:r>
+            <a:r>
+              <a:rPr lang="en-US" sz="2200" dirty="0" err="1">
+                <a:effectLst/>
+                <a:latin typeface="Tahoma" panose="020B0604030504040204" pitchFamily="34" charset="0"/>
+                <a:ea typeface="Tahoma" panose="020B0604030504040204" pitchFamily="34" charset="0"/>
+                <a:cs typeface="Tahoma" panose="020B0604030504040204" pitchFamily="34" charset="0"/>
+              </a:rPr>
+              <a:t>mục</a:t>
+            </a:r>
+            <a:r>
+              <a:rPr lang="en-US" sz="2200" dirty="0">
+                <a:effectLst/>
+                <a:latin typeface="Tahoma" panose="020B0604030504040204" pitchFamily="34" charset="0"/>
+                <a:ea typeface="Tahoma" panose="020B0604030504040204" pitchFamily="34" charset="0"/>
+                <a:cs typeface="Tahoma" panose="020B0604030504040204" pitchFamily="34" charset="0"/>
+              </a:rPr>
+              <a:t> </a:t>
+            </a:r>
+            <a:r>
+              <a:rPr lang="en-US" sz="2200" dirty="0" err="1">
+                <a:effectLst/>
+                <a:latin typeface="Tahoma" panose="020B0604030504040204" pitchFamily="34" charset="0"/>
+                <a:ea typeface="Tahoma" panose="020B0604030504040204" pitchFamily="34" charset="0"/>
+                <a:cs typeface="Tahoma" panose="020B0604030504040204" pitchFamily="34" charset="0"/>
+              </a:rPr>
+              <a:t>sản</a:t>
+            </a:r>
+            <a:r>
+              <a:rPr lang="en-US" sz="2200" dirty="0">
+                <a:effectLst/>
+                <a:latin typeface="Tahoma" panose="020B0604030504040204" pitchFamily="34" charset="0"/>
+                <a:ea typeface="Tahoma" panose="020B0604030504040204" pitchFamily="34" charset="0"/>
+                <a:cs typeface="Tahoma" panose="020B0604030504040204" pitchFamily="34" charset="0"/>
+              </a:rPr>
+              <a:t> </a:t>
+            </a:r>
+            <a:r>
+              <a:rPr lang="en-US" sz="2200" dirty="0" err="1">
+                <a:effectLst/>
+                <a:latin typeface="Tahoma" panose="020B0604030504040204" pitchFamily="34" charset="0"/>
+                <a:ea typeface="Tahoma" panose="020B0604030504040204" pitchFamily="34" charset="0"/>
+                <a:cs typeface="Tahoma" panose="020B0604030504040204" pitchFamily="34" charset="0"/>
+              </a:rPr>
+              <a:t>phẩm</a:t>
+            </a:r>
+            <a:r>
+              <a:rPr lang="en-US" sz="2200" dirty="0">
+                <a:effectLst/>
+                <a:latin typeface="Tahoma" panose="020B0604030504040204" pitchFamily="34" charset="0"/>
+                <a:ea typeface="Tahoma" panose="020B0604030504040204" pitchFamily="34" charset="0"/>
+                <a:cs typeface="Tahoma" panose="020B0604030504040204" pitchFamily="34" charset="0"/>
+              </a:rPr>
+              <a:t> </a:t>
+            </a:r>
+            <a:r>
+              <a:rPr lang="en-US" sz="2200" dirty="0" err="1">
+                <a:effectLst/>
+                <a:latin typeface="Tahoma" panose="020B0604030504040204" pitchFamily="34" charset="0"/>
+                <a:ea typeface="Tahoma" panose="020B0604030504040204" pitchFamily="34" charset="0"/>
+                <a:cs typeface="Tahoma" panose="020B0604030504040204" pitchFamily="34" charset="0"/>
+              </a:rPr>
+              <a:t>chưa</a:t>
+            </a:r>
+            <a:r>
+              <a:rPr lang="en-US" sz="2200" dirty="0">
+                <a:effectLst/>
+                <a:latin typeface="Tahoma" panose="020B0604030504040204" pitchFamily="34" charset="0"/>
+                <a:ea typeface="Tahoma" panose="020B0604030504040204" pitchFamily="34" charset="0"/>
+                <a:cs typeface="Tahoma" panose="020B0604030504040204" pitchFamily="34" charset="0"/>
+              </a:rPr>
+              <a:t> </a:t>
+            </a:r>
+            <a:r>
+              <a:rPr lang="en-US" sz="2200" dirty="0" err="1">
+                <a:effectLst/>
+                <a:latin typeface="Tahoma" panose="020B0604030504040204" pitchFamily="34" charset="0"/>
+                <a:ea typeface="Tahoma" panose="020B0604030504040204" pitchFamily="34" charset="0"/>
+                <a:cs typeface="Tahoma" panose="020B0604030504040204" pitchFamily="34" charset="0"/>
+              </a:rPr>
+              <a:t>đa</a:t>
+            </a:r>
+            <a:r>
+              <a:rPr lang="en-US" sz="2200" dirty="0">
+                <a:effectLst/>
+                <a:latin typeface="Tahoma" panose="020B0604030504040204" pitchFamily="34" charset="0"/>
+                <a:ea typeface="Tahoma" panose="020B0604030504040204" pitchFamily="34" charset="0"/>
+                <a:cs typeface="Tahoma" panose="020B0604030504040204" pitchFamily="34" charset="0"/>
+              </a:rPr>
+              <a:t> </a:t>
+            </a:r>
+            <a:r>
+              <a:rPr lang="en-US" sz="2200" dirty="0" err="1">
+                <a:effectLst/>
+                <a:latin typeface="Tahoma" panose="020B0604030504040204" pitchFamily="34" charset="0"/>
+                <a:ea typeface="Tahoma" panose="020B0604030504040204" pitchFamily="34" charset="0"/>
+                <a:cs typeface="Tahoma" panose="020B0604030504040204" pitchFamily="34" charset="0"/>
+              </a:rPr>
+              <a:t>dạng</a:t>
+            </a:r>
+            <a:r>
+              <a:rPr lang="en-US" sz="2200" dirty="0">
+                <a:effectLst/>
+                <a:latin typeface="Tahoma" panose="020B0604030504040204" pitchFamily="34" charset="0"/>
+                <a:ea typeface="Tahoma" panose="020B0604030504040204" pitchFamily="34" charset="0"/>
+                <a:cs typeface="Tahoma" panose="020B0604030504040204" pitchFamily="34" charset="0"/>
+              </a:rPr>
+              <a:t>.</a:t>
             </a:r>
           </a:p>
           <a:p>
             <a:pPr marL="457200" marR="0" indent="-457200">
+              <a:lnSpc>
+                <a:spcPct val="150000"/>
+              </a:lnSpc>
               <a:spcBef>
                 <a:spcPts val="0"/>
               </a:spcBef>
@@ -14047,22 +15016,129 @@
               <a:buChar char="•"/>
             </a:pPr>
             <a:r>
-              <a:rPr lang="en-US" sz="2800">
-                <a:latin typeface="Calibri" panose="020F0502020204030204" pitchFamily="34" charset="0"/>
-                <a:ea typeface="Calibri" panose="020F0502020204030204" pitchFamily="34" charset="0"/>
-                <a:cs typeface="Calibri" panose="020F0502020204030204" pitchFamily="34" charset="0"/>
-              </a:rPr>
-              <a:t>Chưa có bình luận, yêu thích và đánh giá sản phẩm.</a:t>
-            </a:r>
-            <a:endParaRPr lang="en-US" sz="2800">
+              <a:rPr lang="en-US" sz="2200" dirty="0" err="1">
+                <a:latin typeface="Tahoma" panose="020B0604030504040204" pitchFamily="34" charset="0"/>
+                <a:ea typeface="Tahoma" panose="020B0604030504040204" pitchFamily="34" charset="0"/>
+                <a:cs typeface="Tahoma" panose="020B0604030504040204" pitchFamily="34" charset="0"/>
+              </a:rPr>
+              <a:t>Chưa</a:t>
+            </a:r>
+            <a:r>
+              <a:rPr lang="en-US" sz="2200" dirty="0">
+                <a:latin typeface="Tahoma" panose="020B0604030504040204" pitchFamily="34" charset="0"/>
+                <a:ea typeface="Tahoma" panose="020B0604030504040204" pitchFamily="34" charset="0"/>
+                <a:cs typeface="Tahoma" panose="020B0604030504040204" pitchFamily="34" charset="0"/>
+              </a:rPr>
+              <a:t> </a:t>
+            </a:r>
+            <a:r>
+              <a:rPr lang="en-US" sz="2200" dirty="0" err="1">
+                <a:latin typeface="Tahoma" panose="020B0604030504040204" pitchFamily="34" charset="0"/>
+                <a:ea typeface="Tahoma" panose="020B0604030504040204" pitchFamily="34" charset="0"/>
+                <a:cs typeface="Tahoma" panose="020B0604030504040204" pitchFamily="34" charset="0"/>
+              </a:rPr>
+              <a:t>có</a:t>
+            </a:r>
+            <a:r>
+              <a:rPr lang="en-US" sz="2200" dirty="0">
+                <a:latin typeface="Tahoma" panose="020B0604030504040204" pitchFamily="34" charset="0"/>
+                <a:ea typeface="Tahoma" panose="020B0604030504040204" pitchFamily="34" charset="0"/>
+                <a:cs typeface="Tahoma" panose="020B0604030504040204" pitchFamily="34" charset="0"/>
+              </a:rPr>
+              <a:t> </a:t>
+            </a:r>
+            <a:r>
+              <a:rPr lang="en-US" sz="2200" dirty="0" err="1">
+                <a:latin typeface="Tahoma" panose="020B0604030504040204" pitchFamily="34" charset="0"/>
+                <a:ea typeface="Tahoma" panose="020B0604030504040204" pitchFamily="34" charset="0"/>
+                <a:cs typeface="Tahoma" panose="020B0604030504040204" pitchFamily="34" charset="0"/>
+              </a:rPr>
+              <a:t>yêu</a:t>
+            </a:r>
+            <a:r>
+              <a:rPr lang="en-US" sz="2200" dirty="0">
+                <a:latin typeface="Tahoma" panose="020B0604030504040204" pitchFamily="34" charset="0"/>
+                <a:ea typeface="Tahoma" panose="020B0604030504040204" pitchFamily="34" charset="0"/>
+                <a:cs typeface="Tahoma" panose="020B0604030504040204" pitchFamily="34" charset="0"/>
+              </a:rPr>
+              <a:t> </a:t>
+            </a:r>
+            <a:r>
+              <a:rPr lang="en-US" sz="2200" dirty="0" err="1">
+                <a:latin typeface="Tahoma" panose="020B0604030504040204" pitchFamily="34" charset="0"/>
+                <a:ea typeface="Tahoma" panose="020B0604030504040204" pitchFamily="34" charset="0"/>
+                <a:cs typeface="Tahoma" panose="020B0604030504040204" pitchFamily="34" charset="0"/>
+              </a:rPr>
+              <a:t>thích</a:t>
+            </a:r>
+            <a:r>
+              <a:rPr lang="en-US" sz="2200" dirty="0">
+                <a:latin typeface="Tahoma" panose="020B0604030504040204" pitchFamily="34" charset="0"/>
+                <a:ea typeface="Tahoma" panose="020B0604030504040204" pitchFamily="34" charset="0"/>
+                <a:cs typeface="Tahoma" panose="020B0604030504040204" pitchFamily="34" charset="0"/>
+              </a:rPr>
+              <a:t> </a:t>
+            </a:r>
+            <a:r>
+              <a:rPr lang="en-US" sz="2200" dirty="0" err="1">
+                <a:latin typeface="Tahoma" panose="020B0604030504040204" pitchFamily="34" charset="0"/>
+                <a:ea typeface="Tahoma" panose="020B0604030504040204" pitchFamily="34" charset="0"/>
+                <a:cs typeface="Tahoma" panose="020B0604030504040204" pitchFamily="34" charset="0"/>
+              </a:rPr>
+              <a:t>và</a:t>
+            </a:r>
+            <a:r>
+              <a:rPr lang="en-US" sz="2200" dirty="0">
+                <a:latin typeface="Tahoma" panose="020B0604030504040204" pitchFamily="34" charset="0"/>
+                <a:ea typeface="Tahoma" panose="020B0604030504040204" pitchFamily="34" charset="0"/>
+                <a:cs typeface="Tahoma" panose="020B0604030504040204" pitchFamily="34" charset="0"/>
+              </a:rPr>
+              <a:t> voucher </a:t>
+            </a:r>
+            <a:r>
+              <a:rPr lang="en-US" sz="2200" dirty="0" err="1">
+                <a:latin typeface="Tahoma" panose="020B0604030504040204" pitchFamily="34" charset="0"/>
+                <a:ea typeface="Tahoma" panose="020B0604030504040204" pitchFamily="34" charset="0"/>
+                <a:cs typeface="Tahoma" panose="020B0604030504040204" pitchFamily="34" charset="0"/>
+              </a:rPr>
+              <a:t>sản</a:t>
+            </a:r>
+            <a:r>
+              <a:rPr lang="en-US" sz="2200" dirty="0">
+                <a:latin typeface="Tahoma" panose="020B0604030504040204" pitchFamily="34" charset="0"/>
+                <a:ea typeface="Tahoma" panose="020B0604030504040204" pitchFamily="34" charset="0"/>
+                <a:cs typeface="Tahoma" panose="020B0604030504040204" pitchFamily="34" charset="0"/>
+              </a:rPr>
+              <a:t> </a:t>
+            </a:r>
+            <a:r>
+              <a:rPr lang="en-US" sz="2200" dirty="0" err="1">
+                <a:latin typeface="Tahoma" panose="020B0604030504040204" pitchFamily="34" charset="0"/>
+                <a:ea typeface="Tahoma" panose="020B0604030504040204" pitchFamily="34" charset="0"/>
+                <a:cs typeface="Tahoma" panose="020B0604030504040204" pitchFamily="34" charset="0"/>
+              </a:rPr>
+              <a:t>phẩm</a:t>
+            </a:r>
+            <a:r>
+              <a:rPr lang="en-US" sz="2200" dirty="0">
+                <a:latin typeface="Tahoma" panose="020B0604030504040204" pitchFamily="34" charset="0"/>
+                <a:ea typeface="Tahoma" panose="020B0604030504040204" pitchFamily="34" charset="0"/>
+                <a:cs typeface="Tahoma" panose="020B0604030504040204" pitchFamily="34" charset="0"/>
+              </a:rPr>
+              <a:t>.</a:t>
+            </a:r>
+            <a:endParaRPr lang="en-US" sz="2200" dirty="0">
               <a:effectLst/>
-              <a:latin typeface="Calibri" panose="020F0502020204030204" pitchFamily="34" charset="0"/>
-              <a:ea typeface="Calibri" panose="020F0502020204030204" pitchFamily="34" charset="0"/>
-              <a:cs typeface="Calibri" panose="020F0502020204030204" pitchFamily="34" charset="0"/>
+              <a:latin typeface="Tahoma" panose="020B0604030504040204" pitchFamily="34" charset="0"/>
+              <a:ea typeface="Tahoma" panose="020B0604030504040204" pitchFamily="34" charset="0"/>
+              <a:cs typeface="Tahoma" panose="020B0604030504040204" pitchFamily="34" charset="0"/>
             </a:endParaRPr>
           </a:p>
           <a:p>
             <a:pPr marL="457200" marR="0" indent="-457200">
+              <a:lnSpc>
+                <a:spcPct val="150000"/>
+              </a:lnSpc>
               <a:spcBef>
                 <a:spcPts val="0"/>
               </a:spcBef>
@@ -14073,17 +15149,207 @@
               <a:buChar char="•"/>
             </a:pPr>
             <a:r>
-              <a:rPr lang="en-US" sz="2800">
+              <a:rPr lang="en-US" sz="2200" dirty="0">
                 <a:effectLst/>
-                <a:latin typeface="Calibri" panose="020F0502020204030204" pitchFamily="34" charset="0"/>
-                <a:ea typeface="Calibri" panose="020F0502020204030204" pitchFamily="34" charset="0"/>
-                <a:cs typeface="Calibri" panose="020F0502020204030204" pitchFamily="34" charset="0"/>
-              </a:rPr>
-              <a:t>Giao diện còn khá sơ sài, chưa ưa nhìn.</a:t>
+                <a:latin typeface="Tahoma" panose="020B0604030504040204" pitchFamily="34" charset="0"/>
+                <a:ea typeface="Tahoma" panose="020B0604030504040204" pitchFamily="34" charset="0"/>
+                <a:cs typeface="Tahoma" panose="020B0604030504040204" pitchFamily="34" charset="0"/>
+              </a:rPr>
+              <a:t>Giao </a:t>
+            </a:r>
+            <a:r>
+              <a:rPr lang="en-US" sz="2200" dirty="0" err="1">
+                <a:effectLst/>
+                <a:latin typeface="Tahoma" panose="020B0604030504040204" pitchFamily="34" charset="0"/>
+                <a:ea typeface="Tahoma" panose="020B0604030504040204" pitchFamily="34" charset="0"/>
+                <a:cs typeface="Tahoma" panose="020B0604030504040204" pitchFamily="34" charset="0"/>
+              </a:rPr>
+              <a:t>diện</a:t>
+            </a:r>
+            <a:r>
+              <a:rPr lang="en-US" sz="2200" dirty="0">
+                <a:effectLst/>
+                <a:latin typeface="Tahoma" panose="020B0604030504040204" pitchFamily="34" charset="0"/>
+                <a:ea typeface="Tahoma" panose="020B0604030504040204" pitchFamily="34" charset="0"/>
+                <a:cs typeface="Tahoma" panose="020B0604030504040204" pitchFamily="34" charset="0"/>
+              </a:rPr>
+              <a:t> </a:t>
+            </a:r>
+            <a:r>
+              <a:rPr lang="en-US" sz="2200" dirty="0" err="1">
+                <a:effectLst/>
+                <a:latin typeface="Tahoma" panose="020B0604030504040204" pitchFamily="34" charset="0"/>
+                <a:ea typeface="Tahoma" panose="020B0604030504040204" pitchFamily="34" charset="0"/>
+                <a:cs typeface="Tahoma" panose="020B0604030504040204" pitchFamily="34" charset="0"/>
+              </a:rPr>
+              <a:t>còn</a:t>
+            </a:r>
+            <a:r>
+              <a:rPr lang="en-US" sz="2200" dirty="0">
+                <a:effectLst/>
+                <a:latin typeface="Tahoma" panose="020B0604030504040204" pitchFamily="34" charset="0"/>
+                <a:ea typeface="Tahoma" panose="020B0604030504040204" pitchFamily="34" charset="0"/>
+                <a:cs typeface="Tahoma" panose="020B0604030504040204" pitchFamily="34" charset="0"/>
+              </a:rPr>
+              <a:t> </a:t>
+            </a:r>
+            <a:r>
+              <a:rPr lang="en-US" sz="2200" dirty="0" err="1">
+                <a:effectLst/>
+                <a:latin typeface="Tahoma" panose="020B0604030504040204" pitchFamily="34" charset="0"/>
+                <a:ea typeface="Tahoma" panose="020B0604030504040204" pitchFamily="34" charset="0"/>
+                <a:cs typeface="Tahoma" panose="020B0604030504040204" pitchFamily="34" charset="0"/>
+              </a:rPr>
+              <a:t>khá</a:t>
+            </a:r>
+            <a:r>
+              <a:rPr lang="en-US" sz="2200" dirty="0">
+                <a:effectLst/>
+                <a:latin typeface="Tahoma" panose="020B0604030504040204" pitchFamily="34" charset="0"/>
+                <a:ea typeface="Tahoma" panose="020B0604030504040204" pitchFamily="34" charset="0"/>
+                <a:cs typeface="Tahoma" panose="020B0604030504040204" pitchFamily="34" charset="0"/>
+              </a:rPr>
+              <a:t> </a:t>
+            </a:r>
+            <a:r>
+              <a:rPr lang="en-US" sz="2200" dirty="0" err="1">
+                <a:effectLst/>
+                <a:latin typeface="Tahoma" panose="020B0604030504040204" pitchFamily="34" charset="0"/>
+                <a:ea typeface="Tahoma" panose="020B0604030504040204" pitchFamily="34" charset="0"/>
+                <a:cs typeface="Tahoma" panose="020B0604030504040204" pitchFamily="34" charset="0"/>
+              </a:rPr>
+              <a:t>sơ</a:t>
+            </a:r>
+            <a:r>
+              <a:rPr lang="en-US" sz="2200" dirty="0">
+                <a:effectLst/>
+                <a:latin typeface="Tahoma" panose="020B0604030504040204" pitchFamily="34" charset="0"/>
+                <a:ea typeface="Tahoma" panose="020B0604030504040204" pitchFamily="34" charset="0"/>
+                <a:cs typeface="Tahoma" panose="020B0604030504040204" pitchFamily="34" charset="0"/>
+              </a:rPr>
+              <a:t> </a:t>
+            </a:r>
+            <a:r>
+              <a:rPr lang="en-US" sz="2200" dirty="0" err="1">
+                <a:effectLst/>
+                <a:latin typeface="Tahoma" panose="020B0604030504040204" pitchFamily="34" charset="0"/>
+                <a:ea typeface="Tahoma" panose="020B0604030504040204" pitchFamily="34" charset="0"/>
+                <a:cs typeface="Tahoma" panose="020B0604030504040204" pitchFamily="34" charset="0"/>
+              </a:rPr>
+              <a:t>sài</a:t>
+            </a:r>
+            <a:r>
+              <a:rPr lang="en-US" sz="2200" dirty="0">
+                <a:effectLst/>
+                <a:latin typeface="Tahoma" panose="020B0604030504040204" pitchFamily="34" charset="0"/>
+                <a:ea typeface="Tahoma" panose="020B0604030504040204" pitchFamily="34" charset="0"/>
+                <a:cs typeface="Tahoma" panose="020B0604030504040204" pitchFamily="34" charset="0"/>
+              </a:rPr>
+              <a:t>, </a:t>
+            </a:r>
+            <a:r>
+              <a:rPr lang="en-US" sz="2200" dirty="0" err="1">
+                <a:latin typeface="Tahoma" panose="020B0604030504040204" pitchFamily="34" charset="0"/>
+                <a:ea typeface="Tahoma" panose="020B0604030504040204" pitchFamily="34" charset="0"/>
+                <a:cs typeface="Tahoma" panose="020B0604030504040204" pitchFamily="34" charset="0"/>
+              </a:rPr>
+              <a:t>còn</a:t>
+            </a:r>
+            <a:r>
+              <a:rPr lang="en-US" sz="2200" dirty="0">
+                <a:latin typeface="Tahoma" panose="020B0604030504040204" pitchFamily="34" charset="0"/>
+                <a:ea typeface="Tahoma" panose="020B0604030504040204" pitchFamily="34" charset="0"/>
+                <a:cs typeface="Tahoma" panose="020B0604030504040204" pitchFamily="34" charset="0"/>
+              </a:rPr>
+              <a:t> </a:t>
+            </a:r>
+            <a:r>
+              <a:rPr lang="en-US" sz="2200" dirty="0" err="1">
+                <a:latin typeface="Tahoma" panose="020B0604030504040204" pitchFamily="34" charset="0"/>
+                <a:ea typeface="Tahoma" panose="020B0604030504040204" pitchFamily="34" charset="0"/>
+                <a:cs typeface="Tahoma" panose="020B0604030504040204" pitchFamily="34" charset="0"/>
+              </a:rPr>
+              <a:t>thiếu</a:t>
+            </a:r>
+            <a:r>
+              <a:rPr lang="en-US" sz="2200" dirty="0">
+                <a:latin typeface="Tahoma" panose="020B0604030504040204" pitchFamily="34" charset="0"/>
+                <a:ea typeface="Tahoma" panose="020B0604030504040204" pitchFamily="34" charset="0"/>
+                <a:cs typeface="Tahoma" panose="020B0604030504040204" pitchFamily="34" charset="0"/>
+              </a:rPr>
+              <a:t> </a:t>
+            </a:r>
+            <a:r>
+              <a:rPr lang="en-US" sz="2200" dirty="0" err="1">
+                <a:latin typeface="Tahoma" panose="020B0604030504040204" pitchFamily="34" charset="0"/>
+                <a:ea typeface="Tahoma" panose="020B0604030504040204" pitchFamily="34" charset="0"/>
+                <a:cs typeface="Tahoma" panose="020B0604030504040204" pitchFamily="34" charset="0"/>
+              </a:rPr>
+              <a:t>nhiều</a:t>
+            </a:r>
+            <a:r>
+              <a:rPr lang="en-US" sz="2200" dirty="0">
+                <a:latin typeface="Tahoma" panose="020B0604030504040204" pitchFamily="34" charset="0"/>
+                <a:ea typeface="Tahoma" panose="020B0604030504040204" pitchFamily="34" charset="0"/>
+                <a:cs typeface="Tahoma" panose="020B0604030504040204" pitchFamily="34" charset="0"/>
+              </a:rPr>
+              <a:t> </a:t>
+            </a:r>
+            <a:r>
+              <a:rPr lang="en-US" sz="2200" dirty="0" err="1">
+                <a:latin typeface="Tahoma" panose="020B0604030504040204" pitchFamily="34" charset="0"/>
+                <a:ea typeface="Tahoma" panose="020B0604030504040204" pitchFamily="34" charset="0"/>
+                <a:cs typeface="Tahoma" panose="020B0604030504040204" pitchFamily="34" charset="0"/>
+              </a:rPr>
+              <a:t>trang</a:t>
+            </a:r>
+            <a:r>
+              <a:rPr lang="en-US" sz="2200" dirty="0">
+                <a:latin typeface="Tahoma" panose="020B0604030504040204" pitchFamily="34" charset="0"/>
+                <a:ea typeface="Tahoma" panose="020B0604030504040204" pitchFamily="34" charset="0"/>
+                <a:cs typeface="Tahoma" panose="020B0604030504040204" pitchFamily="34" charset="0"/>
+              </a:rPr>
+              <a:t> </a:t>
+            </a:r>
+            <a:r>
+              <a:rPr lang="en-US" sz="2200" dirty="0" err="1">
+                <a:latin typeface="Tahoma" panose="020B0604030504040204" pitchFamily="34" charset="0"/>
+                <a:ea typeface="Tahoma" panose="020B0604030504040204" pitchFamily="34" charset="0"/>
+                <a:cs typeface="Tahoma" panose="020B0604030504040204" pitchFamily="34" charset="0"/>
+              </a:rPr>
+              <a:t>chức</a:t>
+            </a:r>
+            <a:r>
+              <a:rPr lang="en-US" sz="2200" dirty="0">
+                <a:latin typeface="Tahoma" panose="020B0604030504040204" pitchFamily="34" charset="0"/>
+                <a:ea typeface="Tahoma" panose="020B0604030504040204" pitchFamily="34" charset="0"/>
+                <a:cs typeface="Tahoma" panose="020B0604030504040204" pitchFamily="34" charset="0"/>
+              </a:rPr>
+              <a:t> </a:t>
+            </a:r>
+            <a:r>
+              <a:rPr lang="en-US" sz="2200" dirty="0" err="1">
+                <a:latin typeface="Tahoma" panose="020B0604030504040204" pitchFamily="34" charset="0"/>
+                <a:ea typeface="Tahoma" panose="020B0604030504040204" pitchFamily="34" charset="0"/>
+                <a:cs typeface="Tahoma" panose="020B0604030504040204" pitchFamily="34" charset="0"/>
+              </a:rPr>
+              <a:t>năng</a:t>
+            </a:r>
+            <a:r>
+              <a:rPr lang="en-US" sz="2200" dirty="0">
+                <a:effectLst/>
+                <a:latin typeface="Tahoma" panose="020B0604030504040204" pitchFamily="34" charset="0"/>
+                <a:ea typeface="Tahoma" panose="020B0604030504040204" pitchFamily="34" charset="0"/>
+                <a:cs typeface="Tahoma" panose="020B0604030504040204" pitchFamily="34" charset="0"/>
+              </a:rPr>
+              <a:t>.</a:t>
             </a:r>
           </a:p>
           <a:p>
             <a:pPr marL="457200" marR="0" indent="-457200">
+              <a:lnSpc>
+                <a:spcPct val="150000"/>
+              </a:lnSpc>
               <a:spcBef>
                 <a:spcPts val="0"/>
               </a:spcBef>
@@ -14094,12 +15360,164 @@
               <a:buChar char="•"/>
             </a:pPr>
             <a:r>
-              <a:rPr lang="en-US" sz="2800">
-                <a:latin typeface="Calibri" panose="020F0502020204030204" pitchFamily="34" charset="0"/>
-                <a:ea typeface="Calibri" panose="020F0502020204030204" pitchFamily="34" charset="0"/>
-                <a:cs typeface="Calibri" panose="020F0502020204030204" pitchFamily="34" charset="0"/>
-              </a:rPr>
-              <a:t>Chưa có thống kê doanh thu và thanh toán online.</a:t>
+              <a:rPr lang="en-US" sz="2200" dirty="0" err="1">
+                <a:latin typeface="Tahoma" panose="020B0604030504040204" pitchFamily="34" charset="0"/>
+                <a:ea typeface="Tahoma" panose="020B0604030504040204" pitchFamily="34" charset="0"/>
+                <a:cs typeface="Tahoma" panose="020B0604030504040204" pitchFamily="34" charset="0"/>
+              </a:rPr>
+              <a:t>Chưa</a:t>
+            </a:r>
+            <a:r>
+              <a:rPr lang="en-US" sz="2200" dirty="0">
+                <a:latin typeface="Tahoma" panose="020B0604030504040204" pitchFamily="34" charset="0"/>
+                <a:ea typeface="Tahoma" panose="020B0604030504040204" pitchFamily="34" charset="0"/>
+                <a:cs typeface="Tahoma" panose="020B0604030504040204" pitchFamily="34" charset="0"/>
+              </a:rPr>
+              <a:t> </a:t>
+            </a:r>
+            <a:r>
+              <a:rPr lang="en-US" sz="2200" dirty="0" err="1">
+                <a:latin typeface="Tahoma" panose="020B0604030504040204" pitchFamily="34" charset="0"/>
+                <a:ea typeface="Tahoma" panose="020B0604030504040204" pitchFamily="34" charset="0"/>
+                <a:cs typeface="Tahoma" panose="020B0604030504040204" pitchFamily="34" charset="0"/>
+              </a:rPr>
+              <a:t>có</a:t>
+            </a:r>
+            <a:r>
+              <a:rPr lang="en-US" sz="2200" dirty="0">
+                <a:latin typeface="Tahoma" panose="020B0604030504040204" pitchFamily="34" charset="0"/>
+                <a:ea typeface="Tahoma" panose="020B0604030504040204" pitchFamily="34" charset="0"/>
+                <a:cs typeface="Tahoma" panose="020B0604030504040204" pitchFamily="34" charset="0"/>
+              </a:rPr>
+              <a:t> </a:t>
+            </a:r>
+            <a:r>
+              <a:rPr lang="en-US" sz="2200" dirty="0" err="1">
+                <a:latin typeface="Tahoma" panose="020B0604030504040204" pitchFamily="34" charset="0"/>
+                <a:ea typeface="Tahoma" panose="020B0604030504040204" pitchFamily="34" charset="0"/>
+                <a:cs typeface="Tahoma" panose="020B0604030504040204" pitchFamily="34" charset="0"/>
+              </a:rPr>
+              <a:t>các</a:t>
+            </a:r>
+            <a:r>
+              <a:rPr lang="en-US" sz="2200" dirty="0">
+                <a:latin typeface="Tahoma" panose="020B0604030504040204" pitchFamily="34" charset="0"/>
+                <a:ea typeface="Tahoma" panose="020B0604030504040204" pitchFamily="34" charset="0"/>
+                <a:cs typeface="Tahoma" panose="020B0604030504040204" pitchFamily="34" charset="0"/>
+              </a:rPr>
+              <a:t> </a:t>
+            </a:r>
+            <a:r>
+              <a:rPr lang="en-US" sz="2200" dirty="0" err="1">
+                <a:latin typeface="Tahoma" panose="020B0604030504040204" pitchFamily="34" charset="0"/>
+                <a:ea typeface="Tahoma" panose="020B0604030504040204" pitchFamily="34" charset="0"/>
+                <a:cs typeface="Tahoma" panose="020B0604030504040204" pitchFamily="34" charset="0"/>
+              </a:rPr>
+              <a:t>chương</a:t>
+            </a:r>
+            <a:r>
+              <a:rPr lang="en-US" sz="2200" dirty="0">
+                <a:latin typeface="Tahoma" panose="020B0604030504040204" pitchFamily="34" charset="0"/>
+                <a:ea typeface="Tahoma" panose="020B0604030504040204" pitchFamily="34" charset="0"/>
+                <a:cs typeface="Tahoma" panose="020B0604030504040204" pitchFamily="34" charset="0"/>
+              </a:rPr>
+              <a:t> </a:t>
+            </a:r>
+            <a:r>
+              <a:rPr lang="en-US" sz="2200" dirty="0" err="1">
+                <a:latin typeface="Tahoma" panose="020B0604030504040204" pitchFamily="34" charset="0"/>
+                <a:ea typeface="Tahoma" panose="020B0604030504040204" pitchFamily="34" charset="0"/>
+                <a:cs typeface="Tahoma" panose="020B0604030504040204" pitchFamily="34" charset="0"/>
+              </a:rPr>
+              <a:t>trình</a:t>
+            </a:r>
+            <a:r>
+              <a:rPr lang="en-US" sz="2200" dirty="0">
+                <a:latin typeface="Tahoma" panose="020B0604030504040204" pitchFamily="34" charset="0"/>
+                <a:ea typeface="Tahoma" panose="020B0604030504040204" pitchFamily="34" charset="0"/>
+                <a:cs typeface="Tahoma" panose="020B0604030504040204" pitchFamily="34" charset="0"/>
+              </a:rPr>
+              <a:t> </a:t>
+            </a:r>
+            <a:r>
+              <a:rPr lang="en-US" sz="2200" dirty="0" err="1">
+                <a:latin typeface="Tahoma" panose="020B0604030504040204" pitchFamily="34" charset="0"/>
+                <a:ea typeface="Tahoma" panose="020B0604030504040204" pitchFamily="34" charset="0"/>
+                <a:cs typeface="Tahoma" panose="020B0604030504040204" pitchFamily="34" charset="0"/>
+              </a:rPr>
+              <a:t>khuyến</a:t>
+            </a:r>
+            <a:r>
+              <a:rPr lang="en-US" sz="2200" dirty="0">
+                <a:latin typeface="Tahoma" panose="020B0604030504040204" pitchFamily="34" charset="0"/>
+                <a:ea typeface="Tahoma" panose="020B0604030504040204" pitchFamily="34" charset="0"/>
+                <a:cs typeface="Tahoma" panose="020B0604030504040204" pitchFamily="34" charset="0"/>
+              </a:rPr>
+              <a:t> </a:t>
+            </a:r>
+            <a:r>
+              <a:rPr lang="en-US" sz="2200" dirty="0" err="1">
+                <a:latin typeface="Tahoma" panose="020B0604030504040204" pitchFamily="34" charset="0"/>
+                <a:ea typeface="Tahoma" panose="020B0604030504040204" pitchFamily="34" charset="0"/>
+                <a:cs typeface="Tahoma" panose="020B0604030504040204" pitchFamily="34" charset="0"/>
+              </a:rPr>
+              <a:t>mãi</a:t>
+            </a:r>
+            <a:r>
+              <a:rPr lang="en-US" sz="2200" dirty="0">
+                <a:latin typeface="Tahoma" panose="020B0604030504040204" pitchFamily="34" charset="0"/>
+                <a:ea typeface="Tahoma" panose="020B0604030504040204" pitchFamily="34" charset="0"/>
+                <a:cs typeface="Tahoma" panose="020B0604030504040204" pitchFamily="34" charset="0"/>
+              </a:rPr>
+              <a:t> </a:t>
+            </a:r>
+            <a:r>
+              <a:rPr lang="en-US" sz="2200" dirty="0" err="1">
+                <a:latin typeface="Tahoma" panose="020B0604030504040204" pitchFamily="34" charset="0"/>
+                <a:ea typeface="Tahoma" panose="020B0604030504040204" pitchFamily="34" charset="0"/>
+                <a:cs typeface="Tahoma" panose="020B0604030504040204" pitchFamily="34" charset="0"/>
+              </a:rPr>
+              <a:t>và</a:t>
+            </a:r>
+            <a:r>
+              <a:rPr lang="en-US" sz="2200" dirty="0">
+                <a:latin typeface="Tahoma" panose="020B0604030504040204" pitchFamily="34" charset="0"/>
+                <a:ea typeface="Tahoma" panose="020B0604030504040204" pitchFamily="34" charset="0"/>
+                <a:cs typeface="Tahoma" panose="020B0604030504040204" pitchFamily="34" charset="0"/>
+              </a:rPr>
+              <a:t> </a:t>
+            </a:r>
+            <a:r>
+              <a:rPr lang="en-US" sz="2200" dirty="0" err="1">
+                <a:latin typeface="Tahoma" panose="020B0604030504040204" pitchFamily="34" charset="0"/>
+                <a:ea typeface="Tahoma" panose="020B0604030504040204" pitchFamily="34" charset="0"/>
+                <a:cs typeface="Tahoma" panose="020B0604030504040204" pitchFamily="34" charset="0"/>
+              </a:rPr>
+              <a:t>tích</a:t>
+            </a:r>
+            <a:r>
+              <a:rPr lang="en-US" sz="2200" dirty="0">
+                <a:latin typeface="Tahoma" panose="020B0604030504040204" pitchFamily="34" charset="0"/>
+                <a:ea typeface="Tahoma" panose="020B0604030504040204" pitchFamily="34" charset="0"/>
+                <a:cs typeface="Tahoma" panose="020B0604030504040204" pitchFamily="34" charset="0"/>
+              </a:rPr>
+              <a:t> </a:t>
+            </a:r>
+            <a:r>
+              <a:rPr lang="en-US" sz="2200" dirty="0" err="1">
+                <a:latin typeface="Tahoma" panose="020B0604030504040204" pitchFamily="34" charset="0"/>
+                <a:ea typeface="Tahoma" panose="020B0604030504040204" pitchFamily="34" charset="0"/>
+                <a:cs typeface="Tahoma" panose="020B0604030504040204" pitchFamily="34" charset="0"/>
+              </a:rPr>
+              <a:t>hợp</a:t>
+            </a:r>
+            <a:r>
+              <a:rPr lang="en-US" sz="2200" dirty="0">
+                <a:latin typeface="Tahoma" panose="020B0604030504040204" pitchFamily="34" charset="0"/>
+                <a:ea typeface="Tahoma" panose="020B0604030504040204" pitchFamily="34" charset="0"/>
+                <a:cs typeface="Tahoma" panose="020B0604030504040204" pitchFamily="34" charset="0"/>
+              </a:rPr>
+              <a:t> AI.</a:t>
             </a:r>
           </a:p>
         </p:txBody>
@@ -14133,7 +15551,7 @@
         </p:blipFill>
         <p:spPr bwMode="auto">
           <a:xfrm>
-            <a:off x="7361203" y="1835121"/>
+            <a:off x="8035457" y="1835121"/>
             <a:ext cx="3187758" cy="3187758"/>
           </a:xfrm>
           <a:prstGeom prst="rect">
@@ -14203,10 +15621,18 @@
           <a:lstStyle/>
           <a:p>
             <a:fld id="{D16EA1EE-1AB6-40C4-ADCB-7B395AD295B2}" type="slidenum">
-              <a:rPr lang="en-US" smtClean="0"/>
+              <a:rPr lang="en-US" smtClean="0">
+                <a:latin typeface="Tahoma" panose="020B0604030504040204" pitchFamily="34" charset="0"/>
+                <a:ea typeface="Tahoma" panose="020B0604030504040204" pitchFamily="34" charset="0"/>
+                <a:cs typeface="Tahoma" panose="020B0604030504040204" pitchFamily="34" charset="0"/>
+              </a:rPr>
               <a:t>16</a:t>
             </a:fld>
-            <a:endParaRPr lang="en-US"/>
+            <a:endParaRPr lang="en-US">
+              <a:latin typeface="Tahoma" panose="020B0604030504040204" pitchFamily="34" charset="0"/>
+              <a:ea typeface="Tahoma" panose="020B0604030504040204" pitchFamily="34" charset="0"/>
+              <a:cs typeface="Tahoma" panose="020B0604030504040204" pitchFamily="34" charset="0"/>
+            </a:endParaRPr>
           </a:p>
         </p:txBody>
       </p:sp>
@@ -14253,7 +15679,11 @@
           <a:lstStyle/>
           <a:p>
             <a:pPr algn="ctr"/>
-            <a:endParaRPr lang="en-US"/>
+            <a:endParaRPr lang="en-US">
+              <a:latin typeface="Tahoma" panose="020B0604030504040204" pitchFamily="34" charset="0"/>
+              <a:ea typeface="Tahoma" panose="020B0604030504040204" pitchFamily="34" charset="0"/>
+              <a:cs typeface="Tahoma" panose="020B0604030504040204" pitchFamily="34" charset="0"/>
+            </a:endParaRPr>
           </a:p>
         </p:txBody>
       </p:sp>
@@ -14307,8 +15737,8 @@
         </p:nvSpPr>
         <p:spPr>
           <a:xfrm>
-            <a:off x="546422" y="2036347"/>
-            <a:ext cx="6953604" cy="2677656"/>
+            <a:off x="546421" y="2392983"/>
+            <a:ext cx="7406087" cy="1546834"/>
           </a:xfrm>
           <a:prstGeom prst="rect">
             <a:avLst/>
@@ -14322,6 +15752,9 @@
           <a:lstStyle/>
           <a:p>
             <a:pPr marL="457200" marR="0" indent="-457200">
+              <a:lnSpc>
+                <a:spcPct val="150000"/>
+              </a:lnSpc>
               <a:spcBef>
                 <a:spcPts val="0"/>
               </a:spcBef>
@@ -14332,17 +15765,209 @@
               <a:buChar char="•"/>
             </a:pPr>
             <a:r>
-              <a:rPr lang="en-US" sz="2800">
+              <a:rPr lang="en-US" sz="2200" dirty="0" err="1">
                 <a:effectLst/>
-                <a:latin typeface="Calibri" panose="020F0502020204030204" pitchFamily="34" charset="0"/>
-                <a:ea typeface="Calibri" panose="020F0502020204030204" pitchFamily="34" charset="0"/>
-                <a:cs typeface="Calibri" panose="020F0502020204030204" pitchFamily="34" charset="0"/>
-              </a:rPr>
-              <a:t>Mở rộng tính năng như thêm các sản phẩm liên quan.</a:t>
+                <a:latin typeface="Tahoma" panose="020B0604030504040204" pitchFamily="34" charset="0"/>
+                <a:ea typeface="Tahoma" panose="020B0604030504040204" pitchFamily="34" charset="0"/>
+                <a:cs typeface="Tahoma" panose="020B0604030504040204" pitchFamily="34" charset="0"/>
+              </a:rPr>
+              <a:t>Mở</a:t>
+            </a:r>
+            <a:r>
+              <a:rPr lang="en-US" sz="2200" dirty="0">
+                <a:effectLst/>
+                <a:latin typeface="Tahoma" panose="020B0604030504040204" pitchFamily="34" charset="0"/>
+                <a:ea typeface="Tahoma" panose="020B0604030504040204" pitchFamily="34" charset="0"/>
+                <a:cs typeface="Tahoma" panose="020B0604030504040204" pitchFamily="34" charset="0"/>
+              </a:rPr>
+              <a:t> </a:t>
+            </a:r>
+            <a:r>
+              <a:rPr lang="en-US" sz="2200" dirty="0" err="1">
+                <a:effectLst/>
+                <a:latin typeface="Tahoma" panose="020B0604030504040204" pitchFamily="34" charset="0"/>
+                <a:ea typeface="Tahoma" panose="020B0604030504040204" pitchFamily="34" charset="0"/>
+                <a:cs typeface="Tahoma" panose="020B0604030504040204" pitchFamily="34" charset="0"/>
+              </a:rPr>
+              <a:t>rộng</a:t>
+            </a:r>
+            <a:r>
+              <a:rPr lang="en-US" sz="2200" dirty="0">
+                <a:effectLst/>
+                <a:latin typeface="Tahoma" panose="020B0604030504040204" pitchFamily="34" charset="0"/>
+                <a:ea typeface="Tahoma" panose="020B0604030504040204" pitchFamily="34" charset="0"/>
+                <a:cs typeface="Tahoma" panose="020B0604030504040204" pitchFamily="34" charset="0"/>
+              </a:rPr>
+              <a:t> </a:t>
+            </a:r>
+            <a:r>
+              <a:rPr lang="en-US" sz="2200" dirty="0" err="1">
+                <a:effectLst/>
+                <a:latin typeface="Tahoma" panose="020B0604030504040204" pitchFamily="34" charset="0"/>
+                <a:ea typeface="Tahoma" panose="020B0604030504040204" pitchFamily="34" charset="0"/>
+                <a:cs typeface="Tahoma" panose="020B0604030504040204" pitchFamily="34" charset="0"/>
+              </a:rPr>
+              <a:t>tính</a:t>
+            </a:r>
+            <a:r>
+              <a:rPr lang="en-US" sz="2200" dirty="0">
+                <a:effectLst/>
+                <a:latin typeface="Tahoma" panose="020B0604030504040204" pitchFamily="34" charset="0"/>
+                <a:ea typeface="Tahoma" panose="020B0604030504040204" pitchFamily="34" charset="0"/>
+                <a:cs typeface="Tahoma" panose="020B0604030504040204" pitchFamily="34" charset="0"/>
+              </a:rPr>
+              <a:t> </a:t>
+            </a:r>
+            <a:r>
+              <a:rPr lang="en-US" sz="2200" dirty="0" err="1">
+                <a:effectLst/>
+                <a:latin typeface="Tahoma" panose="020B0604030504040204" pitchFamily="34" charset="0"/>
+                <a:ea typeface="Tahoma" panose="020B0604030504040204" pitchFamily="34" charset="0"/>
+                <a:cs typeface="Tahoma" panose="020B0604030504040204" pitchFamily="34" charset="0"/>
+              </a:rPr>
+              <a:t>năng</a:t>
+            </a:r>
+            <a:r>
+              <a:rPr lang="en-US" sz="2200" dirty="0">
+                <a:effectLst/>
+                <a:latin typeface="Tahoma" panose="020B0604030504040204" pitchFamily="34" charset="0"/>
+                <a:ea typeface="Tahoma" panose="020B0604030504040204" pitchFamily="34" charset="0"/>
+                <a:cs typeface="Tahoma" panose="020B0604030504040204" pitchFamily="34" charset="0"/>
+              </a:rPr>
+              <a:t> </a:t>
+            </a:r>
+            <a:r>
+              <a:rPr lang="en-US" sz="2200" dirty="0" err="1">
+                <a:effectLst/>
+                <a:latin typeface="Tahoma" panose="020B0604030504040204" pitchFamily="34" charset="0"/>
+                <a:ea typeface="Tahoma" panose="020B0604030504040204" pitchFamily="34" charset="0"/>
+                <a:cs typeface="Tahoma" panose="020B0604030504040204" pitchFamily="34" charset="0"/>
+              </a:rPr>
+              <a:t>như</a:t>
+            </a:r>
+            <a:r>
+              <a:rPr lang="en-US" sz="2200" dirty="0">
+                <a:effectLst/>
+                <a:latin typeface="Tahoma" panose="020B0604030504040204" pitchFamily="34" charset="0"/>
+                <a:ea typeface="Tahoma" panose="020B0604030504040204" pitchFamily="34" charset="0"/>
+                <a:cs typeface="Tahoma" panose="020B0604030504040204" pitchFamily="34" charset="0"/>
+              </a:rPr>
+              <a:t> </a:t>
+            </a:r>
+            <a:r>
+              <a:rPr lang="en-US" sz="2200" dirty="0" err="1">
+                <a:effectLst/>
+                <a:latin typeface="Tahoma" panose="020B0604030504040204" pitchFamily="34" charset="0"/>
+                <a:ea typeface="Tahoma" panose="020B0604030504040204" pitchFamily="34" charset="0"/>
+                <a:cs typeface="Tahoma" panose="020B0604030504040204" pitchFamily="34" charset="0"/>
+              </a:rPr>
+              <a:t>thêm</a:t>
+            </a:r>
+            <a:r>
+              <a:rPr lang="en-US" sz="2200" dirty="0">
+                <a:effectLst/>
+                <a:latin typeface="Tahoma" panose="020B0604030504040204" pitchFamily="34" charset="0"/>
+                <a:ea typeface="Tahoma" panose="020B0604030504040204" pitchFamily="34" charset="0"/>
+                <a:cs typeface="Tahoma" panose="020B0604030504040204" pitchFamily="34" charset="0"/>
+              </a:rPr>
+              <a:t> </a:t>
+            </a:r>
+            <a:r>
+              <a:rPr lang="en-US" sz="2200" dirty="0" err="1">
+                <a:effectLst/>
+                <a:latin typeface="Tahoma" panose="020B0604030504040204" pitchFamily="34" charset="0"/>
+                <a:ea typeface="Tahoma" panose="020B0604030504040204" pitchFamily="34" charset="0"/>
+                <a:cs typeface="Tahoma" panose="020B0604030504040204" pitchFamily="34" charset="0"/>
+              </a:rPr>
+              <a:t>các</a:t>
+            </a:r>
+            <a:r>
+              <a:rPr lang="en-US" sz="2200" dirty="0">
+                <a:effectLst/>
+                <a:latin typeface="Tahoma" panose="020B0604030504040204" pitchFamily="34" charset="0"/>
+                <a:ea typeface="Tahoma" panose="020B0604030504040204" pitchFamily="34" charset="0"/>
+                <a:cs typeface="Tahoma" panose="020B0604030504040204" pitchFamily="34" charset="0"/>
+              </a:rPr>
+              <a:t> </a:t>
+            </a:r>
+            <a:r>
+              <a:rPr lang="en-US" sz="2200" dirty="0" err="1">
+                <a:effectLst/>
+                <a:latin typeface="Tahoma" panose="020B0604030504040204" pitchFamily="34" charset="0"/>
+                <a:ea typeface="Tahoma" panose="020B0604030504040204" pitchFamily="34" charset="0"/>
+                <a:cs typeface="Tahoma" panose="020B0604030504040204" pitchFamily="34" charset="0"/>
+              </a:rPr>
+              <a:t>sản</a:t>
+            </a:r>
+            <a:r>
+              <a:rPr lang="en-US" sz="2200" dirty="0">
+                <a:effectLst/>
+                <a:latin typeface="Tahoma" panose="020B0604030504040204" pitchFamily="34" charset="0"/>
+                <a:ea typeface="Tahoma" panose="020B0604030504040204" pitchFamily="34" charset="0"/>
+                <a:cs typeface="Tahoma" panose="020B0604030504040204" pitchFamily="34" charset="0"/>
+              </a:rPr>
+              <a:t> </a:t>
+            </a:r>
+            <a:r>
+              <a:rPr lang="en-US" sz="2200" dirty="0" err="1">
+                <a:effectLst/>
+                <a:latin typeface="Tahoma" panose="020B0604030504040204" pitchFamily="34" charset="0"/>
+                <a:ea typeface="Tahoma" panose="020B0604030504040204" pitchFamily="34" charset="0"/>
+                <a:cs typeface="Tahoma" panose="020B0604030504040204" pitchFamily="34" charset="0"/>
+              </a:rPr>
+              <a:t>phẩm</a:t>
+            </a:r>
+            <a:r>
+              <a:rPr lang="en-US" sz="2200" dirty="0">
+                <a:effectLst/>
+                <a:latin typeface="Tahoma" panose="020B0604030504040204" pitchFamily="34" charset="0"/>
+                <a:ea typeface="Tahoma" panose="020B0604030504040204" pitchFamily="34" charset="0"/>
+                <a:cs typeface="Tahoma" panose="020B0604030504040204" pitchFamily="34" charset="0"/>
+              </a:rPr>
+              <a:t> </a:t>
+            </a:r>
+            <a:r>
+              <a:rPr lang="en-US" sz="2200" dirty="0" err="1">
+                <a:effectLst/>
+                <a:latin typeface="Tahoma" panose="020B0604030504040204" pitchFamily="34" charset="0"/>
+                <a:ea typeface="Tahoma" panose="020B0604030504040204" pitchFamily="34" charset="0"/>
+                <a:cs typeface="Tahoma" panose="020B0604030504040204" pitchFamily="34" charset="0"/>
+              </a:rPr>
+              <a:t>liên</a:t>
+            </a:r>
+            <a:r>
+              <a:rPr lang="en-US" sz="2200" dirty="0">
+                <a:effectLst/>
+                <a:latin typeface="Tahoma" panose="020B0604030504040204" pitchFamily="34" charset="0"/>
+                <a:ea typeface="Tahoma" panose="020B0604030504040204" pitchFamily="34" charset="0"/>
+                <a:cs typeface="Tahoma" panose="020B0604030504040204" pitchFamily="34" charset="0"/>
+              </a:rPr>
+              <a:t> </a:t>
+            </a:r>
+            <a:r>
+              <a:rPr lang="en-US" sz="2200" dirty="0" err="1">
+                <a:effectLst/>
+                <a:latin typeface="Tahoma" panose="020B0604030504040204" pitchFamily="34" charset="0"/>
+                <a:ea typeface="Tahoma" panose="020B0604030504040204" pitchFamily="34" charset="0"/>
+                <a:cs typeface="Tahoma" panose="020B0604030504040204" pitchFamily="34" charset="0"/>
+              </a:rPr>
+              <a:t>quan</a:t>
+            </a:r>
+            <a:r>
+              <a:rPr lang="en-US" sz="2200" dirty="0">
+                <a:effectLst/>
+                <a:latin typeface="Tahoma" panose="020B0604030504040204" pitchFamily="34" charset="0"/>
+                <a:ea typeface="Tahoma" panose="020B0604030504040204" pitchFamily="34" charset="0"/>
+                <a:cs typeface="Tahoma" panose="020B0604030504040204" pitchFamily="34" charset="0"/>
+              </a:rPr>
+              <a:t>.</a:t>
             </a:r>
           </a:p>
           <a:p>
             <a:pPr marL="457200" marR="0" indent="-457200">
+              <a:lnSpc>
+                <a:spcPct val="150000"/>
+              </a:lnSpc>
               <a:spcBef>
                 <a:spcPts val="0"/>
               </a:spcBef>
@@ -14353,22 +15978,129 @@
               <a:buChar char="•"/>
             </a:pPr>
             <a:r>
-              <a:rPr lang="en-US" sz="2800">
-                <a:latin typeface="Calibri" panose="020F0502020204030204" pitchFamily="34" charset="0"/>
-                <a:ea typeface="Calibri" panose="020F0502020204030204" pitchFamily="34" charset="0"/>
-                <a:cs typeface="Calibri" panose="020F0502020204030204" pitchFamily="34" charset="0"/>
-              </a:rPr>
-              <a:t>Đa dạng danh mục sản phẩm hơn.</a:t>
-            </a:r>
-            <a:endParaRPr lang="en-US" sz="2800">
+              <a:rPr lang="en-US" sz="2200" dirty="0" err="1">
+                <a:latin typeface="Tahoma" panose="020B0604030504040204" pitchFamily="34" charset="0"/>
+                <a:ea typeface="Tahoma" panose="020B0604030504040204" pitchFamily="34" charset="0"/>
+                <a:cs typeface="Tahoma" panose="020B0604030504040204" pitchFamily="34" charset="0"/>
+              </a:rPr>
+              <a:t>Đa</a:t>
+            </a:r>
+            <a:r>
+              <a:rPr lang="en-US" sz="2200" dirty="0">
+                <a:latin typeface="Tahoma" panose="020B0604030504040204" pitchFamily="34" charset="0"/>
+                <a:ea typeface="Tahoma" panose="020B0604030504040204" pitchFamily="34" charset="0"/>
+                <a:cs typeface="Tahoma" panose="020B0604030504040204" pitchFamily="34" charset="0"/>
+              </a:rPr>
+              <a:t> </a:t>
+            </a:r>
+            <a:r>
+              <a:rPr lang="en-US" sz="2200" dirty="0" err="1">
+                <a:latin typeface="Tahoma" panose="020B0604030504040204" pitchFamily="34" charset="0"/>
+                <a:ea typeface="Tahoma" panose="020B0604030504040204" pitchFamily="34" charset="0"/>
+                <a:cs typeface="Tahoma" panose="020B0604030504040204" pitchFamily="34" charset="0"/>
+              </a:rPr>
+              <a:t>dạng</a:t>
+            </a:r>
+            <a:r>
+              <a:rPr lang="en-US" sz="2200" dirty="0">
+                <a:latin typeface="Tahoma" panose="020B0604030504040204" pitchFamily="34" charset="0"/>
+                <a:ea typeface="Tahoma" panose="020B0604030504040204" pitchFamily="34" charset="0"/>
+                <a:cs typeface="Tahoma" panose="020B0604030504040204" pitchFamily="34" charset="0"/>
+              </a:rPr>
+              <a:t> </a:t>
+            </a:r>
+            <a:r>
+              <a:rPr lang="en-US" sz="2200" dirty="0" err="1">
+                <a:latin typeface="Tahoma" panose="020B0604030504040204" pitchFamily="34" charset="0"/>
+                <a:ea typeface="Tahoma" panose="020B0604030504040204" pitchFamily="34" charset="0"/>
+                <a:cs typeface="Tahoma" panose="020B0604030504040204" pitchFamily="34" charset="0"/>
+              </a:rPr>
+              <a:t>danh</a:t>
+            </a:r>
+            <a:r>
+              <a:rPr lang="en-US" sz="2200" dirty="0">
+                <a:latin typeface="Tahoma" panose="020B0604030504040204" pitchFamily="34" charset="0"/>
+                <a:ea typeface="Tahoma" panose="020B0604030504040204" pitchFamily="34" charset="0"/>
+                <a:cs typeface="Tahoma" panose="020B0604030504040204" pitchFamily="34" charset="0"/>
+              </a:rPr>
+              <a:t> </a:t>
+            </a:r>
+            <a:r>
+              <a:rPr lang="en-US" sz="2200" dirty="0" err="1">
+                <a:latin typeface="Tahoma" panose="020B0604030504040204" pitchFamily="34" charset="0"/>
+                <a:ea typeface="Tahoma" panose="020B0604030504040204" pitchFamily="34" charset="0"/>
+                <a:cs typeface="Tahoma" panose="020B0604030504040204" pitchFamily="34" charset="0"/>
+              </a:rPr>
+              <a:t>mục</a:t>
+            </a:r>
+            <a:r>
+              <a:rPr lang="en-US" sz="2200" dirty="0">
+                <a:latin typeface="Tahoma" panose="020B0604030504040204" pitchFamily="34" charset="0"/>
+                <a:ea typeface="Tahoma" panose="020B0604030504040204" pitchFamily="34" charset="0"/>
+                <a:cs typeface="Tahoma" panose="020B0604030504040204" pitchFamily="34" charset="0"/>
+              </a:rPr>
+              <a:t> </a:t>
+            </a:r>
+            <a:r>
+              <a:rPr lang="en-US" sz="2200" dirty="0" err="1">
+                <a:latin typeface="Tahoma" panose="020B0604030504040204" pitchFamily="34" charset="0"/>
+                <a:ea typeface="Tahoma" panose="020B0604030504040204" pitchFamily="34" charset="0"/>
+                <a:cs typeface="Tahoma" panose="020B0604030504040204" pitchFamily="34" charset="0"/>
+              </a:rPr>
+              <a:t>sản</a:t>
+            </a:r>
+            <a:r>
+              <a:rPr lang="en-US" sz="2200" dirty="0">
+                <a:latin typeface="Tahoma" panose="020B0604030504040204" pitchFamily="34" charset="0"/>
+                <a:ea typeface="Tahoma" panose="020B0604030504040204" pitchFamily="34" charset="0"/>
+                <a:cs typeface="Tahoma" panose="020B0604030504040204" pitchFamily="34" charset="0"/>
+              </a:rPr>
+              <a:t> </a:t>
+            </a:r>
+            <a:r>
+              <a:rPr lang="en-US" sz="2200" dirty="0" err="1">
+                <a:latin typeface="Tahoma" panose="020B0604030504040204" pitchFamily="34" charset="0"/>
+                <a:ea typeface="Tahoma" panose="020B0604030504040204" pitchFamily="34" charset="0"/>
+                <a:cs typeface="Tahoma" panose="020B0604030504040204" pitchFamily="34" charset="0"/>
+              </a:rPr>
+              <a:t>phẩm</a:t>
+            </a:r>
+            <a:r>
+              <a:rPr lang="en-US" sz="2200" dirty="0">
+                <a:latin typeface="Tahoma" panose="020B0604030504040204" pitchFamily="34" charset="0"/>
+                <a:ea typeface="Tahoma" panose="020B0604030504040204" pitchFamily="34" charset="0"/>
+                <a:cs typeface="Tahoma" panose="020B0604030504040204" pitchFamily="34" charset="0"/>
+              </a:rPr>
+              <a:t> </a:t>
+            </a:r>
+            <a:r>
+              <a:rPr lang="en-US" sz="2200" dirty="0" err="1">
+                <a:latin typeface="Tahoma" panose="020B0604030504040204" pitchFamily="34" charset="0"/>
+                <a:ea typeface="Tahoma" panose="020B0604030504040204" pitchFamily="34" charset="0"/>
+                <a:cs typeface="Tahoma" panose="020B0604030504040204" pitchFamily="34" charset="0"/>
+              </a:rPr>
+              <a:t>hơn</a:t>
+            </a:r>
+            <a:r>
+              <a:rPr lang="en-US" sz="2200" dirty="0">
+                <a:latin typeface="Tahoma" panose="020B0604030504040204" pitchFamily="34" charset="0"/>
+                <a:ea typeface="Tahoma" panose="020B0604030504040204" pitchFamily="34" charset="0"/>
+                <a:cs typeface="Tahoma" panose="020B0604030504040204" pitchFamily="34" charset="0"/>
+              </a:rPr>
+              <a:t>.</a:t>
+            </a:r>
+            <a:endParaRPr lang="en-US" sz="2200" dirty="0">
               <a:effectLst/>
-              <a:latin typeface="Calibri" panose="020F0502020204030204" pitchFamily="34" charset="0"/>
-              <a:ea typeface="Calibri" panose="020F0502020204030204" pitchFamily="34" charset="0"/>
-              <a:cs typeface="Calibri" panose="020F0502020204030204" pitchFamily="34" charset="0"/>
+              <a:latin typeface="Tahoma" panose="020B0604030504040204" pitchFamily="34" charset="0"/>
+              <a:ea typeface="Tahoma" panose="020B0604030504040204" pitchFamily="34" charset="0"/>
+              <a:cs typeface="Tahoma" panose="020B0604030504040204" pitchFamily="34" charset="0"/>
             </a:endParaRPr>
           </a:p>
           <a:p>
             <a:pPr marL="457200" marR="0" indent="-457200">
+              <a:lnSpc>
+                <a:spcPct val="150000"/>
+              </a:lnSpc>
               <a:spcBef>
                 <a:spcPts val="0"/>
               </a:spcBef>
@@ -14379,52 +16111,132 @@
               <a:buChar char="•"/>
             </a:pPr>
             <a:r>
-              <a:rPr lang="en-US" sz="2800">
-                <a:latin typeface="Calibri" panose="020F0502020204030204" pitchFamily="34" charset="0"/>
-                <a:ea typeface="Calibri" panose="020F0502020204030204" pitchFamily="34" charset="0"/>
-                <a:cs typeface="Calibri" panose="020F0502020204030204" pitchFamily="34" charset="0"/>
-              </a:rPr>
-              <a:t>Thống kê doanh thu.</a:t>
-            </a:r>
-          </a:p>
-          <a:p>
-            <a:pPr marL="457200" marR="0" indent="-457200">
-              <a:spcBef>
-                <a:spcPts val="0"/>
-              </a:spcBef>
-              <a:spcAft>
-                <a:spcPts val="0"/>
-              </a:spcAft>
-              <a:buFont typeface="Arial" panose="020B0604020202020204" pitchFamily="34" charset="0"/>
-              <a:buChar char="•"/>
-            </a:pPr>
-            <a:r>
-              <a:rPr lang="en-US" sz="2800">
-                <a:latin typeface="Calibri" panose="020F0502020204030204" pitchFamily="34" charset="0"/>
-                <a:ea typeface="Calibri" panose="020F0502020204030204" pitchFamily="34" charset="0"/>
-                <a:cs typeface="Calibri" panose="020F0502020204030204" pitchFamily="34" charset="0"/>
-              </a:rPr>
-              <a:t>Thanh toán online.</a:t>
-            </a:r>
-          </a:p>
-          <a:p>
-            <a:pPr marL="457200" marR="0" indent="-457200">
-              <a:spcBef>
-                <a:spcPts val="0"/>
-              </a:spcBef>
-              <a:spcAft>
-                <a:spcPts val="0"/>
-              </a:spcAft>
-              <a:buFont typeface="Arial" panose="020B0604020202020204" pitchFamily="34" charset="0"/>
-              <a:buChar char="•"/>
-            </a:pPr>
-            <a:r>
-              <a:rPr lang="en-US" sz="2800">
-                <a:latin typeface="Calibri" panose="020F0502020204030204" pitchFamily="34" charset="0"/>
-                <a:ea typeface="Calibri" panose="020F0502020204030204" pitchFamily="34" charset="0"/>
-                <a:cs typeface="Calibri" panose="020F0502020204030204" pitchFamily="34" charset="0"/>
-              </a:rPr>
-              <a:t>Cải thiện giao diện website.</a:t>
+              <a:rPr lang="en-US" sz="2200" dirty="0" err="1">
+                <a:latin typeface="Tahoma" panose="020B0604030504040204" pitchFamily="34" charset="0"/>
+                <a:ea typeface="Tahoma" panose="020B0604030504040204" pitchFamily="34" charset="0"/>
+                <a:cs typeface="Tahoma" panose="020B0604030504040204" pitchFamily="34" charset="0"/>
+              </a:rPr>
+              <a:t>Bổ</a:t>
+            </a:r>
+            <a:r>
+              <a:rPr lang="en-US" sz="2200" dirty="0">
+                <a:latin typeface="Tahoma" panose="020B0604030504040204" pitchFamily="34" charset="0"/>
+                <a:ea typeface="Tahoma" panose="020B0604030504040204" pitchFamily="34" charset="0"/>
+                <a:cs typeface="Tahoma" panose="020B0604030504040204" pitchFamily="34" charset="0"/>
+              </a:rPr>
+              <a:t> sung </a:t>
+            </a:r>
+            <a:r>
+              <a:rPr lang="en-US" sz="2200" dirty="0" err="1">
+                <a:latin typeface="Tahoma" panose="020B0604030504040204" pitchFamily="34" charset="0"/>
+                <a:ea typeface="Tahoma" panose="020B0604030504040204" pitchFamily="34" charset="0"/>
+                <a:cs typeface="Tahoma" panose="020B0604030504040204" pitchFamily="34" charset="0"/>
+              </a:rPr>
+              <a:t>chương</a:t>
+            </a:r>
+            <a:r>
+              <a:rPr lang="en-US" sz="2200" dirty="0">
+                <a:latin typeface="Tahoma" panose="020B0604030504040204" pitchFamily="34" charset="0"/>
+                <a:ea typeface="Tahoma" panose="020B0604030504040204" pitchFamily="34" charset="0"/>
+                <a:cs typeface="Tahoma" panose="020B0604030504040204" pitchFamily="34" charset="0"/>
+              </a:rPr>
+              <a:t> </a:t>
+            </a:r>
+            <a:r>
+              <a:rPr lang="en-US" sz="2200" dirty="0" err="1">
+                <a:latin typeface="Tahoma" panose="020B0604030504040204" pitchFamily="34" charset="0"/>
+                <a:ea typeface="Tahoma" panose="020B0604030504040204" pitchFamily="34" charset="0"/>
+                <a:cs typeface="Tahoma" panose="020B0604030504040204" pitchFamily="34" charset="0"/>
+              </a:rPr>
+              <a:t>trình</a:t>
+            </a:r>
+            <a:r>
+              <a:rPr lang="en-US" sz="2200" dirty="0">
+                <a:latin typeface="Tahoma" panose="020B0604030504040204" pitchFamily="34" charset="0"/>
+                <a:ea typeface="Tahoma" panose="020B0604030504040204" pitchFamily="34" charset="0"/>
+                <a:cs typeface="Tahoma" panose="020B0604030504040204" pitchFamily="34" charset="0"/>
+              </a:rPr>
+              <a:t> </a:t>
+            </a:r>
+            <a:r>
+              <a:rPr lang="en-US" sz="2200" dirty="0" err="1">
+                <a:latin typeface="Tahoma" panose="020B0604030504040204" pitchFamily="34" charset="0"/>
+                <a:ea typeface="Tahoma" panose="020B0604030504040204" pitchFamily="34" charset="0"/>
+                <a:cs typeface="Tahoma" panose="020B0604030504040204" pitchFamily="34" charset="0"/>
+              </a:rPr>
+              <a:t>khuyến</a:t>
+            </a:r>
+            <a:r>
+              <a:rPr lang="en-US" sz="2200" dirty="0">
+                <a:latin typeface="Tahoma" panose="020B0604030504040204" pitchFamily="34" charset="0"/>
+                <a:ea typeface="Tahoma" panose="020B0604030504040204" pitchFamily="34" charset="0"/>
+                <a:cs typeface="Tahoma" panose="020B0604030504040204" pitchFamily="34" charset="0"/>
+              </a:rPr>
+              <a:t> </a:t>
+            </a:r>
+            <a:r>
+              <a:rPr lang="en-US" sz="2200" dirty="0" err="1">
+                <a:latin typeface="Tahoma" panose="020B0604030504040204" pitchFamily="34" charset="0"/>
+                <a:ea typeface="Tahoma" panose="020B0604030504040204" pitchFamily="34" charset="0"/>
+                <a:cs typeface="Tahoma" panose="020B0604030504040204" pitchFamily="34" charset="0"/>
+              </a:rPr>
+              <a:t>mãi</a:t>
+            </a:r>
+            <a:r>
+              <a:rPr lang="en-US" sz="2200" dirty="0">
+                <a:latin typeface="Tahoma" panose="020B0604030504040204" pitchFamily="34" charset="0"/>
+                <a:ea typeface="Tahoma" panose="020B0604030504040204" pitchFamily="34" charset="0"/>
+                <a:cs typeface="Tahoma" panose="020B0604030504040204" pitchFamily="34" charset="0"/>
+              </a:rPr>
+              <a:t> </a:t>
+            </a:r>
+            <a:r>
+              <a:rPr lang="en-US" sz="2200" dirty="0" err="1">
+                <a:latin typeface="Tahoma" panose="020B0604030504040204" pitchFamily="34" charset="0"/>
+                <a:ea typeface="Tahoma" panose="020B0604030504040204" pitchFamily="34" charset="0"/>
+                <a:cs typeface="Tahoma" panose="020B0604030504040204" pitchFamily="34" charset="0"/>
+              </a:rPr>
+              <a:t>và</a:t>
+            </a:r>
+            <a:r>
+              <a:rPr lang="en-US" sz="2200" dirty="0">
+                <a:latin typeface="Tahoma" panose="020B0604030504040204" pitchFamily="34" charset="0"/>
+                <a:ea typeface="Tahoma" panose="020B0604030504040204" pitchFamily="34" charset="0"/>
+                <a:cs typeface="Tahoma" panose="020B0604030504040204" pitchFamily="34" charset="0"/>
+              </a:rPr>
+              <a:t> </a:t>
+            </a:r>
+            <a:r>
+              <a:rPr lang="en-US" sz="2200" dirty="0" err="1">
+                <a:latin typeface="Tahoma" panose="020B0604030504040204" pitchFamily="34" charset="0"/>
+                <a:ea typeface="Tahoma" panose="020B0604030504040204" pitchFamily="34" charset="0"/>
+                <a:cs typeface="Tahoma" panose="020B0604030504040204" pitchFamily="34" charset="0"/>
+              </a:rPr>
+              <a:t>tích</a:t>
+            </a:r>
+            <a:r>
+              <a:rPr lang="en-US" sz="2200" dirty="0">
+                <a:latin typeface="Tahoma" panose="020B0604030504040204" pitchFamily="34" charset="0"/>
+                <a:ea typeface="Tahoma" panose="020B0604030504040204" pitchFamily="34" charset="0"/>
+                <a:cs typeface="Tahoma" panose="020B0604030504040204" pitchFamily="34" charset="0"/>
+              </a:rPr>
+              <a:t> </a:t>
+            </a:r>
+            <a:r>
+              <a:rPr lang="en-US" sz="2200" dirty="0" err="1">
+                <a:latin typeface="Tahoma" panose="020B0604030504040204" pitchFamily="34" charset="0"/>
+                <a:ea typeface="Tahoma" panose="020B0604030504040204" pitchFamily="34" charset="0"/>
+                <a:cs typeface="Tahoma" panose="020B0604030504040204" pitchFamily="34" charset="0"/>
+              </a:rPr>
+              <a:t>hợp</a:t>
+            </a:r>
+            <a:r>
+              <a:rPr lang="en-US" sz="2200" dirty="0">
+                <a:latin typeface="Tahoma" panose="020B0604030504040204" pitchFamily="34" charset="0"/>
+                <a:ea typeface="Tahoma" panose="020B0604030504040204" pitchFamily="34" charset="0"/>
+                <a:cs typeface="Tahoma" panose="020B0604030504040204" pitchFamily="34" charset="0"/>
+              </a:rPr>
+              <a:t> AI.</a:t>
             </a:r>
           </a:p>
         </p:txBody>
@@ -14517,7 +16329,7 @@
         </p:blipFill>
         <p:spPr bwMode="auto">
           <a:xfrm>
-            <a:off x="7302046" y="1571055"/>
+            <a:off x="7726918" y="1726790"/>
             <a:ext cx="3404419" cy="3404419"/>
           </a:xfrm>
           <a:prstGeom prst="rect">
@@ -14587,10 +16399,18 @@
           <a:lstStyle/>
           <a:p>
             <a:fld id="{D16EA1EE-1AB6-40C4-ADCB-7B395AD295B2}" type="slidenum">
-              <a:rPr lang="en-US" smtClean="0"/>
+              <a:rPr lang="en-US" smtClean="0">
+                <a:latin typeface="Tahoma" panose="020B0604030504040204" pitchFamily="34" charset="0"/>
+                <a:ea typeface="Tahoma" panose="020B0604030504040204" pitchFamily="34" charset="0"/>
+                <a:cs typeface="Tahoma" panose="020B0604030504040204" pitchFamily="34" charset="0"/>
+              </a:rPr>
               <a:t>17</a:t>
             </a:fld>
-            <a:endParaRPr lang="en-US"/>
+            <a:endParaRPr lang="en-US">
+              <a:latin typeface="Tahoma" panose="020B0604030504040204" pitchFamily="34" charset="0"/>
+              <a:ea typeface="Tahoma" panose="020B0604030504040204" pitchFamily="34" charset="0"/>
+              <a:cs typeface="Tahoma" panose="020B0604030504040204" pitchFamily="34" charset="0"/>
+            </a:endParaRPr>
           </a:p>
         </p:txBody>
       </p:sp>
@@ -14637,7 +16457,11 @@
           <a:lstStyle/>
           <a:p>
             <a:pPr algn="ctr"/>
-            <a:endParaRPr lang="en-US"/>
+            <a:endParaRPr lang="en-US">
+              <a:latin typeface="Tahoma" panose="020B0604030504040204" pitchFamily="34" charset="0"/>
+              <a:ea typeface="Tahoma" panose="020B0604030504040204" pitchFamily="34" charset="0"/>
+              <a:cs typeface="Tahoma" panose="020B0604030504040204" pitchFamily="34" charset="0"/>
+            </a:endParaRPr>
           </a:p>
         </p:txBody>
       </p:sp>
@@ -14772,9 +16596,9 @@
                 <a:solidFill>
                   <a:schemeClr val="tx1"/>
                 </a:solidFill>
-                <a:latin typeface="ADLaM Display" panose="02010000000000000000" pitchFamily="2" charset="0"/>
-                <a:ea typeface="ADLaM Display" panose="02010000000000000000" pitchFamily="2" charset="0"/>
-                <a:cs typeface="ADLaM Display" panose="02010000000000000000" pitchFamily="2" charset="0"/>
+                <a:latin typeface="Tahoma" panose="020B0604030504040204" pitchFamily="34" charset="0"/>
+                <a:ea typeface="Tahoma" panose="020B0604030504040204" pitchFamily="34" charset="0"/>
+                <a:cs typeface="Tahoma" panose="020B0604030504040204" pitchFamily="34" charset="0"/>
               </a:rPr>
               <a:t>THANK YOU FOR LISTENING!!!</a:t>
             </a:r>
@@ -14857,7 +16681,7 @@
         </p:blipFill>
         <p:spPr bwMode="auto">
           <a:xfrm rot="19053185" flipH="1">
-            <a:off x="2475520" y="4063801"/>
+            <a:off x="2472454" y="4063801"/>
             <a:ext cx="2706330" cy="2706330"/>
           </a:xfrm>
           <a:prstGeom prst="rect">
@@ -14927,10 +16751,18 @@
           <a:lstStyle/>
           <a:p>
             <a:fld id="{D16EA1EE-1AB6-40C4-ADCB-7B395AD295B2}" type="slidenum">
-              <a:rPr lang="en-US" smtClean="0"/>
+              <a:rPr lang="en-US" smtClean="0">
+                <a:latin typeface="Tahoma" panose="020B0604030504040204" pitchFamily="34" charset="0"/>
+                <a:ea typeface="Tahoma" panose="020B0604030504040204" pitchFamily="34" charset="0"/>
+                <a:cs typeface="Tahoma" panose="020B0604030504040204" pitchFamily="34" charset="0"/>
+              </a:rPr>
               <a:t>2</a:t>
             </a:fld>
-            <a:endParaRPr lang="en-US"/>
+            <a:endParaRPr lang="en-US">
+              <a:latin typeface="Tahoma" panose="020B0604030504040204" pitchFamily="34" charset="0"/>
+              <a:ea typeface="Tahoma" panose="020B0604030504040204" pitchFamily="34" charset="0"/>
+              <a:cs typeface="Tahoma" panose="020B0604030504040204" pitchFamily="34" charset="0"/>
+            </a:endParaRPr>
           </a:p>
         </p:txBody>
       </p:sp>
@@ -14949,7 +16781,7 @@
         <p:spPr>
           <a:xfrm>
             <a:off x="546422" y="922996"/>
-            <a:ext cx="4677331" cy="2075696"/>
+            <a:ext cx="5247888" cy="1383199"/>
           </a:xfrm>
           <a:prstGeom prst="rect">
             <a:avLst/>
@@ -14974,7 +16806,7 @@
               </a:spcAft>
             </a:pPr>
             <a:r>
-              <a:rPr lang="en-US" sz="3000" b="1">
+              <a:rPr lang="en-US" sz="3000" b="1" dirty="0">
                 <a:solidFill>
                   <a:srgbClr val="000000"/>
                 </a:solidFill>
@@ -14982,34 +16814,9 @@
                 <a:ea typeface="Tahoma" panose="020B0604030504040204" pitchFamily="34" charset="0"/>
                 <a:cs typeface="Tahoma" panose="020B0604030504040204" pitchFamily="34" charset="0"/>
               </a:rPr>
-              <a:t>XÂY DỰNG WEBSITE BÁN ĐIỆN THOẠI</a:t>
-            </a:r>
-          </a:p>
-          <a:p>
-            <a:pPr marR="0">
-              <a:lnSpc>
-                <a:spcPct val="150000"/>
-              </a:lnSpc>
-              <a:spcBef>
-                <a:spcPts val="0"/>
-              </a:spcBef>
-              <a:spcAft>
-                <a:spcPts val="0"/>
-              </a:spcAft>
-            </a:pPr>
-            <a:r>
-              <a:rPr lang="en-US" sz="3000" b="1">
-                <a:solidFill>
-                  <a:srgbClr val="000000"/>
-                </a:solidFill>
-                <a:effectLst/>
-                <a:latin typeface="Tahoma" panose="020B0604030504040204" pitchFamily="34" charset="0"/>
-                <a:ea typeface="Tahoma" panose="020B0604030504040204" pitchFamily="34" charset="0"/>
-                <a:cs typeface="Tahoma" panose="020B0604030504040204" pitchFamily="34" charset="0"/>
-              </a:rPr>
-              <a:t>BẰNG EXPRESS</a:t>
-            </a:r>
-            <a:endParaRPr lang="en-US" sz="3000">
+              <a:t>XÂY DỰNG WEBSITE BÁN ĐIỆN THOẠI DI DỘNG</a:t>
+            </a:r>
+            <a:endParaRPr lang="en-US" sz="3000" dirty="0">
               <a:effectLst/>
               <a:latin typeface="Tahoma" panose="020B0604030504040204" pitchFamily="34" charset="0"/>
               <a:ea typeface="Tahoma" panose="020B0604030504040204" pitchFamily="34" charset="0"/>
@@ -15066,7 +16873,11 @@
           <a:lstStyle/>
           <a:p>
             <a:pPr algn="ctr"/>
-            <a:endParaRPr lang="en-US"/>
+            <a:endParaRPr lang="en-US">
+              <a:latin typeface="Tahoma" panose="020B0604030504040204" pitchFamily="34" charset="0"/>
+              <a:ea typeface="Tahoma" panose="020B0604030504040204" pitchFamily="34" charset="0"/>
+              <a:cs typeface="Tahoma" panose="020B0604030504040204" pitchFamily="34" charset="0"/>
+            </a:endParaRPr>
           </a:p>
         </p:txBody>
       </p:sp>
@@ -15113,7 +16924,11 @@
           <a:lstStyle/>
           <a:p>
             <a:pPr algn="ctr"/>
-            <a:endParaRPr lang="en-US"/>
+            <a:endParaRPr lang="en-US">
+              <a:latin typeface="Tahoma" panose="020B0604030504040204" pitchFamily="34" charset="0"/>
+              <a:ea typeface="Tahoma" panose="020B0604030504040204" pitchFamily="34" charset="0"/>
+              <a:cs typeface="Tahoma" panose="020B0604030504040204" pitchFamily="34" charset="0"/>
+            </a:endParaRPr>
           </a:p>
         </p:txBody>
       </p:sp>
@@ -15205,10 +17020,18 @@
           <a:lstStyle/>
           <a:p>
             <a:fld id="{D16EA1EE-1AB6-40C4-ADCB-7B395AD295B2}" type="slidenum">
-              <a:rPr lang="en-US" smtClean="0"/>
+              <a:rPr lang="en-US" smtClean="0">
+                <a:latin typeface="Tahoma" panose="020B0604030504040204" pitchFamily="34" charset="0"/>
+                <a:ea typeface="Tahoma" panose="020B0604030504040204" pitchFamily="34" charset="0"/>
+                <a:cs typeface="Tahoma" panose="020B0604030504040204" pitchFamily="34" charset="0"/>
+              </a:rPr>
               <a:t>3</a:t>
             </a:fld>
-            <a:endParaRPr lang="en-US"/>
+            <a:endParaRPr lang="en-US">
+              <a:latin typeface="Tahoma" panose="020B0604030504040204" pitchFamily="34" charset="0"/>
+              <a:ea typeface="Tahoma" panose="020B0604030504040204" pitchFamily="34" charset="0"/>
+              <a:cs typeface="Tahoma" panose="020B0604030504040204" pitchFamily="34" charset="0"/>
+            </a:endParaRPr>
           </a:p>
         </p:txBody>
       </p:sp>
@@ -15255,7 +17078,11 @@
           <a:lstStyle/>
           <a:p>
             <a:pPr algn="ctr"/>
-            <a:endParaRPr lang="en-US"/>
+            <a:endParaRPr lang="en-US">
+              <a:latin typeface="Tahoma" panose="020B0604030504040204" pitchFamily="34" charset="0"/>
+              <a:ea typeface="Tahoma" panose="020B0604030504040204" pitchFamily="34" charset="0"/>
+              <a:cs typeface="Tahoma" panose="020B0604030504040204" pitchFamily="34" charset="0"/>
+            </a:endParaRPr>
           </a:p>
         </p:txBody>
       </p:sp>
@@ -15299,7 +17126,7 @@
               </a:spcAft>
             </a:pPr>
             <a:r>
-              <a:rPr lang="en-US" sz="4000" b="1">
+              <a:rPr lang="en-US" sz="4000" b="1" dirty="0">
                 <a:solidFill>
                   <a:srgbClr val="000000"/>
                 </a:solidFill>
@@ -15309,7 +17136,7 @@
               </a:rPr>
               <a:t>NỘI DUNG</a:t>
             </a:r>
-            <a:endParaRPr lang="en-US" sz="4000">
+            <a:endParaRPr lang="en-US" sz="4000" dirty="0">
               <a:effectLst/>
               <a:latin typeface="Tahoma" panose="020B0604030504040204" pitchFamily="34" charset="0"/>
               <a:ea typeface="Tahoma" panose="020B0604030504040204" pitchFamily="34" charset="0"/>
@@ -15771,10 +17598,18 @@
           <a:lstStyle/>
           <a:p>
             <a:fld id="{D16EA1EE-1AB6-40C4-ADCB-7B395AD295B2}" type="slidenum">
-              <a:rPr lang="en-US" smtClean="0"/>
+              <a:rPr lang="en-US" smtClean="0">
+                <a:latin typeface="Tahoma" panose="020B0604030504040204" pitchFamily="34" charset="0"/>
+                <a:ea typeface="Tahoma" panose="020B0604030504040204" pitchFamily="34" charset="0"/>
+                <a:cs typeface="Tahoma" panose="020B0604030504040204" pitchFamily="34" charset="0"/>
+              </a:rPr>
               <a:t>4</a:t>
             </a:fld>
-            <a:endParaRPr lang="en-US"/>
+            <a:endParaRPr lang="en-US">
+              <a:latin typeface="Tahoma" panose="020B0604030504040204" pitchFamily="34" charset="0"/>
+              <a:ea typeface="Tahoma" panose="020B0604030504040204" pitchFamily="34" charset="0"/>
+              <a:cs typeface="Tahoma" panose="020B0604030504040204" pitchFamily="34" charset="0"/>
+            </a:endParaRPr>
           </a:p>
         </p:txBody>
       </p:sp>
@@ -15821,7 +17656,11 @@
           <a:lstStyle/>
           <a:p>
             <a:pPr algn="ctr"/>
-            <a:endParaRPr lang="en-US"/>
+            <a:endParaRPr lang="en-US">
+              <a:latin typeface="Tahoma" panose="020B0604030504040204" pitchFamily="34" charset="0"/>
+              <a:ea typeface="Tahoma" panose="020B0604030504040204" pitchFamily="34" charset="0"/>
+              <a:cs typeface="Tahoma" panose="020B0604030504040204" pitchFamily="34" charset="0"/>
+            </a:endParaRPr>
           </a:p>
         </p:txBody>
       </p:sp>
@@ -15899,7 +17738,7 @@
         <p:spPr>
           <a:xfrm>
             <a:off x="546422" y="1849915"/>
-            <a:ext cx="11340778" cy="4030655"/>
+            <a:ext cx="11424754" cy="4030655"/>
           </a:xfrm>
           <a:prstGeom prst="rect">
             <a:avLst/>
@@ -15924,13 +17763,767 @@
               </a:spcAft>
             </a:pPr>
             <a:r>
-              <a:rPr lang="en-US" sz="2000">
+              <a:rPr lang="en-US" sz="2000" dirty="0">
                 <a:effectLst/>
                 <a:latin typeface="Tahoma" panose="020B0604030504040204" pitchFamily="34" charset="0"/>
                 <a:ea typeface="Tahoma" panose="020B0604030504040204" pitchFamily="34" charset="0"/>
                 <a:cs typeface="Tahoma" panose="020B0604030504040204" pitchFamily="34" charset="0"/>
               </a:rPr>
-              <a:t>Xây dựng website bán điện thoại bằng Express có các chức năng cơ bản của một website thương mại điện tử thông thường gồm quản lý sản phẩm, quản lý giỏ hang, quản lý người dùng và quản lý đơn hàng.</a:t>
+              <a:t>-  </a:t>
+            </a:r>
+            <a:r>
+              <a:rPr lang="en-US" sz="2000" dirty="0" err="1">
+                <a:effectLst/>
+                <a:latin typeface="Tahoma" panose="020B0604030504040204" pitchFamily="34" charset="0"/>
+                <a:ea typeface="Tahoma" panose="020B0604030504040204" pitchFamily="34" charset="0"/>
+                <a:cs typeface="Tahoma" panose="020B0604030504040204" pitchFamily="34" charset="0"/>
+              </a:rPr>
+              <a:t>Xây</a:t>
+            </a:r>
+            <a:r>
+              <a:rPr lang="en-US" sz="2000" dirty="0">
+                <a:effectLst/>
+                <a:latin typeface="Tahoma" panose="020B0604030504040204" pitchFamily="34" charset="0"/>
+                <a:ea typeface="Tahoma" panose="020B0604030504040204" pitchFamily="34" charset="0"/>
+                <a:cs typeface="Tahoma" panose="020B0604030504040204" pitchFamily="34" charset="0"/>
+              </a:rPr>
+              <a:t> </a:t>
+            </a:r>
+            <a:r>
+              <a:rPr lang="en-US" sz="2000" dirty="0" err="1">
+                <a:effectLst/>
+                <a:latin typeface="Tahoma" panose="020B0604030504040204" pitchFamily="34" charset="0"/>
+                <a:ea typeface="Tahoma" panose="020B0604030504040204" pitchFamily="34" charset="0"/>
+                <a:cs typeface="Tahoma" panose="020B0604030504040204" pitchFamily="34" charset="0"/>
+              </a:rPr>
+              <a:t>dựng</a:t>
+            </a:r>
+            <a:r>
+              <a:rPr lang="en-US" sz="2000" dirty="0">
+                <a:effectLst/>
+                <a:latin typeface="Tahoma" panose="020B0604030504040204" pitchFamily="34" charset="0"/>
+                <a:ea typeface="Tahoma" panose="020B0604030504040204" pitchFamily="34" charset="0"/>
+                <a:cs typeface="Tahoma" panose="020B0604030504040204" pitchFamily="34" charset="0"/>
+              </a:rPr>
+              <a:t> website </a:t>
+            </a:r>
+            <a:r>
+              <a:rPr lang="en-US" sz="2000" dirty="0" err="1">
+                <a:effectLst/>
+                <a:latin typeface="Tahoma" panose="020B0604030504040204" pitchFamily="34" charset="0"/>
+                <a:ea typeface="Tahoma" panose="020B0604030504040204" pitchFamily="34" charset="0"/>
+                <a:cs typeface="Tahoma" panose="020B0604030504040204" pitchFamily="34" charset="0"/>
+              </a:rPr>
+              <a:t>bán</a:t>
+            </a:r>
+            <a:r>
+              <a:rPr lang="en-US" sz="2000" dirty="0">
+                <a:effectLst/>
+                <a:latin typeface="Tahoma" panose="020B0604030504040204" pitchFamily="34" charset="0"/>
+                <a:ea typeface="Tahoma" panose="020B0604030504040204" pitchFamily="34" charset="0"/>
+                <a:cs typeface="Tahoma" panose="020B0604030504040204" pitchFamily="34" charset="0"/>
+              </a:rPr>
+              <a:t> </a:t>
+            </a:r>
+            <a:r>
+              <a:rPr lang="en-US" sz="2000" dirty="0" err="1">
+                <a:effectLst/>
+                <a:latin typeface="Tahoma" panose="020B0604030504040204" pitchFamily="34" charset="0"/>
+                <a:ea typeface="Tahoma" panose="020B0604030504040204" pitchFamily="34" charset="0"/>
+                <a:cs typeface="Tahoma" panose="020B0604030504040204" pitchFamily="34" charset="0"/>
+              </a:rPr>
+              <a:t>điện</a:t>
+            </a:r>
+            <a:r>
+              <a:rPr lang="en-US" sz="2000" dirty="0">
+                <a:effectLst/>
+                <a:latin typeface="Tahoma" panose="020B0604030504040204" pitchFamily="34" charset="0"/>
+                <a:ea typeface="Tahoma" panose="020B0604030504040204" pitchFamily="34" charset="0"/>
+                <a:cs typeface="Tahoma" panose="020B0604030504040204" pitchFamily="34" charset="0"/>
+              </a:rPr>
+              <a:t> </a:t>
+            </a:r>
+            <a:r>
+              <a:rPr lang="en-US" sz="2000" dirty="0" err="1">
+                <a:effectLst/>
+                <a:latin typeface="Tahoma" panose="020B0604030504040204" pitchFamily="34" charset="0"/>
+                <a:ea typeface="Tahoma" panose="020B0604030504040204" pitchFamily="34" charset="0"/>
+                <a:cs typeface="Tahoma" panose="020B0604030504040204" pitchFamily="34" charset="0"/>
+              </a:rPr>
+              <a:t>thoại</a:t>
+            </a:r>
+            <a:r>
+              <a:rPr lang="en-US" sz="2000" dirty="0">
+                <a:effectLst/>
+                <a:latin typeface="Tahoma" panose="020B0604030504040204" pitchFamily="34" charset="0"/>
+                <a:ea typeface="Tahoma" panose="020B0604030504040204" pitchFamily="34" charset="0"/>
+                <a:cs typeface="Tahoma" panose="020B0604030504040204" pitchFamily="34" charset="0"/>
+              </a:rPr>
+              <a:t> di </a:t>
+            </a:r>
+            <a:r>
+              <a:rPr lang="en-US" sz="2000" dirty="0" err="1">
+                <a:effectLst/>
+                <a:latin typeface="Tahoma" panose="020B0604030504040204" pitchFamily="34" charset="0"/>
+                <a:ea typeface="Tahoma" panose="020B0604030504040204" pitchFamily="34" charset="0"/>
+                <a:cs typeface="Tahoma" panose="020B0604030504040204" pitchFamily="34" charset="0"/>
+              </a:rPr>
+              <a:t>động</a:t>
+            </a:r>
+            <a:r>
+              <a:rPr lang="en-US" sz="2000" dirty="0">
+                <a:effectLst/>
+                <a:latin typeface="Tahoma" panose="020B0604030504040204" pitchFamily="34" charset="0"/>
+                <a:ea typeface="Tahoma" panose="020B0604030504040204" pitchFamily="34" charset="0"/>
+                <a:cs typeface="Tahoma" panose="020B0604030504040204" pitchFamily="34" charset="0"/>
+              </a:rPr>
+              <a:t> </a:t>
+            </a:r>
+            <a:r>
+              <a:rPr lang="en-US" sz="2000" dirty="0" err="1">
+                <a:effectLst/>
+                <a:latin typeface="Tahoma" panose="020B0604030504040204" pitchFamily="34" charset="0"/>
+                <a:ea typeface="Tahoma" panose="020B0604030504040204" pitchFamily="34" charset="0"/>
+                <a:cs typeface="Tahoma" panose="020B0604030504040204" pitchFamily="34" charset="0"/>
+              </a:rPr>
+              <a:t>có</a:t>
+            </a:r>
+            <a:r>
+              <a:rPr lang="en-US" sz="2000" dirty="0">
+                <a:effectLst/>
+                <a:latin typeface="Tahoma" panose="020B0604030504040204" pitchFamily="34" charset="0"/>
+                <a:ea typeface="Tahoma" panose="020B0604030504040204" pitchFamily="34" charset="0"/>
+                <a:cs typeface="Tahoma" panose="020B0604030504040204" pitchFamily="34" charset="0"/>
+              </a:rPr>
+              <a:t> </a:t>
+            </a:r>
+            <a:r>
+              <a:rPr lang="en-US" sz="2000" dirty="0" err="1">
+                <a:effectLst/>
+                <a:latin typeface="Tahoma" panose="020B0604030504040204" pitchFamily="34" charset="0"/>
+                <a:ea typeface="Tahoma" panose="020B0604030504040204" pitchFamily="34" charset="0"/>
+                <a:cs typeface="Tahoma" panose="020B0604030504040204" pitchFamily="34" charset="0"/>
+              </a:rPr>
+              <a:t>các</a:t>
+            </a:r>
+            <a:r>
+              <a:rPr lang="en-US" sz="2000" dirty="0">
+                <a:effectLst/>
+                <a:latin typeface="Tahoma" panose="020B0604030504040204" pitchFamily="34" charset="0"/>
+                <a:ea typeface="Tahoma" panose="020B0604030504040204" pitchFamily="34" charset="0"/>
+                <a:cs typeface="Tahoma" panose="020B0604030504040204" pitchFamily="34" charset="0"/>
+              </a:rPr>
+              <a:t> </a:t>
+            </a:r>
+            <a:r>
+              <a:rPr lang="en-US" sz="2000" dirty="0" err="1">
+                <a:effectLst/>
+                <a:latin typeface="Tahoma" panose="020B0604030504040204" pitchFamily="34" charset="0"/>
+                <a:ea typeface="Tahoma" panose="020B0604030504040204" pitchFamily="34" charset="0"/>
+                <a:cs typeface="Tahoma" panose="020B0604030504040204" pitchFamily="34" charset="0"/>
+              </a:rPr>
+              <a:t>chức</a:t>
+            </a:r>
+            <a:r>
+              <a:rPr lang="en-US" sz="2000" dirty="0">
+                <a:effectLst/>
+                <a:latin typeface="Tahoma" panose="020B0604030504040204" pitchFamily="34" charset="0"/>
+                <a:ea typeface="Tahoma" panose="020B0604030504040204" pitchFamily="34" charset="0"/>
+                <a:cs typeface="Tahoma" panose="020B0604030504040204" pitchFamily="34" charset="0"/>
+              </a:rPr>
+              <a:t> </a:t>
+            </a:r>
+            <a:r>
+              <a:rPr lang="en-US" sz="2000" dirty="0" err="1">
+                <a:effectLst/>
+                <a:latin typeface="Tahoma" panose="020B0604030504040204" pitchFamily="34" charset="0"/>
+                <a:ea typeface="Tahoma" panose="020B0604030504040204" pitchFamily="34" charset="0"/>
+                <a:cs typeface="Tahoma" panose="020B0604030504040204" pitchFamily="34" charset="0"/>
+              </a:rPr>
+              <a:t>năng</a:t>
+            </a:r>
+            <a:r>
+              <a:rPr lang="en-US" sz="2000" dirty="0">
+                <a:effectLst/>
+                <a:latin typeface="Tahoma" panose="020B0604030504040204" pitchFamily="34" charset="0"/>
+                <a:ea typeface="Tahoma" panose="020B0604030504040204" pitchFamily="34" charset="0"/>
+                <a:cs typeface="Tahoma" panose="020B0604030504040204" pitchFamily="34" charset="0"/>
+              </a:rPr>
+              <a:t> </a:t>
+            </a:r>
+            <a:r>
+              <a:rPr lang="en-US" sz="2000" dirty="0" err="1">
+                <a:effectLst/>
+                <a:latin typeface="Tahoma" panose="020B0604030504040204" pitchFamily="34" charset="0"/>
+                <a:ea typeface="Tahoma" panose="020B0604030504040204" pitchFamily="34" charset="0"/>
+                <a:cs typeface="Tahoma" panose="020B0604030504040204" pitchFamily="34" charset="0"/>
+              </a:rPr>
+              <a:t>cơ</a:t>
+            </a:r>
+            <a:r>
+              <a:rPr lang="en-US" sz="2000" dirty="0">
+                <a:effectLst/>
+                <a:latin typeface="Tahoma" panose="020B0604030504040204" pitchFamily="34" charset="0"/>
+                <a:ea typeface="Tahoma" panose="020B0604030504040204" pitchFamily="34" charset="0"/>
+                <a:cs typeface="Tahoma" panose="020B0604030504040204" pitchFamily="34" charset="0"/>
+              </a:rPr>
+              <a:t> </a:t>
+            </a:r>
+            <a:r>
+              <a:rPr lang="en-US" sz="2000" dirty="0" err="1">
+                <a:effectLst/>
+                <a:latin typeface="Tahoma" panose="020B0604030504040204" pitchFamily="34" charset="0"/>
+                <a:ea typeface="Tahoma" panose="020B0604030504040204" pitchFamily="34" charset="0"/>
+                <a:cs typeface="Tahoma" panose="020B0604030504040204" pitchFamily="34" charset="0"/>
+              </a:rPr>
+              <a:t>bản</a:t>
+            </a:r>
+            <a:r>
+              <a:rPr lang="en-US" sz="2000" dirty="0">
+                <a:effectLst/>
+                <a:latin typeface="Tahoma" panose="020B0604030504040204" pitchFamily="34" charset="0"/>
+                <a:ea typeface="Tahoma" panose="020B0604030504040204" pitchFamily="34" charset="0"/>
+                <a:cs typeface="Tahoma" panose="020B0604030504040204" pitchFamily="34" charset="0"/>
+              </a:rPr>
+              <a:t> </a:t>
+            </a:r>
+            <a:r>
+              <a:rPr lang="en-US" sz="2000" dirty="0" err="1">
+                <a:effectLst/>
+                <a:latin typeface="Tahoma" panose="020B0604030504040204" pitchFamily="34" charset="0"/>
+                <a:ea typeface="Tahoma" panose="020B0604030504040204" pitchFamily="34" charset="0"/>
+                <a:cs typeface="Tahoma" panose="020B0604030504040204" pitchFamily="34" charset="0"/>
+              </a:rPr>
+              <a:t>của</a:t>
+            </a:r>
+            <a:r>
+              <a:rPr lang="en-US" sz="2000" dirty="0">
+                <a:effectLst/>
+                <a:latin typeface="Tahoma" panose="020B0604030504040204" pitchFamily="34" charset="0"/>
+                <a:ea typeface="Tahoma" panose="020B0604030504040204" pitchFamily="34" charset="0"/>
+                <a:cs typeface="Tahoma" panose="020B0604030504040204" pitchFamily="34" charset="0"/>
+              </a:rPr>
+              <a:t> </a:t>
+            </a:r>
+            <a:r>
+              <a:rPr lang="en-US" sz="2000" dirty="0" err="1">
+                <a:effectLst/>
+                <a:latin typeface="Tahoma" panose="020B0604030504040204" pitchFamily="34" charset="0"/>
+                <a:ea typeface="Tahoma" panose="020B0604030504040204" pitchFamily="34" charset="0"/>
+                <a:cs typeface="Tahoma" panose="020B0604030504040204" pitchFamily="34" charset="0"/>
+              </a:rPr>
+              <a:t>một</a:t>
+            </a:r>
+            <a:r>
+              <a:rPr lang="en-US" sz="2000" dirty="0">
+                <a:effectLst/>
+                <a:latin typeface="Tahoma" panose="020B0604030504040204" pitchFamily="34" charset="0"/>
+                <a:ea typeface="Tahoma" panose="020B0604030504040204" pitchFamily="34" charset="0"/>
+                <a:cs typeface="Tahoma" panose="020B0604030504040204" pitchFamily="34" charset="0"/>
+              </a:rPr>
+              <a:t> website </a:t>
+            </a:r>
+            <a:r>
+              <a:rPr lang="en-US" sz="2000" dirty="0" err="1">
+                <a:effectLst/>
+                <a:latin typeface="Tahoma" panose="020B0604030504040204" pitchFamily="34" charset="0"/>
+                <a:ea typeface="Tahoma" panose="020B0604030504040204" pitchFamily="34" charset="0"/>
+                <a:cs typeface="Tahoma" panose="020B0604030504040204" pitchFamily="34" charset="0"/>
+              </a:rPr>
+              <a:t>thương</a:t>
+            </a:r>
+            <a:r>
+              <a:rPr lang="en-US" sz="2000" dirty="0">
+                <a:effectLst/>
+                <a:latin typeface="Tahoma" panose="020B0604030504040204" pitchFamily="34" charset="0"/>
+                <a:ea typeface="Tahoma" panose="020B0604030504040204" pitchFamily="34" charset="0"/>
+                <a:cs typeface="Tahoma" panose="020B0604030504040204" pitchFamily="34" charset="0"/>
+              </a:rPr>
+              <a:t> </a:t>
+            </a:r>
+            <a:r>
+              <a:rPr lang="en-US" sz="2000" dirty="0" err="1">
+                <a:effectLst/>
+                <a:latin typeface="Tahoma" panose="020B0604030504040204" pitchFamily="34" charset="0"/>
+                <a:ea typeface="Tahoma" panose="020B0604030504040204" pitchFamily="34" charset="0"/>
+                <a:cs typeface="Tahoma" panose="020B0604030504040204" pitchFamily="34" charset="0"/>
+              </a:rPr>
+              <a:t>mại</a:t>
+            </a:r>
+            <a:r>
+              <a:rPr lang="en-US" sz="2000" dirty="0">
+                <a:effectLst/>
+                <a:latin typeface="Tahoma" panose="020B0604030504040204" pitchFamily="34" charset="0"/>
+                <a:ea typeface="Tahoma" panose="020B0604030504040204" pitchFamily="34" charset="0"/>
+                <a:cs typeface="Tahoma" panose="020B0604030504040204" pitchFamily="34" charset="0"/>
+              </a:rPr>
+              <a:t> </a:t>
+            </a:r>
+            <a:r>
+              <a:rPr lang="en-US" sz="2000" dirty="0" err="1">
+                <a:effectLst/>
+                <a:latin typeface="Tahoma" panose="020B0604030504040204" pitchFamily="34" charset="0"/>
+                <a:ea typeface="Tahoma" panose="020B0604030504040204" pitchFamily="34" charset="0"/>
+                <a:cs typeface="Tahoma" panose="020B0604030504040204" pitchFamily="34" charset="0"/>
+              </a:rPr>
+              <a:t>điện</a:t>
+            </a:r>
+            <a:r>
+              <a:rPr lang="en-US" sz="2000" dirty="0">
+                <a:effectLst/>
+                <a:latin typeface="Tahoma" panose="020B0604030504040204" pitchFamily="34" charset="0"/>
+                <a:ea typeface="Tahoma" panose="020B0604030504040204" pitchFamily="34" charset="0"/>
+                <a:cs typeface="Tahoma" panose="020B0604030504040204" pitchFamily="34" charset="0"/>
+              </a:rPr>
+              <a:t> </a:t>
+            </a:r>
+            <a:r>
+              <a:rPr lang="en-US" sz="2000" dirty="0" err="1">
+                <a:effectLst/>
+                <a:latin typeface="Tahoma" panose="020B0604030504040204" pitchFamily="34" charset="0"/>
+                <a:ea typeface="Tahoma" panose="020B0604030504040204" pitchFamily="34" charset="0"/>
+                <a:cs typeface="Tahoma" panose="020B0604030504040204" pitchFamily="34" charset="0"/>
+              </a:rPr>
+              <a:t>tử</a:t>
+            </a:r>
+            <a:r>
+              <a:rPr lang="en-US" sz="2000" dirty="0">
+                <a:effectLst/>
+                <a:latin typeface="Tahoma" panose="020B0604030504040204" pitchFamily="34" charset="0"/>
+                <a:ea typeface="Tahoma" panose="020B0604030504040204" pitchFamily="34" charset="0"/>
+                <a:cs typeface="Tahoma" panose="020B0604030504040204" pitchFamily="34" charset="0"/>
+              </a:rPr>
+              <a:t> </a:t>
+            </a:r>
+            <a:r>
+              <a:rPr lang="en-US" sz="2000" dirty="0" err="1">
+                <a:effectLst/>
+                <a:latin typeface="Tahoma" panose="020B0604030504040204" pitchFamily="34" charset="0"/>
+                <a:ea typeface="Tahoma" panose="020B0604030504040204" pitchFamily="34" charset="0"/>
+                <a:cs typeface="Tahoma" panose="020B0604030504040204" pitchFamily="34" charset="0"/>
+              </a:rPr>
+              <a:t>thông</a:t>
+            </a:r>
+            <a:r>
+              <a:rPr lang="en-US" sz="2000" dirty="0">
+                <a:effectLst/>
+                <a:latin typeface="Tahoma" panose="020B0604030504040204" pitchFamily="34" charset="0"/>
+                <a:ea typeface="Tahoma" panose="020B0604030504040204" pitchFamily="34" charset="0"/>
+                <a:cs typeface="Tahoma" panose="020B0604030504040204" pitchFamily="34" charset="0"/>
+              </a:rPr>
+              <a:t> </a:t>
+            </a:r>
+            <a:r>
+              <a:rPr lang="en-US" sz="2000" dirty="0" err="1">
+                <a:effectLst/>
+                <a:latin typeface="Tahoma" panose="020B0604030504040204" pitchFamily="34" charset="0"/>
+                <a:ea typeface="Tahoma" panose="020B0604030504040204" pitchFamily="34" charset="0"/>
+                <a:cs typeface="Tahoma" panose="020B0604030504040204" pitchFamily="34" charset="0"/>
+              </a:rPr>
+              <a:t>thường</a:t>
+            </a:r>
+            <a:r>
+              <a:rPr lang="en-US" sz="2000" dirty="0">
+                <a:effectLst/>
+                <a:latin typeface="Tahoma" panose="020B0604030504040204" pitchFamily="34" charset="0"/>
+                <a:ea typeface="Tahoma" panose="020B0604030504040204" pitchFamily="34" charset="0"/>
+                <a:cs typeface="Tahoma" panose="020B0604030504040204" pitchFamily="34" charset="0"/>
+              </a:rPr>
+              <a:t> </a:t>
+            </a:r>
+            <a:r>
+              <a:rPr lang="en-US" sz="2000" dirty="0" err="1">
+                <a:effectLst/>
+                <a:latin typeface="Tahoma" panose="020B0604030504040204" pitchFamily="34" charset="0"/>
+                <a:ea typeface="Tahoma" panose="020B0604030504040204" pitchFamily="34" charset="0"/>
+                <a:cs typeface="Tahoma" panose="020B0604030504040204" pitchFamily="34" charset="0"/>
+              </a:rPr>
+              <a:t>gồm</a:t>
+            </a:r>
+            <a:r>
+              <a:rPr lang="en-US" sz="2000" dirty="0">
+                <a:effectLst/>
+                <a:latin typeface="Tahoma" panose="020B0604030504040204" pitchFamily="34" charset="0"/>
+                <a:ea typeface="Tahoma" panose="020B0604030504040204" pitchFamily="34" charset="0"/>
+                <a:cs typeface="Tahoma" panose="020B0604030504040204" pitchFamily="34" charset="0"/>
+              </a:rPr>
+              <a:t> </a:t>
+            </a:r>
+            <a:r>
+              <a:rPr lang="en-US" sz="2000" dirty="0" err="1">
+                <a:effectLst/>
+                <a:latin typeface="Tahoma" panose="020B0604030504040204" pitchFamily="34" charset="0"/>
+                <a:ea typeface="Tahoma" panose="020B0604030504040204" pitchFamily="34" charset="0"/>
+                <a:cs typeface="Tahoma" panose="020B0604030504040204" pitchFamily="34" charset="0"/>
+              </a:rPr>
+              <a:t>quản</a:t>
+            </a:r>
+            <a:r>
+              <a:rPr lang="en-US" sz="2000" dirty="0">
+                <a:effectLst/>
+                <a:latin typeface="Tahoma" panose="020B0604030504040204" pitchFamily="34" charset="0"/>
+                <a:ea typeface="Tahoma" panose="020B0604030504040204" pitchFamily="34" charset="0"/>
+                <a:cs typeface="Tahoma" panose="020B0604030504040204" pitchFamily="34" charset="0"/>
+              </a:rPr>
+              <a:t> </a:t>
+            </a:r>
+            <a:r>
+              <a:rPr lang="en-US" sz="2000" dirty="0" err="1">
+                <a:effectLst/>
+                <a:latin typeface="Tahoma" panose="020B0604030504040204" pitchFamily="34" charset="0"/>
+                <a:ea typeface="Tahoma" panose="020B0604030504040204" pitchFamily="34" charset="0"/>
+                <a:cs typeface="Tahoma" panose="020B0604030504040204" pitchFamily="34" charset="0"/>
+              </a:rPr>
+              <a:t>lý</a:t>
+            </a:r>
+            <a:r>
+              <a:rPr lang="en-US" sz="2000" dirty="0">
+                <a:effectLst/>
+                <a:latin typeface="Tahoma" panose="020B0604030504040204" pitchFamily="34" charset="0"/>
+                <a:ea typeface="Tahoma" panose="020B0604030504040204" pitchFamily="34" charset="0"/>
+                <a:cs typeface="Tahoma" panose="020B0604030504040204" pitchFamily="34" charset="0"/>
+              </a:rPr>
+              <a:t> </a:t>
+            </a:r>
+            <a:r>
+              <a:rPr lang="en-US" sz="2000" dirty="0" err="1">
+                <a:effectLst/>
+                <a:latin typeface="Tahoma" panose="020B0604030504040204" pitchFamily="34" charset="0"/>
+                <a:ea typeface="Tahoma" panose="020B0604030504040204" pitchFamily="34" charset="0"/>
+                <a:cs typeface="Tahoma" panose="020B0604030504040204" pitchFamily="34" charset="0"/>
+              </a:rPr>
+              <a:t>sản</a:t>
+            </a:r>
+            <a:r>
+              <a:rPr lang="en-US" sz="2000" dirty="0">
+                <a:effectLst/>
+                <a:latin typeface="Tahoma" panose="020B0604030504040204" pitchFamily="34" charset="0"/>
+                <a:ea typeface="Tahoma" panose="020B0604030504040204" pitchFamily="34" charset="0"/>
+                <a:cs typeface="Tahoma" panose="020B0604030504040204" pitchFamily="34" charset="0"/>
+              </a:rPr>
+              <a:t> </a:t>
+            </a:r>
+            <a:r>
+              <a:rPr lang="en-US" sz="2000" dirty="0" err="1">
+                <a:effectLst/>
+                <a:latin typeface="Tahoma" panose="020B0604030504040204" pitchFamily="34" charset="0"/>
+                <a:ea typeface="Tahoma" panose="020B0604030504040204" pitchFamily="34" charset="0"/>
+                <a:cs typeface="Tahoma" panose="020B0604030504040204" pitchFamily="34" charset="0"/>
+              </a:rPr>
+              <a:t>phẩm</a:t>
+            </a:r>
+            <a:r>
+              <a:rPr lang="en-US" sz="2000" dirty="0">
+                <a:effectLst/>
+                <a:latin typeface="Tahoma" panose="020B0604030504040204" pitchFamily="34" charset="0"/>
+                <a:ea typeface="Tahoma" panose="020B0604030504040204" pitchFamily="34" charset="0"/>
+                <a:cs typeface="Tahoma" panose="020B0604030504040204" pitchFamily="34" charset="0"/>
+              </a:rPr>
+              <a:t>, </a:t>
+            </a:r>
+            <a:r>
+              <a:rPr lang="en-US" sz="2000" dirty="0" err="1">
+                <a:effectLst/>
+                <a:latin typeface="Tahoma" panose="020B0604030504040204" pitchFamily="34" charset="0"/>
+                <a:ea typeface="Tahoma" panose="020B0604030504040204" pitchFamily="34" charset="0"/>
+                <a:cs typeface="Tahoma" panose="020B0604030504040204" pitchFamily="34" charset="0"/>
+              </a:rPr>
+              <a:t>quản</a:t>
+            </a:r>
+            <a:r>
+              <a:rPr lang="en-US" sz="2000" dirty="0">
+                <a:effectLst/>
+                <a:latin typeface="Tahoma" panose="020B0604030504040204" pitchFamily="34" charset="0"/>
+                <a:ea typeface="Tahoma" panose="020B0604030504040204" pitchFamily="34" charset="0"/>
+                <a:cs typeface="Tahoma" panose="020B0604030504040204" pitchFamily="34" charset="0"/>
+              </a:rPr>
+              <a:t> </a:t>
+            </a:r>
+            <a:r>
+              <a:rPr lang="en-US" sz="2000" dirty="0" err="1">
+                <a:effectLst/>
+                <a:latin typeface="Tahoma" panose="020B0604030504040204" pitchFamily="34" charset="0"/>
+                <a:ea typeface="Tahoma" panose="020B0604030504040204" pitchFamily="34" charset="0"/>
+                <a:cs typeface="Tahoma" panose="020B0604030504040204" pitchFamily="34" charset="0"/>
+              </a:rPr>
+              <a:t>lý</a:t>
+            </a:r>
+            <a:r>
+              <a:rPr lang="en-US" sz="2000" dirty="0">
+                <a:effectLst/>
+                <a:latin typeface="Tahoma" panose="020B0604030504040204" pitchFamily="34" charset="0"/>
+                <a:ea typeface="Tahoma" panose="020B0604030504040204" pitchFamily="34" charset="0"/>
+                <a:cs typeface="Tahoma" panose="020B0604030504040204" pitchFamily="34" charset="0"/>
+              </a:rPr>
+              <a:t> </a:t>
+            </a:r>
+            <a:r>
+              <a:rPr lang="en-US" sz="2000" dirty="0" err="1">
+                <a:effectLst/>
+                <a:latin typeface="Tahoma" panose="020B0604030504040204" pitchFamily="34" charset="0"/>
+                <a:ea typeface="Tahoma" panose="020B0604030504040204" pitchFamily="34" charset="0"/>
+                <a:cs typeface="Tahoma" panose="020B0604030504040204" pitchFamily="34" charset="0"/>
+              </a:rPr>
+              <a:t>giỏ</a:t>
+            </a:r>
+            <a:r>
+              <a:rPr lang="en-US" sz="2000" dirty="0">
+                <a:effectLst/>
+                <a:latin typeface="Tahoma" panose="020B0604030504040204" pitchFamily="34" charset="0"/>
+                <a:ea typeface="Tahoma" panose="020B0604030504040204" pitchFamily="34" charset="0"/>
+                <a:cs typeface="Tahoma" panose="020B0604030504040204" pitchFamily="34" charset="0"/>
+              </a:rPr>
+              <a:t> </a:t>
+            </a:r>
+            <a:r>
+              <a:rPr lang="en-US" sz="2000" dirty="0" err="1">
+                <a:effectLst/>
+                <a:latin typeface="Tahoma" panose="020B0604030504040204" pitchFamily="34" charset="0"/>
+                <a:ea typeface="Tahoma" panose="020B0604030504040204" pitchFamily="34" charset="0"/>
+                <a:cs typeface="Tahoma" panose="020B0604030504040204" pitchFamily="34" charset="0"/>
+              </a:rPr>
+              <a:t>h</a:t>
+            </a:r>
+            <a:r>
+              <a:rPr lang="en-US" sz="2000" dirty="0" err="1">
+                <a:latin typeface="Tahoma" panose="020B0604030504040204" pitchFamily="34" charset="0"/>
+                <a:ea typeface="Tahoma" panose="020B0604030504040204" pitchFamily="34" charset="0"/>
+                <a:cs typeface="Tahoma" panose="020B0604030504040204" pitchFamily="34" charset="0"/>
+              </a:rPr>
+              <a:t>à</a:t>
+            </a:r>
+            <a:r>
+              <a:rPr lang="en-US" sz="2000" dirty="0" err="1">
+                <a:effectLst/>
+                <a:latin typeface="Tahoma" panose="020B0604030504040204" pitchFamily="34" charset="0"/>
+                <a:ea typeface="Tahoma" panose="020B0604030504040204" pitchFamily="34" charset="0"/>
+                <a:cs typeface="Tahoma" panose="020B0604030504040204" pitchFamily="34" charset="0"/>
+              </a:rPr>
+              <a:t>ng</a:t>
+            </a:r>
+            <a:r>
+              <a:rPr lang="en-US" sz="2000" dirty="0">
+                <a:effectLst/>
+                <a:latin typeface="Tahoma" panose="020B0604030504040204" pitchFamily="34" charset="0"/>
+                <a:ea typeface="Tahoma" panose="020B0604030504040204" pitchFamily="34" charset="0"/>
+                <a:cs typeface="Tahoma" panose="020B0604030504040204" pitchFamily="34" charset="0"/>
+              </a:rPr>
+              <a:t>, </a:t>
+            </a:r>
+            <a:r>
+              <a:rPr lang="en-US" sz="2000" dirty="0" err="1">
+                <a:effectLst/>
+                <a:latin typeface="Tahoma" panose="020B0604030504040204" pitchFamily="34" charset="0"/>
+                <a:ea typeface="Tahoma" panose="020B0604030504040204" pitchFamily="34" charset="0"/>
+                <a:cs typeface="Tahoma" panose="020B0604030504040204" pitchFamily="34" charset="0"/>
+              </a:rPr>
+              <a:t>quản</a:t>
+            </a:r>
+            <a:r>
+              <a:rPr lang="en-US" sz="2000" dirty="0">
+                <a:effectLst/>
+                <a:latin typeface="Tahoma" panose="020B0604030504040204" pitchFamily="34" charset="0"/>
+                <a:ea typeface="Tahoma" panose="020B0604030504040204" pitchFamily="34" charset="0"/>
+                <a:cs typeface="Tahoma" panose="020B0604030504040204" pitchFamily="34" charset="0"/>
+              </a:rPr>
+              <a:t> </a:t>
+            </a:r>
+            <a:r>
+              <a:rPr lang="en-US" sz="2000" dirty="0" err="1">
+                <a:effectLst/>
+                <a:latin typeface="Tahoma" panose="020B0604030504040204" pitchFamily="34" charset="0"/>
+                <a:ea typeface="Tahoma" panose="020B0604030504040204" pitchFamily="34" charset="0"/>
+                <a:cs typeface="Tahoma" panose="020B0604030504040204" pitchFamily="34" charset="0"/>
+              </a:rPr>
+              <a:t>lý</a:t>
+            </a:r>
+            <a:r>
+              <a:rPr lang="en-US" sz="2000" dirty="0">
+                <a:effectLst/>
+                <a:latin typeface="Tahoma" panose="020B0604030504040204" pitchFamily="34" charset="0"/>
+                <a:ea typeface="Tahoma" panose="020B0604030504040204" pitchFamily="34" charset="0"/>
+                <a:cs typeface="Tahoma" panose="020B0604030504040204" pitchFamily="34" charset="0"/>
+              </a:rPr>
+              <a:t> </a:t>
+            </a:r>
+            <a:r>
+              <a:rPr lang="en-US" sz="2000" dirty="0" err="1">
+                <a:effectLst/>
+                <a:latin typeface="Tahoma" panose="020B0604030504040204" pitchFamily="34" charset="0"/>
+                <a:ea typeface="Tahoma" panose="020B0604030504040204" pitchFamily="34" charset="0"/>
+                <a:cs typeface="Tahoma" panose="020B0604030504040204" pitchFamily="34" charset="0"/>
+              </a:rPr>
+              <a:t>người</a:t>
+            </a:r>
+            <a:r>
+              <a:rPr lang="en-US" sz="2000" dirty="0">
+                <a:effectLst/>
+                <a:latin typeface="Tahoma" panose="020B0604030504040204" pitchFamily="34" charset="0"/>
+                <a:ea typeface="Tahoma" panose="020B0604030504040204" pitchFamily="34" charset="0"/>
+                <a:cs typeface="Tahoma" panose="020B0604030504040204" pitchFamily="34" charset="0"/>
+              </a:rPr>
+              <a:t> dung</a:t>
+            </a:r>
+            <a:r>
+              <a:rPr lang="en-US" sz="2000" dirty="0">
+                <a:latin typeface="Tahoma" panose="020B0604030504040204" pitchFamily="34" charset="0"/>
+                <a:ea typeface="Tahoma" panose="020B0604030504040204" pitchFamily="34" charset="0"/>
+                <a:cs typeface="Tahoma" panose="020B0604030504040204" pitchFamily="34" charset="0"/>
+              </a:rPr>
+              <a:t>,</a:t>
+            </a:r>
+            <a:r>
+              <a:rPr lang="en-US" sz="2000" dirty="0">
+                <a:effectLst/>
+                <a:latin typeface="Tahoma" panose="020B0604030504040204" pitchFamily="34" charset="0"/>
+                <a:ea typeface="Tahoma" panose="020B0604030504040204" pitchFamily="34" charset="0"/>
+                <a:cs typeface="Tahoma" panose="020B0604030504040204" pitchFamily="34" charset="0"/>
+              </a:rPr>
+              <a:t> </a:t>
+            </a:r>
+            <a:r>
+              <a:rPr lang="en-US" sz="2000" dirty="0" err="1">
+                <a:effectLst/>
+                <a:latin typeface="Tahoma" panose="020B0604030504040204" pitchFamily="34" charset="0"/>
+                <a:ea typeface="Tahoma" panose="020B0604030504040204" pitchFamily="34" charset="0"/>
+                <a:cs typeface="Tahoma" panose="020B0604030504040204" pitchFamily="34" charset="0"/>
+              </a:rPr>
+              <a:t>quản</a:t>
+            </a:r>
+            <a:r>
+              <a:rPr lang="en-US" sz="2000" dirty="0">
+                <a:effectLst/>
+                <a:latin typeface="Tahoma" panose="020B0604030504040204" pitchFamily="34" charset="0"/>
+                <a:ea typeface="Tahoma" panose="020B0604030504040204" pitchFamily="34" charset="0"/>
+                <a:cs typeface="Tahoma" panose="020B0604030504040204" pitchFamily="34" charset="0"/>
+              </a:rPr>
+              <a:t> </a:t>
+            </a:r>
+            <a:r>
+              <a:rPr lang="en-US" sz="2000" dirty="0" err="1">
+                <a:effectLst/>
+                <a:latin typeface="Tahoma" panose="020B0604030504040204" pitchFamily="34" charset="0"/>
+                <a:ea typeface="Tahoma" panose="020B0604030504040204" pitchFamily="34" charset="0"/>
+                <a:cs typeface="Tahoma" panose="020B0604030504040204" pitchFamily="34" charset="0"/>
+              </a:rPr>
+              <a:t>lý</a:t>
+            </a:r>
+            <a:r>
+              <a:rPr lang="en-US" sz="2000" dirty="0">
+                <a:effectLst/>
+                <a:latin typeface="Tahoma" panose="020B0604030504040204" pitchFamily="34" charset="0"/>
+                <a:ea typeface="Tahoma" panose="020B0604030504040204" pitchFamily="34" charset="0"/>
+                <a:cs typeface="Tahoma" panose="020B0604030504040204" pitchFamily="34" charset="0"/>
+              </a:rPr>
+              <a:t> </a:t>
+            </a:r>
+            <a:r>
+              <a:rPr lang="en-US" sz="2000" dirty="0" err="1">
+                <a:effectLst/>
+                <a:latin typeface="Tahoma" panose="020B0604030504040204" pitchFamily="34" charset="0"/>
+                <a:ea typeface="Tahoma" panose="020B0604030504040204" pitchFamily="34" charset="0"/>
+                <a:cs typeface="Tahoma" panose="020B0604030504040204" pitchFamily="34" charset="0"/>
+              </a:rPr>
+              <a:t>đơn</a:t>
+            </a:r>
+            <a:r>
+              <a:rPr lang="en-US" sz="2000" dirty="0">
+                <a:effectLst/>
+                <a:latin typeface="Tahoma" panose="020B0604030504040204" pitchFamily="34" charset="0"/>
+                <a:ea typeface="Tahoma" panose="020B0604030504040204" pitchFamily="34" charset="0"/>
+                <a:cs typeface="Tahoma" panose="020B0604030504040204" pitchFamily="34" charset="0"/>
+              </a:rPr>
+              <a:t> hang </a:t>
+            </a:r>
+            <a:r>
+              <a:rPr lang="en-US" sz="2000" dirty="0" err="1">
+                <a:effectLst/>
+                <a:latin typeface="Tahoma" panose="020B0604030504040204" pitchFamily="34" charset="0"/>
+                <a:ea typeface="Tahoma" panose="020B0604030504040204" pitchFamily="34" charset="0"/>
+                <a:cs typeface="Tahoma" panose="020B0604030504040204" pitchFamily="34" charset="0"/>
+              </a:rPr>
+              <a:t>và</a:t>
+            </a:r>
+            <a:r>
+              <a:rPr lang="en-US" sz="2000" dirty="0">
+                <a:effectLst/>
+                <a:latin typeface="Tahoma" panose="020B0604030504040204" pitchFamily="34" charset="0"/>
+                <a:ea typeface="Tahoma" panose="020B0604030504040204" pitchFamily="34" charset="0"/>
+                <a:cs typeface="Tahoma" panose="020B0604030504040204" pitchFamily="34" charset="0"/>
+              </a:rPr>
+              <a:t> </a:t>
+            </a:r>
+            <a:r>
+              <a:rPr lang="en-US" sz="2000" dirty="0" err="1">
+                <a:effectLst/>
+                <a:latin typeface="Tahoma" panose="020B0604030504040204" pitchFamily="34" charset="0"/>
+                <a:ea typeface="Tahoma" panose="020B0604030504040204" pitchFamily="34" charset="0"/>
+                <a:cs typeface="Tahoma" panose="020B0604030504040204" pitchFamily="34" charset="0"/>
+              </a:rPr>
+              <a:t>quản</a:t>
+            </a:r>
+            <a:r>
+              <a:rPr lang="en-US" sz="2000" dirty="0">
+                <a:effectLst/>
+                <a:latin typeface="Tahoma" panose="020B0604030504040204" pitchFamily="34" charset="0"/>
+                <a:ea typeface="Tahoma" panose="020B0604030504040204" pitchFamily="34" charset="0"/>
+                <a:cs typeface="Tahoma" panose="020B0604030504040204" pitchFamily="34" charset="0"/>
+              </a:rPr>
+              <a:t> </a:t>
+            </a:r>
+            <a:r>
+              <a:rPr lang="en-US" sz="2000" dirty="0" err="1">
+                <a:effectLst/>
+                <a:latin typeface="Tahoma" panose="020B0604030504040204" pitchFamily="34" charset="0"/>
+                <a:ea typeface="Tahoma" panose="020B0604030504040204" pitchFamily="34" charset="0"/>
+                <a:cs typeface="Tahoma" panose="020B0604030504040204" pitchFamily="34" charset="0"/>
+              </a:rPr>
+              <a:t>lý</a:t>
+            </a:r>
+            <a:r>
+              <a:rPr lang="en-US" sz="2000" dirty="0">
+                <a:effectLst/>
+                <a:latin typeface="Tahoma" panose="020B0604030504040204" pitchFamily="34" charset="0"/>
+                <a:ea typeface="Tahoma" panose="020B0604030504040204" pitchFamily="34" charset="0"/>
+                <a:cs typeface="Tahoma" panose="020B0604030504040204" pitchFamily="34" charset="0"/>
+              </a:rPr>
+              <a:t> </a:t>
+            </a:r>
+            <a:r>
+              <a:rPr lang="en-US" sz="2000" dirty="0" err="1">
+                <a:effectLst/>
+                <a:latin typeface="Tahoma" panose="020B0604030504040204" pitchFamily="34" charset="0"/>
+                <a:ea typeface="Tahoma" panose="020B0604030504040204" pitchFamily="34" charset="0"/>
+                <a:cs typeface="Tahoma" panose="020B0604030504040204" pitchFamily="34" charset="0"/>
+              </a:rPr>
+              <a:t>doanh</a:t>
+            </a:r>
+            <a:r>
+              <a:rPr lang="en-US" sz="2000" dirty="0">
+                <a:effectLst/>
+                <a:latin typeface="Tahoma" panose="020B0604030504040204" pitchFamily="34" charset="0"/>
+                <a:ea typeface="Tahoma" panose="020B0604030504040204" pitchFamily="34" charset="0"/>
+                <a:cs typeface="Tahoma" panose="020B0604030504040204" pitchFamily="34" charset="0"/>
+              </a:rPr>
+              <a:t> </a:t>
+            </a:r>
+            <a:r>
+              <a:rPr lang="en-US" sz="2000" dirty="0" err="1">
+                <a:effectLst/>
+                <a:latin typeface="Tahoma" panose="020B0604030504040204" pitchFamily="34" charset="0"/>
+                <a:ea typeface="Tahoma" panose="020B0604030504040204" pitchFamily="34" charset="0"/>
+                <a:cs typeface="Tahoma" panose="020B0604030504040204" pitchFamily="34" charset="0"/>
+              </a:rPr>
+              <a:t>thu</a:t>
+            </a:r>
+            <a:r>
+              <a:rPr lang="en-US" sz="2000" dirty="0">
+                <a:effectLst/>
+                <a:latin typeface="Tahoma" panose="020B0604030504040204" pitchFamily="34" charset="0"/>
+                <a:ea typeface="Tahoma" panose="020B0604030504040204" pitchFamily="34" charset="0"/>
+                <a:cs typeface="Tahoma" panose="020B0604030504040204" pitchFamily="34" charset="0"/>
+              </a:rPr>
+              <a:t>.</a:t>
             </a:r>
           </a:p>
           <a:p>
@@ -15946,12 +18539,492 @@
               </a:spcAft>
             </a:pPr>
             <a:r>
-              <a:rPr lang="en-US" sz="2000">
-                <a:latin typeface="Tahoma" panose="020B0604030504040204" pitchFamily="34" charset="0"/>
-                <a:ea typeface="Tahoma" panose="020B0604030504040204" pitchFamily="34" charset="0"/>
-                <a:cs typeface="Tahoma" panose="020B0604030504040204" pitchFamily="34" charset="0"/>
-              </a:rPr>
-              <a:t>Website sử dụng Nodejs và ExpressJS để làm backend, Reactjs làm frontend và cơ sở dữ liệu dùng MySQL. Ngoài ra còn sử dụng một số thư viện để thiết kế giao diện như Bootstrap và Material UI.</a:t>
+              <a:rPr lang="en-US" sz="2000" dirty="0">
+                <a:latin typeface="Tahoma" panose="020B0604030504040204" pitchFamily="34" charset="0"/>
+                <a:ea typeface="Tahoma" panose="020B0604030504040204" pitchFamily="34" charset="0"/>
+                <a:cs typeface="Tahoma" panose="020B0604030504040204" pitchFamily="34" charset="0"/>
+              </a:rPr>
+              <a:t>-  Website </a:t>
+            </a:r>
+            <a:r>
+              <a:rPr lang="en-US" sz="2000" dirty="0" err="1">
+                <a:latin typeface="Tahoma" panose="020B0604030504040204" pitchFamily="34" charset="0"/>
+                <a:ea typeface="Tahoma" panose="020B0604030504040204" pitchFamily="34" charset="0"/>
+                <a:cs typeface="Tahoma" panose="020B0604030504040204" pitchFamily="34" charset="0"/>
+              </a:rPr>
+              <a:t>sử</a:t>
+            </a:r>
+            <a:r>
+              <a:rPr lang="en-US" sz="2000" dirty="0">
+                <a:latin typeface="Tahoma" panose="020B0604030504040204" pitchFamily="34" charset="0"/>
+                <a:ea typeface="Tahoma" panose="020B0604030504040204" pitchFamily="34" charset="0"/>
+                <a:cs typeface="Tahoma" panose="020B0604030504040204" pitchFamily="34" charset="0"/>
+              </a:rPr>
+              <a:t> </a:t>
+            </a:r>
+            <a:r>
+              <a:rPr lang="en-US" sz="2000" dirty="0" err="1">
+                <a:latin typeface="Tahoma" panose="020B0604030504040204" pitchFamily="34" charset="0"/>
+                <a:ea typeface="Tahoma" panose="020B0604030504040204" pitchFamily="34" charset="0"/>
+                <a:cs typeface="Tahoma" panose="020B0604030504040204" pitchFamily="34" charset="0"/>
+              </a:rPr>
+              <a:t>dụng</a:t>
+            </a:r>
+            <a:r>
+              <a:rPr lang="en-US" sz="2000" dirty="0">
+                <a:latin typeface="Tahoma" panose="020B0604030504040204" pitchFamily="34" charset="0"/>
+                <a:ea typeface="Tahoma" panose="020B0604030504040204" pitchFamily="34" charset="0"/>
+                <a:cs typeface="Tahoma" panose="020B0604030504040204" pitchFamily="34" charset="0"/>
+              </a:rPr>
+              <a:t> Nodejs </a:t>
+            </a:r>
+            <a:r>
+              <a:rPr lang="en-US" sz="2000" dirty="0" err="1">
+                <a:latin typeface="Tahoma" panose="020B0604030504040204" pitchFamily="34" charset="0"/>
+                <a:ea typeface="Tahoma" panose="020B0604030504040204" pitchFamily="34" charset="0"/>
+                <a:cs typeface="Tahoma" panose="020B0604030504040204" pitchFamily="34" charset="0"/>
+              </a:rPr>
+              <a:t>và</a:t>
+            </a:r>
+            <a:r>
+              <a:rPr lang="en-US" sz="2000" dirty="0">
+                <a:latin typeface="Tahoma" panose="020B0604030504040204" pitchFamily="34" charset="0"/>
+                <a:ea typeface="Tahoma" panose="020B0604030504040204" pitchFamily="34" charset="0"/>
+                <a:cs typeface="Tahoma" panose="020B0604030504040204" pitchFamily="34" charset="0"/>
+              </a:rPr>
+              <a:t> </a:t>
+            </a:r>
+            <a:r>
+              <a:rPr lang="en-US" sz="2000" dirty="0" err="1">
+                <a:latin typeface="Tahoma" panose="020B0604030504040204" pitchFamily="34" charset="0"/>
+                <a:ea typeface="Tahoma" panose="020B0604030504040204" pitchFamily="34" charset="0"/>
+                <a:cs typeface="Tahoma" panose="020B0604030504040204" pitchFamily="34" charset="0"/>
+              </a:rPr>
+              <a:t>ExpressJS</a:t>
+            </a:r>
+            <a:r>
+              <a:rPr lang="en-US" sz="2000" dirty="0">
+                <a:latin typeface="Tahoma" panose="020B0604030504040204" pitchFamily="34" charset="0"/>
+                <a:ea typeface="Tahoma" panose="020B0604030504040204" pitchFamily="34" charset="0"/>
+                <a:cs typeface="Tahoma" panose="020B0604030504040204" pitchFamily="34" charset="0"/>
+              </a:rPr>
+              <a:t> </a:t>
+            </a:r>
+            <a:r>
+              <a:rPr lang="en-US" sz="2000" dirty="0" err="1">
+                <a:latin typeface="Tahoma" panose="020B0604030504040204" pitchFamily="34" charset="0"/>
+                <a:ea typeface="Tahoma" panose="020B0604030504040204" pitchFamily="34" charset="0"/>
+                <a:cs typeface="Tahoma" panose="020B0604030504040204" pitchFamily="34" charset="0"/>
+              </a:rPr>
+              <a:t>để</a:t>
+            </a:r>
+            <a:r>
+              <a:rPr lang="en-US" sz="2000" dirty="0">
+                <a:latin typeface="Tahoma" panose="020B0604030504040204" pitchFamily="34" charset="0"/>
+                <a:ea typeface="Tahoma" panose="020B0604030504040204" pitchFamily="34" charset="0"/>
+                <a:cs typeface="Tahoma" panose="020B0604030504040204" pitchFamily="34" charset="0"/>
+              </a:rPr>
+              <a:t> </a:t>
+            </a:r>
+            <a:r>
+              <a:rPr lang="en-US" sz="2000" dirty="0" err="1">
+                <a:latin typeface="Tahoma" panose="020B0604030504040204" pitchFamily="34" charset="0"/>
+                <a:ea typeface="Tahoma" panose="020B0604030504040204" pitchFamily="34" charset="0"/>
+                <a:cs typeface="Tahoma" panose="020B0604030504040204" pitchFamily="34" charset="0"/>
+              </a:rPr>
+              <a:t>làm</a:t>
+            </a:r>
+            <a:r>
+              <a:rPr lang="en-US" sz="2000" dirty="0">
+                <a:latin typeface="Tahoma" panose="020B0604030504040204" pitchFamily="34" charset="0"/>
+                <a:ea typeface="Tahoma" panose="020B0604030504040204" pitchFamily="34" charset="0"/>
+                <a:cs typeface="Tahoma" panose="020B0604030504040204" pitchFamily="34" charset="0"/>
+              </a:rPr>
+              <a:t> backend, </a:t>
+            </a:r>
+            <a:r>
+              <a:rPr lang="en-US" sz="2000" dirty="0" err="1">
+                <a:latin typeface="Tahoma" panose="020B0604030504040204" pitchFamily="34" charset="0"/>
+                <a:ea typeface="Tahoma" panose="020B0604030504040204" pitchFamily="34" charset="0"/>
+                <a:cs typeface="Tahoma" panose="020B0604030504040204" pitchFamily="34" charset="0"/>
+              </a:rPr>
+              <a:t>Reactjs</a:t>
+            </a:r>
+            <a:r>
+              <a:rPr lang="en-US" sz="2000" dirty="0">
+                <a:latin typeface="Tahoma" panose="020B0604030504040204" pitchFamily="34" charset="0"/>
+                <a:ea typeface="Tahoma" panose="020B0604030504040204" pitchFamily="34" charset="0"/>
+                <a:cs typeface="Tahoma" panose="020B0604030504040204" pitchFamily="34" charset="0"/>
+              </a:rPr>
+              <a:t> </a:t>
+            </a:r>
+            <a:r>
+              <a:rPr lang="en-US" sz="2000" dirty="0" err="1">
+                <a:latin typeface="Tahoma" panose="020B0604030504040204" pitchFamily="34" charset="0"/>
+                <a:ea typeface="Tahoma" panose="020B0604030504040204" pitchFamily="34" charset="0"/>
+                <a:cs typeface="Tahoma" panose="020B0604030504040204" pitchFamily="34" charset="0"/>
+              </a:rPr>
+              <a:t>làm</a:t>
+            </a:r>
+            <a:r>
+              <a:rPr lang="en-US" sz="2000" dirty="0">
+                <a:latin typeface="Tahoma" panose="020B0604030504040204" pitchFamily="34" charset="0"/>
+                <a:ea typeface="Tahoma" panose="020B0604030504040204" pitchFamily="34" charset="0"/>
+                <a:cs typeface="Tahoma" panose="020B0604030504040204" pitchFamily="34" charset="0"/>
+              </a:rPr>
+              <a:t> frontend </a:t>
+            </a:r>
+            <a:r>
+              <a:rPr lang="en-US" sz="2000" dirty="0" err="1">
+                <a:latin typeface="Tahoma" panose="020B0604030504040204" pitchFamily="34" charset="0"/>
+                <a:ea typeface="Tahoma" panose="020B0604030504040204" pitchFamily="34" charset="0"/>
+                <a:cs typeface="Tahoma" panose="020B0604030504040204" pitchFamily="34" charset="0"/>
+              </a:rPr>
+              <a:t>và</a:t>
+            </a:r>
+            <a:r>
+              <a:rPr lang="en-US" sz="2000" dirty="0">
+                <a:latin typeface="Tahoma" panose="020B0604030504040204" pitchFamily="34" charset="0"/>
+                <a:ea typeface="Tahoma" panose="020B0604030504040204" pitchFamily="34" charset="0"/>
+                <a:cs typeface="Tahoma" panose="020B0604030504040204" pitchFamily="34" charset="0"/>
+              </a:rPr>
+              <a:t> </a:t>
+            </a:r>
+            <a:r>
+              <a:rPr lang="en-US" sz="2000" dirty="0" err="1">
+                <a:latin typeface="Tahoma" panose="020B0604030504040204" pitchFamily="34" charset="0"/>
+                <a:ea typeface="Tahoma" panose="020B0604030504040204" pitchFamily="34" charset="0"/>
+                <a:cs typeface="Tahoma" panose="020B0604030504040204" pitchFamily="34" charset="0"/>
+              </a:rPr>
+              <a:t>cơ</a:t>
+            </a:r>
+            <a:r>
+              <a:rPr lang="en-US" sz="2000" dirty="0">
+                <a:latin typeface="Tahoma" panose="020B0604030504040204" pitchFamily="34" charset="0"/>
+                <a:ea typeface="Tahoma" panose="020B0604030504040204" pitchFamily="34" charset="0"/>
+                <a:cs typeface="Tahoma" panose="020B0604030504040204" pitchFamily="34" charset="0"/>
+              </a:rPr>
+              <a:t> </a:t>
+            </a:r>
+            <a:r>
+              <a:rPr lang="en-US" sz="2000" dirty="0" err="1">
+                <a:latin typeface="Tahoma" panose="020B0604030504040204" pitchFamily="34" charset="0"/>
+                <a:ea typeface="Tahoma" panose="020B0604030504040204" pitchFamily="34" charset="0"/>
+                <a:cs typeface="Tahoma" panose="020B0604030504040204" pitchFamily="34" charset="0"/>
+              </a:rPr>
+              <a:t>sở</a:t>
+            </a:r>
+            <a:r>
+              <a:rPr lang="en-US" sz="2000" dirty="0">
+                <a:latin typeface="Tahoma" panose="020B0604030504040204" pitchFamily="34" charset="0"/>
+                <a:ea typeface="Tahoma" panose="020B0604030504040204" pitchFamily="34" charset="0"/>
+                <a:cs typeface="Tahoma" panose="020B0604030504040204" pitchFamily="34" charset="0"/>
+              </a:rPr>
+              <a:t> </a:t>
+            </a:r>
+            <a:r>
+              <a:rPr lang="en-US" sz="2000" dirty="0" err="1">
+                <a:latin typeface="Tahoma" panose="020B0604030504040204" pitchFamily="34" charset="0"/>
+                <a:ea typeface="Tahoma" panose="020B0604030504040204" pitchFamily="34" charset="0"/>
+                <a:cs typeface="Tahoma" panose="020B0604030504040204" pitchFamily="34" charset="0"/>
+              </a:rPr>
+              <a:t>dữ</a:t>
+            </a:r>
+            <a:r>
+              <a:rPr lang="en-US" sz="2000" dirty="0">
+                <a:latin typeface="Tahoma" panose="020B0604030504040204" pitchFamily="34" charset="0"/>
+                <a:ea typeface="Tahoma" panose="020B0604030504040204" pitchFamily="34" charset="0"/>
+                <a:cs typeface="Tahoma" panose="020B0604030504040204" pitchFamily="34" charset="0"/>
+              </a:rPr>
+              <a:t> </a:t>
+            </a:r>
+            <a:r>
+              <a:rPr lang="en-US" sz="2000" dirty="0" err="1">
+                <a:latin typeface="Tahoma" panose="020B0604030504040204" pitchFamily="34" charset="0"/>
+                <a:ea typeface="Tahoma" panose="020B0604030504040204" pitchFamily="34" charset="0"/>
+                <a:cs typeface="Tahoma" panose="020B0604030504040204" pitchFamily="34" charset="0"/>
+              </a:rPr>
+              <a:t>liệu</a:t>
+            </a:r>
+            <a:r>
+              <a:rPr lang="en-US" sz="2000" dirty="0">
+                <a:latin typeface="Tahoma" panose="020B0604030504040204" pitchFamily="34" charset="0"/>
+                <a:ea typeface="Tahoma" panose="020B0604030504040204" pitchFamily="34" charset="0"/>
+                <a:cs typeface="Tahoma" panose="020B0604030504040204" pitchFamily="34" charset="0"/>
+              </a:rPr>
+              <a:t> </a:t>
+            </a:r>
+            <a:r>
+              <a:rPr lang="en-US" sz="2000" dirty="0" err="1">
+                <a:latin typeface="Tahoma" panose="020B0604030504040204" pitchFamily="34" charset="0"/>
+                <a:ea typeface="Tahoma" panose="020B0604030504040204" pitchFamily="34" charset="0"/>
+                <a:cs typeface="Tahoma" panose="020B0604030504040204" pitchFamily="34" charset="0"/>
+              </a:rPr>
+              <a:t>dùng</a:t>
+            </a:r>
+            <a:r>
+              <a:rPr lang="en-US" sz="2000" dirty="0">
+                <a:latin typeface="Tahoma" panose="020B0604030504040204" pitchFamily="34" charset="0"/>
+                <a:ea typeface="Tahoma" panose="020B0604030504040204" pitchFamily="34" charset="0"/>
+                <a:cs typeface="Tahoma" panose="020B0604030504040204" pitchFamily="34" charset="0"/>
+              </a:rPr>
+              <a:t> MySQL. </a:t>
+            </a:r>
+            <a:r>
+              <a:rPr lang="en-US" sz="2000" dirty="0" err="1">
+                <a:latin typeface="Tahoma" panose="020B0604030504040204" pitchFamily="34" charset="0"/>
+                <a:ea typeface="Tahoma" panose="020B0604030504040204" pitchFamily="34" charset="0"/>
+                <a:cs typeface="Tahoma" panose="020B0604030504040204" pitchFamily="34" charset="0"/>
+              </a:rPr>
+              <a:t>Ngoài</a:t>
+            </a:r>
+            <a:r>
+              <a:rPr lang="en-US" sz="2000" dirty="0">
+                <a:latin typeface="Tahoma" panose="020B0604030504040204" pitchFamily="34" charset="0"/>
+                <a:ea typeface="Tahoma" panose="020B0604030504040204" pitchFamily="34" charset="0"/>
+                <a:cs typeface="Tahoma" panose="020B0604030504040204" pitchFamily="34" charset="0"/>
+              </a:rPr>
+              <a:t> </a:t>
+            </a:r>
+            <a:r>
+              <a:rPr lang="en-US" sz="2000" dirty="0" err="1">
+                <a:latin typeface="Tahoma" panose="020B0604030504040204" pitchFamily="34" charset="0"/>
+                <a:ea typeface="Tahoma" panose="020B0604030504040204" pitchFamily="34" charset="0"/>
+                <a:cs typeface="Tahoma" panose="020B0604030504040204" pitchFamily="34" charset="0"/>
+              </a:rPr>
+              <a:t>ra</a:t>
+            </a:r>
+            <a:r>
+              <a:rPr lang="en-US" sz="2000" dirty="0">
+                <a:latin typeface="Tahoma" panose="020B0604030504040204" pitchFamily="34" charset="0"/>
+                <a:ea typeface="Tahoma" panose="020B0604030504040204" pitchFamily="34" charset="0"/>
+                <a:cs typeface="Tahoma" panose="020B0604030504040204" pitchFamily="34" charset="0"/>
+              </a:rPr>
+              <a:t> </a:t>
+            </a:r>
+            <a:r>
+              <a:rPr lang="en-US" sz="2000" dirty="0" err="1">
+                <a:latin typeface="Tahoma" panose="020B0604030504040204" pitchFamily="34" charset="0"/>
+                <a:ea typeface="Tahoma" panose="020B0604030504040204" pitchFamily="34" charset="0"/>
+                <a:cs typeface="Tahoma" panose="020B0604030504040204" pitchFamily="34" charset="0"/>
+              </a:rPr>
+              <a:t>còn</a:t>
+            </a:r>
+            <a:r>
+              <a:rPr lang="en-US" sz="2000" dirty="0">
+                <a:latin typeface="Tahoma" panose="020B0604030504040204" pitchFamily="34" charset="0"/>
+                <a:ea typeface="Tahoma" panose="020B0604030504040204" pitchFamily="34" charset="0"/>
+                <a:cs typeface="Tahoma" panose="020B0604030504040204" pitchFamily="34" charset="0"/>
+              </a:rPr>
+              <a:t> </a:t>
+            </a:r>
+            <a:r>
+              <a:rPr lang="en-US" sz="2000" dirty="0" err="1">
+                <a:latin typeface="Tahoma" panose="020B0604030504040204" pitchFamily="34" charset="0"/>
+                <a:ea typeface="Tahoma" panose="020B0604030504040204" pitchFamily="34" charset="0"/>
+                <a:cs typeface="Tahoma" panose="020B0604030504040204" pitchFamily="34" charset="0"/>
+              </a:rPr>
+              <a:t>sử</a:t>
+            </a:r>
+            <a:r>
+              <a:rPr lang="en-US" sz="2000" dirty="0">
+                <a:latin typeface="Tahoma" panose="020B0604030504040204" pitchFamily="34" charset="0"/>
+                <a:ea typeface="Tahoma" panose="020B0604030504040204" pitchFamily="34" charset="0"/>
+                <a:cs typeface="Tahoma" panose="020B0604030504040204" pitchFamily="34" charset="0"/>
+              </a:rPr>
+              <a:t> </a:t>
+            </a:r>
+            <a:r>
+              <a:rPr lang="en-US" sz="2000" dirty="0" err="1">
+                <a:latin typeface="Tahoma" panose="020B0604030504040204" pitchFamily="34" charset="0"/>
+                <a:ea typeface="Tahoma" panose="020B0604030504040204" pitchFamily="34" charset="0"/>
+                <a:cs typeface="Tahoma" panose="020B0604030504040204" pitchFamily="34" charset="0"/>
+              </a:rPr>
+              <a:t>dụng</a:t>
+            </a:r>
+            <a:r>
+              <a:rPr lang="en-US" sz="2000" dirty="0">
+                <a:latin typeface="Tahoma" panose="020B0604030504040204" pitchFamily="34" charset="0"/>
+                <a:ea typeface="Tahoma" panose="020B0604030504040204" pitchFamily="34" charset="0"/>
+                <a:cs typeface="Tahoma" panose="020B0604030504040204" pitchFamily="34" charset="0"/>
+              </a:rPr>
+              <a:t> </a:t>
+            </a:r>
+            <a:r>
+              <a:rPr lang="en-US" sz="2000" dirty="0" err="1">
+                <a:latin typeface="Tahoma" panose="020B0604030504040204" pitchFamily="34" charset="0"/>
+                <a:ea typeface="Tahoma" panose="020B0604030504040204" pitchFamily="34" charset="0"/>
+                <a:cs typeface="Tahoma" panose="020B0604030504040204" pitchFamily="34" charset="0"/>
+              </a:rPr>
+              <a:t>một</a:t>
+            </a:r>
+            <a:r>
+              <a:rPr lang="en-US" sz="2000" dirty="0">
+                <a:latin typeface="Tahoma" panose="020B0604030504040204" pitchFamily="34" charset="0"/>
+                <a:ea typeface="Tahoma" panose="020B0604030504040204" pitchFamily="34" charset="0"/>
+                <a:cs typeface="Tahoma" panose="020B0604030504040204" pitchFamily="34" charset="0"/>
+              </a:rPr>
+              <a:t> </a:t>
+            </a:r>
+            <a:r>
+              <a:rPr lang="en-US" sz="2000" dirty="0" err="1">
+                <a:latin typeface="Tahoma" panose="020B0604030504040204" pitchFamily="34" charset="0"/>
+                <a:ea typeface="Tahoma" panose="020B0604030504040204" pitchFamily="34" charset="0"/>
+                <a:cs typeface="Tahoma" panose="020B0604030504040204" pitchFamily="34" charset="0"/>
+              </a:rPr>
+              <a:t>số</a:t>
+            </a:r>
+            <a:r>
+              <a:rPr lang="en-US" sz="2000" dirty="0">
+                <a:latin typeface="Tahoma" panose="020B0604030504040204" pitchFamily="34" charset="0"/>
+                <a:ea typeface="Tahoma" panose="020B0604030504040204" pitchFamily="34" charset="0"/>
+                <a:cs typeface="Tahoma" panose="020B0604030504040204" pitchFamily="34" charset="0"/>
+              </a:rPr>
+              <a:t> </a:t>
+            </a:r>
+            <a:r>
+              <a:rPr lang="en-US" sz="2000" dirty="0" err="1">
+                <a:latin typeface="Tahoma" panose="020B0604030504040204" pitchFamily="34" charset="0"/>
+                <a:ea typeface="Tahoma" panose="020B0604030504040204" pitchFamily="34" charset="0"/>
+                <a:cs typeface="Tahoma" panose="020B0604030504040204" pitchFamily="34" charset="0"/>
+              </a:rPr>
+              <a:t>thư</a:t>
+            </a:r>
+            <a:r>
+              <a:rPr lang="en-US" sz="2000" dirty="0">
+                <a:latin typeface="Tahoma" panose="020B0604030504040204" pitchFamily="34" charset="0"/>
+                <a:ea typeface="Tahoma" panose="020B0604030504040204" pitchFamily="34" charset="0"/>
+                <a:cs typeface="Tahoma" panose="020B0604030504040204" pitchFamily="34" charset="0"/>
+              </a:rPr>
+              <a:t> </a:t>
+            </a:r>
+            <a:r>
+              <a:rPr lang="en-US" sz="2000" dirty="0" err="1">
+                <a:latin typeface="Tahoma" panose="020B0604030504040204" pitchFamily="34" charset="0"/>
+                <a:ea typeface="Tahoma" panose="020B0604030504040204" pitchFamily="34" charset="0"/>
+                <a:cs typeface="Tahoma" panose="020B0604030504040204" pitchFamily="34" charset="0"/>
+              </a:rPr>
+              <a:t>viện</a:t>
+            </a:r>
+            <a:r>
+              <a:rPr lang="en-US" sz="2000" dirty="0">
+                <a:latin typeface="Tahoma" panose="020B0604030504040204" pitchFamily="34" charset="0"/>
+                <a:ea typeface="Tahoma" panose="020B0604030504040204" pitchFamily="34" charset="0"/>
+                <a:cs typeface="Tahoma" panose="020B0604030504040204" pitchFamily="34" charset="0"/>
+              </a:rPr>
+              <a:t> </a:t>
+            </a:r>
+            <a:r>
+              <a:rPr lang="en-US" sz="2000" dirty="0" err="1">
+                <a:latin typeface="Tahoma" panose="020B0604030504040204" pitchFamily="34" charset="0"/>
+                <a:ea typeface="Tahoma" panose="020B0604030504040204" pitchFamily="34" charset="0"/>
+                <a:cs typeface="Tahoma" panose="020B0604030504040204" pitchFamily="34" charset="0"/>
+              </a:rPr>
+              <a:t>để</a:t>
+            </a:r>
+            <a:r>
+              <a:rPr lang="en-US" sz="2000" dirty="0">
+                <a:latin typeface="Tahoma" panose="020B0604030504040204" pitchFamily="34" charset="0"/>
+                <a:ea typeface="Tahoma" panose="020B0604030504040204" pitchFamily="34" charset="0"/>
+                <a:cs typeface="Tahoma" panose="020B0604030504040204" pitchFamily="34" charset="0"/>
+              </a:rPr>
+              <a:t> </a:t>
+            </a:r>
+            <a:r>
+              <a:rPr lang="en-US" sz="2000" dirty="0" err="1">
+                <a:latin typeface="Tahoma" panose="020B0604030504040204" pitchFamily="34" charset="0"/>
+                <a:ea typeface="Tahoma" panose="020B0604030504040204" pitchFamily="34" charset="0"/>
+                <a:cs typeface="Tahoma" panose="020B0604030504040204" pitchFamily="34" charset="0"/>
+              </a:rPr>
+              <a:t>thiết</a:t>
+            </a:r>
+            <a:r>
+              <a:rPr lang="en-US" sz="2000" dirty="0">
+                <a:latin typeface="Tahoma" panose="020B0604030504040204" pitchFamily="34" charset="0"/>
+                <a:ea typeface="Tahoma" panose="020B0604030504040204" pitchFamily="34" charset="0"/>
+                <a:cs typeface="Tahoma" panose="020B0604030504040204" pitchFamily="34" charset="0"/>
+              </a:rPr>
+              <a:t> </a:t>
+            </a:r>
+            <a:r>
+              <a:rPr lang="en-US" sz="2000" dirty="0" err="1">
+                <a:latin typeface="Tahoma" panose="020B0604030504040204" pitchFamily="34" charset="0"/>
+                <a:ea typeface="Tahoma" panose="020B0604030504040204" pitchFamily="34" charset="0"/>
+                <a:cs typeface="Tahoma" panose="020B0604030504040204" pitchFamily="34" charset="0"/>
+              </a:rPr>
+              <a:t>kế</a:t>
+            </a:r>
+            <a:r>
+              <a:rPr lang="en-US" sz="2000" dirty="0">
+                <a:latin typeface="Tahoma" panose="020B0604030504040204" pitchFamily="34" charset="0"/>
+                <a:ea typeface="Tahoma" panose="020B0604030504040204" pitchFamily="34" charset="0"/>
+                <a:cs typeface="Tahoma" panose="020B0604030504040204" pitchFamily="34" charset="0"/>
+              </a:rPr>
+              <a:t> </a:t>
+            </a:r>
+            <a:r>
+              <a:rPr lang="en-US" sz="2000" dirty="0" err="1">
+                <a:latin typeface="Tahoma" panose="020B0604030504040204" pitchFamily="34" charset="0"/>
+                <a:ea typeface="Tahoma" panose="020B0604030504040204" pitchFamily="34" charset="0"/>
+                <a:cs typeface="Tahoma" panose="020B0604030504040204" pitchFamily="34" charset="0"/>
+              </a:rPr>
+              <a:t>giao</a:t>
+            </a:r>
+            <a:r>
+              <a:rPr lang="en-US" sz="2000" dirty="0">
+                <a:latin typeface="Tahoma" panose="020B0604030504040204" pitchFamily="34" charset="0"/>
+                <a:ea typeface="Tahoma" panose="020B0604030504040204" pitchFamily="34" charset="0"/>
+                <a:cs typeface="Tahoma" panose="020B0604030504040204" pitchFamily="34" charset="0"/>
+              </a:rPr>
+              <a:t> </a:t>
+            </a:r>
+            <a:r>
+              <a:rPr lang="en-US" sz="2000" dirty="0" err="1">
+                <a:latin typeface="Tahoma" panose="020B0604030504040204" pitchFamily="34" charset="0"/>
+                <a:ea typeface="Tahoma" panose="020B0604030504040204" pitchFamily="34" charset="0"/>
+                <a:cs typeface="Tahoma" panose="020B0604030504040204" pitchFamily="34" charset="0"/>
+              </a:rPr>
+              <a:t>diện</a:t>
+            </a:r>
+            <a:r>
+              <a:rPr lang="en-US" sz="2000" dirty="0">
+                <a:latin typeface="Tahoma" panose="020B0604030504040204" pitchFamily="34" charset="0"/>
+                <a:ea typeface="Tahoma" panose="020B0604030504040204" pitchFamily="34" charset="0"/>
+                <a:cs typeface="Tahoma" panose="020B0604030504040204" pitchFamily="34" charset="0"/>
+              </a:rPr>
+              <a:t> </a:t>
+            </a:r>
+            <a:r>
+              <a:rPr lang="en-US" sz="2000" dirty="0" err="1">
+                <a:latin typeface="Tahoma" panose="020B0604030504040204" pitchFamily="34" charset="0"/>
+                <a:ea typeface="Tahoma" panose="020B0604030504040204" pitchFamily="34" charset="0"/>
+                <a:cs typeface="Tahoma" panose="020B0604030504040204" pitchFamily="34" charset="0"/>
+              </a:rPr>
+              <a:t>như</a:t>
+            </a:r>
+            <a:r>
+              <a:rPr lang="en-US" sz="2000" dirty="0">
+                <a:latin typeface="Tahoma" panose="020B0604030504040204" pitchFamily="34" charset="0"/>
+                <a:ea typeface="Tahoma" panose="020B0604030504040204" pitchFamily="34" charset="0"/>
+                <a:cs typeface="Tahoma" panose="020B0604030504040204" pitchFamily="34" charset="0"/>
+              </a:rPr>
+              <a:t> Bootstrap </a:t>
+            </a:r>
+            <a:r>
+              <a:rPr lang="en-US" sz="2000" dirty="0" err="1">
+                <a:latin typeface="Tahoma" panose="020B0604030504040204" pitchFamily="34" charset="0"/>
+                <a:ea typeface="Tahoma" panose="020B0604030504040204" pitchFamily="34" charset="0"/>
+                <a:cs typeface="Tahoma" panose="020B0604030504040204" pitchFamily="34" charset="0"/>
+              </a:rPr>
+              <a:t>và</a:t>
+            </a:r>
+            <a:r>
+              <a:rPr lang="en-US" sz="2000" dirty="0">
+                <a:latin typeface="Tahoma" panose="020B0604030504040204" pitchFamily="34" charset="0"/>
+                <a:ea typeface="Tahoma" panose="020B0604030504040204" pitchFamily="34" charset="0"/>
+                <a:cs typeface="Tahoma" panose="020B0604030504040204" pitchFamily="34" charset="0"/>
+              </a:rPr>
+              <a:t> Material UI.</a:t>
             </a:r>
           </a:p>
           <a:p>
@@ -15967,13 +19040,517 @@
               </a:spcAft>
             </a:pPr>
             <a:r>
-              <a:rPr lang="en-US" sz="2000">
+              <a:rPr lang="en-US" sz="2000" dirty="0">
                 <a:effectLst/>
                 <a:latin typeface="Tahoma" panose="020B0604030504040204" pitchFamily="34" charset="0"/>
                 <a:ea typeface="Tahoma" panose="020B0604030504040204" pitchFamily="34" charset="0"/>
                 <a:cs typeface="Tahoma" panose="020B0604030504040204" pitchFamily="34" charset="0"/>
               </a:rPr>
-              <a:t>Sản phẩm cuối cùng là một website thương mại điện tử bán điện thoại có các chức năng như đăng nhập, đăng ký, mua sản phẩm, thêm giỏ hàng.</a:t>
+              <a:t>-  </a:t>
+            </a:r>
+            <a:r>
+              <a:rPr lang="en-US" sz="2000" dirty="0" err="1">
+                <a:effectLst/>
+                <a:latin typeface="Tahoma" panose="020B0604030504040204" pitchFamily="34" charset="0"/>
+                <a:ea typeface="Tahoma" panose="020B0604030504040204" pitchFamily="34" charset="0"/>
+                <a:cs typeface="Tahoma" panose="020B0604030504040204" pitchFamily="34" charset="0"/>
+              </a:rPr>
+              <a:t>Sản</a:t>
+            </a:r>
+            <a:r>
+              <a:rPr lang="en-US" sz="2000" dirty="0">
+                <a:effectLst/>
+                <a:latin typeface="Tahoma" panose="020B0604030504040204" pitchFamily="34" charset="0"/>
+                <a:ea typeface="Tahoma" panose="020B0604030504040204" pitchFamily="34" charset="0"/>
+                <a:cs typeface="Tahoma" panose="020B0604030504040204" pitchFamily="34" charset="0"/>
+              </a:rPr>
+              <a:t> </a:t>
+            </a:r>
+            <a:r>
+              <a:rPr lang="en-US" sz="2000" dirty="0" err="1">
+                <a:effectLst/>
+                <a:latin typeface="Tahoma" panose="020B0604030504040204" pitchFamily="34" charset="0"/>
+                <a:ea typeface="Tahoma" panose="020B0604030504040204" pitchFamily="34" charset="0"/>
+                <a:cs typeface="Tahoma" panose="020B0604030504040204" pitchFamily="34" charset="0"/>
+              </a:rPr>
+              <a:t>phẩm</a:t>
+            </a:r>
+            <a:r>
+              <a:rPr lang="en-US" sz="2000" dirty="0">
+                <a:effectLst/>
+                <a:latin typeface="Tahoma" panose="020B0604030504040204" pitchFamily="34" charset="0"/>
+                <a:ea typeface="Tahoma" panose="020B0604030504040204" pitchFamily="34" charset="0"/>
+                <a:cs typeface="Tahoma" panose="020B0604030504040204" pitchFamily="34" charset="0"/>
+              </a:rPr>
+              <a:t> </a:t>
+            </a:r>
+            <a:r>
+              <a:rPr lang="en-US" sz="2000" dirty="0" err="1">
+                <a:effectLst/>
+                <a:latin typeface="Tahoma" panose="020B0604030504040204" pitchFamily="34" charset="0"/>
+                <a:ea typeface="Tahoma" panose="020B0604030504040204" pitchFamily="34" charset="0"/>
+                <a:cs typeface="Tahoma" panose="020B0604030504040204" pitchFamily="34" charset="0"/>
+              </a:rPr>
+              <a:t>cuối</a:t>
+            </a:r>
+            <a:r>
+              <a:rPr lang="en-US" sz="2000" dirty="0">
+                <a:effectLst/>
+                <a:latin typeface="Tahoma" panose="020B0604030504040204" pitchFamily="34" charset="0"/>
+                <a:ea typeface="Tahoma" panose="020B0604030504040204" pitchFamily="34" charset="0"/>
+                <a:cs typeface="Tahoma" panose="020B0604030504040204" pitchFamily="34" charset="0"/>
+              </a:rPr>
+              <a:t> </a:t>
+            </a:r>
+            <a:r>
+              <a:rPr lang="en-US" sz="2000" dirty="0" err="1">
+                <a:effectLst/>
+                <a:latin typeface="Tahoma" panose="020B0604030504040204" pitchFamily="34" charset="0"/>
+                <a:ea typeface="Tahoma" panose="020B0604030504040204" pitchFamily="34" charset="0"/>
+                <a:cs typeface="Tahoma" panose="020B0604030504040204" pitchFamily="34" charset="0"/>
+              </a:rPr>
+              <a:t>cùng</a:t>
+            </a:r>
+            <a:r>
+              <a:rPr lang="en-US" sz="2000" dirty="0">
+                <a:effectLst/>
+                <a:latin typeface="Tahoma" panose="020B0604030504040204" pitchFamily="34" charset="0"/>
+                <a:ea typeface="Tahoma" panose="020B0604030504040204" pitchFamily="34" charset="0"/>
+                <a:cs typeface="Tahoma" panose="020B0604030504040204" pitchFamily="34" charset="0"/>
+              </a:rPr>
+              <a:t> </a:t>
+            </a:r>
+            <a:r>
+              <a:rPr lang="en-US" sz="2000" dirty="0" err="1">
+                <a:effectLst/>
+                <a:latin typeface="Tahoma" panose="020B0604030504040204" pitchFamily="34" charset="0"/>
+                <a:ea typeface="Tahoma" panose="020B0604030504040204" pitchFamily="34" charset="0"/>
+                <a:cs typeface="Tahoma" panose="020B0604030504040204" pitchFamily="34" charset="0"/>
+              </a:rPr>
+              <a:t>là</a:t>
+            </a:r>
+            <a:r>
+              <a:rPr lang="en-US" sz="2000" dirty="0">
+                <a:effectLst/>
+                <a:latin typeface="Tahoma" panose="020B0604030504040204" pitchFamily="34" charset="0"/>
+                <a:ea typeface="Tahoma" panose="020B0604030504040204" pitchFamily="34" charset="0"/>
+                <a:cs typeface="Tahoma" panose="020B0604030504040204" pitchFamily="34" charset="0"/>
+              </a:rPr>
+              <a:t> </a:t>
+            </a:r>
+            <a:r>
+              <a:rPr lang="en-US" sz="2000" dirty="0" err="1">
+                <a:effectLst/>
+                <a:latin typeface="Tahoma" panose="020B0604030504040204" pitchFamily="34" charset="0"/>
+                <a:ea typeface="Tahoma" panose="020B0604030504040204" pitchFamily="34" charset="0"/>
+                <a:cs typeface="Tahoma" panose="020B0604030504040204" pitchFamily="34" charset="0"/>
+              </a:rPr>
+              <a:t>một</a:t>
+            </a:r>
+            <a:r>
+              <a:rPr lang="en-US" sz="2000" dirty="0">
+                <a:effectLst/>
+                <a:latin typeface="Tahoma" panose="020B0604030504040204" pitchFamily="34" charset="0"/>
+                <a:ea typeface="Tahoma" panose="020B0604030504040204" pitchFamily="34" charset="0"/>
+                <a:cs typeface="Tahoma" panose="020B0604030504040204" pitchFamily="34" charset="0"/>
+              </a:rPr>
+              <a:t> website </a:t>
+            </a:r>
+            <a:r>
+              <a:rPr lang="en-US" sz="2000" dirty="0" err="1">
+                <a:effectLst/>
+                <a:latin typeface="Tahoma" panose="020B0604030504040204" pitchFamily="34" charset="0"/>
+                <a:ea typeface="Tahoma" panose="020B0604030504040204" pitchFamily="34" charset="0"/>
+                <a:cs typeface="Tahoma" panose="020B0604030504040204" pitchFamily="34" charset="0"/>
+              </a:rPr>
+              <a:t>thương</a:t>
+            </a:r>
+            <a:r>
+              <a:rPr lang="en-US" sz="2000" dirty="0">
+                <a:effectLst/>
+                <a:latin typeface="Tahoma" panose="020B0604030504040204" pitchFamily="34" charset="0"/>
+                <a:ea typeface="Tahoma" panose="020B0604030504040204" pitchFamily="34" charset="0"/>
+                <a:cs typeface="Tahoma" panose="020B0604030504040204" pitchFamily="34" charset="0"/>
+              </a:rPr>
+              <a:t> </a:t>
+            </a:r>
+            <a:r>
+              <a:rPr lang="en-US" sz="2000" dirty="0" err="1">
+                <a:effectLst/>
+                <a:latin typeface="Tahoma" panose="020B0604030504040204" pitchFamily="34" charset="0"/>
+                <a:ea typeface="Tahoma" panose="020B0604030504040204" pitchFamily="34" charset="0"/>
+                <a:cs typeface="Tahoma" panose="020B0604030504040204" pitchFamily="34" charset="0"/>
+              </a:rPr>
+              <a:t>mại</a:t>
+            </a:r>
+            <a:r>
+              <a:rPr lang="en-US" sz="2000" dirty="0">
+                <a:effectLst/>
+                <a:latin typeface="Tahoma" panose="020B0604030504040204" pitchFamily="34" charset="0"/>
+                <a:ea typeface="Tahoma" panose="020B0604030504040204" pitchFamily="34" charset="0"/>
+                <a:cs typeface="Tahoma" panose="020B0604030504040204" pitchFamily="34" charset="0"/>
+              </a:rPr>
+              <a:t> </a:t>
+            </a:r>
+            <a:r>
+              <a:rPr lang="en-US" sz="2000" dirty="0" err="1">
+                <a:effectLst/>
+                <a:latin typeface="Tahoma" panose="020B0604030504040204" pitchFamily="34" charset="0"/>
+                <a:ea typeface="Tahoma" panose="020B0604030504040204" pitchFamily="34" charset="0"/>
+                <a:cs typeface="Tahoma" panose="020B0604030504040204" pitchFamily="34" charset="0"/>
+              </a:rPr>
+              <a:t>điện</a:t>
+            </a:r>
+            <a:r>
+              <a:rPr lang="en-US" sz="2000" dirty="0">
+                <a:effectLst/>
+                <a:latin typeface="Tahoma" panose="020B0604030504040204" pitchFamily="34" charset="0"/>
+                <a:ea typeface="Tahoma" panose="020B0604030504040204" pitchFamily="34" charset="0"/>
+                <a:cs typeface="Tahoma" panose="020B0604030504040204" pitchFamily="34" charset="0"/>
+              </a:rPr>
+              <a:t> </a:t>
+            </a:r>
+            <a:r>
+              <a:rPr lang="en-US" sz="2000" dirty="0" err="1">
+                <a:effectLst/>
+                <a:latin typeface="Tahoma" panose="020B0604030504040204" pitchFamily="34" charset="0"/>
+                <a:ea typeface="Tahoma" panose="020B0604030504040204" pitchFamily="34" charset="0"/>
+                <a:cs typeface="Tahoma" panose="020B0604030504040204" pitchFamily="34" charset="0"/>
+              </a:rPr>
+              <a:t>tử</a:t>
+            </a:r>
+            <a:r>
+              <a:rPr lang="en-US" sz="2000" dirty="0">
+                <a:effectLst/>
+                <a:latin typeface="Tahoma" panose="020B0604030504040204" pitchFamily="34" charset="0"/>
+                <a:ea typeface="Tahoma" panose="020B0604030504040204" pitchFamily="34" charset="0"/>
+                <a:cs typeface="Tahoma" panose="020B0604030504040204" pitchFamily="34" charset="0"/>
+              </a:rPr>
+              <a:t> </a:t>
+            </a:r>
+            <a:r>
+              <a:rPr lang="en-US" sz="2000" dirty="0" err="1">
+                <a:effectLst/>
+                <a:latin typeface="Tahoma" panose="020B0604030504040204" pitchFamily="34" charset="0"/>
+                <a:ea typeface="Tahoma" panose="020B0604030504040204" pitchFamily="34" charset="0"/>
+                <a:cs typeface="Tahoma" panose="020B0604030504040204" pitchFamily="34" charset="0"/>
+              </a:rPr>
+              <a:t>bán</a:t>
+            </a:r>
+            <a:r>
+              <a:rPr lang="en-US" sz="2000" dirty="0">
+                <a:effectLst/>
+                <a:latin typeface="Tahoma" panose="020B0604030504040204" pitchFamily="34" charset="0"/>
+                <a:ea typeface="Tahoma" panose="020B0604030504040204" pitchFamily="34" charset="0"/>
+                <a:cs typeface="Tahoma" panose="020B0604030504040204" pitchFamily="34" charset="0"/>
+              </a:rPr>
+              <a:t> </a:t>
+            </a:r>
+            <a:r>
+              <a:rPr lang="en-US" sz="2000" dirty="0" err="1">
+                <a:effectLst/>
+                <a:latin typeface="Tahoma" panose="020B0604030504040204" pitchFamily="34" charset="0"/>
+                <a:ea typeface="Tahoma" panose="020B0604030504040204" pitchFamily="34" charset="0"/>
+                <a:cs typeface="Tahoma" panose="020B0604030504040204" pitchFamily="34" charset="0"/>
+              </a:rPr>
+              <a:t>điện</a:t>
+            </a:r>
+            <a:r>
+              <a:rPr lang="en-US" sz="2000" dirty="0">
+                <a:effectLst/>
+                <a:latin typeface="Tahoma" panose="020B0604030504040204" pitchFamily="34" charset="0"/>
+                <a:ea typeface="Tahoma" panose="020B0604030504040204" pitchFamily="34" charset="0"/>
+                <a:cs typeface="Tahoma" panose="020B0604030504040204" pitchFamily="34" charset="0"/>
+              </a:rPr>
+              <a:t> </a:t>
+            </a:r>
+            <a:r>
+              <a:rPr lang="en-US" sz="2000" dirty="0" err="1">
+                <a:effectLst/>
+                <a:latin typeface="Tahoma" panose="020B0604030504040204" pitchFamily="34" charset="0"/>
+                <a:ea typeface="Tahoma" panose="020B0604030504040204" pitchFamily="34" charset="0"/>
+                <a:cs typeface="Tahoma" panose="020B0604030504040204" pitchFamily="34" charset="0"/>
+              </a:rPr>
+              <a:t>thoại</a:t>
+            </a:r>
+            <a:r>
+              <a:rPr lang="en-US" sz="2000" dirty="0">
+                <a:effectLst/>
+                <a:latin typeface="Tahoma" panose="020B0604030504040204" pitchFamily="34" charset="0"/>
+                <a:ea typeface="Tahoma" panose="020B0604030504040204" pitchFamily="34" charset="0"/>
+                <a:cs typeface="Tahoma" panose="020B0604030504040204" pitchFamily="34" charset="0"/>
+              </a:rPr>
+              <a:t> </a:t>
+            </a:r>
+            <a:r>
+              <a:rPr lang="en-US" sz="2000" dirty="0" err="1">
+                <a:effectLst/>
+                <a:latin typeface="Tahoma" panose="020B0604030504040204" pitchFamily="34" charset="0"/>
+                <a:ea typeface="Tahoma" panose="020B0604030504040204" pitchFamily="34" charset="0"/>
+                <a:cs typeface="Tahoma" panose="020B0604030504040204" pitchFamily="34" charset="0"/>
+              </a:rPr>
+              <a:t>có</a:t>
+            </a:r>
+            <a:r>
+              <a:rPr lang="en-US" sz="2000" dirty="0">
+                <a:effectLst/>
+                <a:latin typeface="Tahoma" panose="020B0604030504040204" pitchFamily="34" charset="0"/>
+                <a:ea typeface="Tahoma" panose="020B0604030504040204" pitchFamily="34" charset="0"/>
+                <a:cs typeface="Tahoma" panose="020B0604030504040204" pitchFamily="34" charset="0"/>
+              </a:rPr>
+              <a:t> </a:t>
+            </a:r>
+            <a:r>
+              <a:rPr lang="en-US" sz="2000" dirty="0" err="1">
+                <a:effectLst/>
+                <a:latin typeface="Tahoma" panose="020B0604030504040204" pitchFamily="34" charset="0"/>
+                <a:ea typeface="Tahoma" panose="020B0604030504040204" pitchFamily="34" charset="0"/>
+                <a:cs typeface="Tahoma" panose="020B0604030504040204" pitchFamily="34" charset="0"/>
+              </a:rPr>
+              <a:t>các</a:t>
+            </a:r>
+            <a:r>
+              <a:rPr lang="en-US" sz="2000" dirty="0">
+                <a:effectLst/>
+                <a:latin typeface="Tahoma" panose="020B0604030504040204" pitchFamily="34" charset="0"/>
+                <a:ea typeface="Tahoma" panose="020B0604030504040204" pitchFamily="34" charset="0"/>
+                <a:cs typeface="Tahoma" panose="020B0604030504040204" pitchFamily="34" charset="0"/>
+              </a:rPr>
+              <a:t> </a:t>
+            </a:r>
+            <a:r>
+              <a:rPr lang="en-US" sz="2000" dirty="0" err="1">
+                <a:effectLst/>
+                <a:latin typeface="Tahoma" panose="020B0604030504040204" pitchFamily="34" charset="0"/>
+                <a:ea typeface="Tahoma" panose="020B0604030504040204" pitchFamily="34" charset="0"/>
+                <a:cs typeface="Tahoma" panose="020B0604030504040204" pitchFamily="34" charset="0"/>
+              </a:rPr>
+              <a:t>chức</a:t>
+            </a:r>
+            <a:r>
+              <a:rPr lang="en-US" sz="2000" dirty="0">
+                <a:effectLst/>
+                <a:latin typeface="Tahoma" panose="020B0604030504040204" pitchFamily="34" charset="0"/>
+                <a:ea typeface="Tahoma" panose="020B0604030504040204" pitchFamily="34" charset="0"/>
+                <a:cs typeface="Tahoma" panose="020B0604030504040204" pitchFamily="34" charset="0"/>
+              </a:rPr>
+              <a:t> </a:t>
+            </a:r>
+            <a:r>
+              <a:rPr lang="en-US" sz="2000" dirty="0" err="1">
+                <a:effectLst/>
+                <a:latin typeface="Tahoma" panose="020B0604030504040204" pitchFamily="34" charset="0"/>
+                <a:ea typeface="Tahoma" panose="020B0604030504040204" pitchFamily="34" charset="0"/>
+                <a:cs typeface="Tahoma" panose="020B0604030504040204" pitchFamily="34" charset="0"/>
+              </a:rPr>
+              <a:t>năng</a:t>
+            </a:r>
+            <a:r>
+              <a:rPr lang="en-US" sz="2000" dirty="0">
+                <a:effectLst/>
+                <a:latin typeface="Tahoma" panose="020B0604030504040204" pitchFamily="34" charset="0"/>
+                <a:ea typeface="Tahoma" panose="020B0604030504040204" pitchFamily="34" charset="0"/>
+                <a:cs typeface="Tahoma" panose="020B0604030504040204" pitchFamily="34" charset="0"/>
+              </a:rPr>
+              <a:t> </a:t>
+            </a:r>
+            <a:r>
+              <a:rPr lang="en-US" sz="2000" dirty="0" err="1">
+                <a:effectLst/>
+                <a:latin typeface="Tahoma" panose="020B0604030504040204" pitchFamily="34" charset="0"/>
+                <a:ea typeface="Tahoma" panose="020B0604030504040204" pitchFamily="34" charset="0"/>
+                <a:cs typeface="Tahoma" panose="020B0604030504040204" pitchFamily="34" charset="0"/>
+              </a:rPr>
+              <a:t>như</a:t>
+            </a:r>
+            <a:r>
+              <a:rPr lang="en-US" sz="2000" dirty="0">
+                <a:effectLst/>
+                <a:latin typeface="Tahoma" panose="020B0604030504040204" pitchFamily="34" charset="0"/>
+                <a:ea typeface="Tahoma" panose="020B0604030504040204" pitchFamily="34" charset="0"/>
+                <a:cs typeface="Tahoma" panose="020B0604030504040204" pitchFamily="34" charset="0"/>
+              </a:rPr>
+              <a:t> </a:t>
+            </a:r>
+            <a:r>
+              <a:rPr lang="en-US" sz="2000" dirty="0" err="1">
+                <a:effectLst/>
+                <a:latin typeface="Tahoma" panose="020B0604030504040204" pitchFamily="34" charset="0"/>
+                <a:ea typeface="Tahoma" panose="020B0604030504040204" pitchFamily="34" charset="0"/>
+                <a:cs typeface="Tahoma" panose="020B0604030504040204" pitchFamily="34" charset="0"/>
+              </a:rPr>
+              <a:t>đăng</a:t>
+            </a:r>
+            <a:r>
+              <a:rPr lang="en-US" sz="2000" dirty="0">
+                <a:effectLst/>
+                <a:latin typeface="Tahoma" panose="020B0604030504040204" pitchFamily="34" charset="0"/>
+                <a:ea typeface="Tahoma" panose="020B0604030504040204" pitchFamily="34" charset="0"/>
+                <a:cs typeface="Tahoma" panose="020B0604030504040204" pitchFamily="34" charset="0"/>
+              </a:rPr>
+              <a:t> </a:t>
+            </a:r>
+            <a:r>
+              <a:rPr lang="en-US" sz="2000" dirty="0" err="1">
+                <a:effectLst/>
+                <a:latin typeface="Tahoma" panose="020B0604030504040204" pitchFamily="34" charset="0"/>
+                <a:ea typeface="Tahoma" panose="020B0604030504040204" pitchFamily="34" charset="0"/>
+                <a:cs typeface="Tahoma" panose="020B0604030504040204" pitchFamily="34" charset="0"/>
+              </a:rPr>
+              <a:t>nhập</a:t>
+            </a:r>
+            <a:r>
+              <a:rPr lang="en-US" sz="2000" dirty="0">
+                <a:effectLst/>
+                <a:latin typeface="Tahoma" panose="020B0604030504040204" pitchFamily="34" charset="0"/>
+                <a:ea typeface="Tahoma" panose="020B0604030504040204" pitchFamily="34" charset="0"/>
+                <a:cs typeface="Tahoma" panose="020B0604030504040204" pitchFamily="34" charset="0"/>
+              </a:rPr>
+              <a:t>, </a:t>
+            </a:r>
+            <a:r>
+              <a:rPr lang="en-US" sz="2000" dirty="0" err="1">
+                <a:effectLst/>
+                <a:latin typeface="Tahoma" panose="020B0604030504040204" pitchFamily="34" charset="0"/>
+                <a:ea typeface="Tahoma" panose="020B0604030504040204" pitchFamily="34" charset="0"/>
+                <a:cs typeface="Tahoma" panose="020B0604030504040204" pitchFamily="34" charset="0"/>
+              </a:rPr>
+              <a:t>đăng</a:t>
+            </a:r>
+            <a:r>
+              <a:rPr lang="en-US" sz="2000" dirty="0">
+                <a:effectLst/>
+                <a:latin typeface="Tahoma" panose="020B0604030504040204" pitchFamily="34" charset="0"/>
+                <a:ea typeface="Tahoma" panose="020B0604030504040204" pitchFamily="34" charset="0"/>
+                <a:cs typeface="Tahoma" panose="020B0604030504040204" pitchFamily="34" charset="0"/>
+              </a:rPr>
+              <a:t> </a:t>
+            </a:r>
+            <a:r>
+              <a:rPr lang="en-US" sz="2000" dirty="0" err="1">
+                <a:effectLst/>
+                <a:latin typeface="Tahoma" panose="020B0604030504040204" pitchFamily="34" charset="0"/>
+                <a:ea typeface="Tahoma" panose="020B0604030504040204" pitchFamily="34" charset="0"/>
+                <a:cs typeface="Tahoma" panose="020B0604030504040204" pitchFamily="34" charset="0"/>
+              </a:rPr>
+              <a:t>ký</a:t>
+            </a:r>
+            <a:r>
+              <a:rPr lang="en-US" sz="2000" dirty="0">
+                <a:effectLst/>
+                <a:latin typeface="Tahoma" panose="020B0604030504040204" pitchFamily="34" charset="0"/>
+                <a:ea typeface="Tahoma" panose="020B0604030504040204" pitchFamily="34" charset="0"/>
+                <a:cs typeface="Tahoma" panose="020B0604030504040204" pitchFamily="34" charset="0"/>
+              </a:rPr>
+              <a:t>, </a:t>
+            </a:r>
+            <a:r>
+              <a:rPr lang="en-US" sz="2000" dirty="0" err="1">
+                <a:effectLst/>
+                <a:latin typeface="Tahoma" panose="020B0604030504040204" pitchFamily="34" charset="0"/>
+                <a:ea typeface="Tahoma" panose="020B0604030504040204" pitchFamily="34" charset="0"/>
+                <a:cs typeface="Tahoma" panose="020B0604030504040204" pitchFamily="34" charset="0"/>
+              </a:rPr>
+              <a:t>mua</a:t>
+            </a:r>
+            <a:r>
+              <a:rPr lang="en-US" sz="2000" dirty="0">
+                <a:effectLst/>
+                <a:latin typeface="Tahoma" panose="020B0604030504040204" pitchFamily="34" charset="0"/>
+                <a:ea typeface="Tahoma" panose="020B0604030504040204" pitchFamily="34" charset="0"/>
+                <a:cs typeface="Tahoma" panose="020B0604030504040204" pitchFamily="34" charset="0"/>
+              </a:rPr>
+              <a:t> </a:t>
+            </a:r>
+            <a:r>
+              <a:rPr lang="en-US" sz="2000" dirty="0" err="1">
+                <a:effectLst/>
+                <a:latin typeface="Tahoma" panose="020B0604030504040204" pitchFamily="34" charset="0"/>
+                <a:ea typeface="Tahoma" panose="020B0604030504040204" pitchFamily="34" charset="0"/>
+                <a:cs typeface="Tahoma" panose="020B0604030504040204" pitchFamily="34" charset="0"/>
+              </a:rPr>
+              <a:t>sản</a:t>
+            </a:r>
+            <a:r>
+              <a:rPr lang="en-US" sz="2000" dirty="0">
+                <a:effectLst/>
+                <a:latin typeface="Tahoma" panose="020B0604030504040204" pitchFamily="34" charset="0"/>
+                <a:ea typeface="Tahoma" panose="020B0604030504040204" pitchFamily="34" charset="0"/>
+                <a:cs typeface="Tahoma" panose="020B0604030504040204" pitchFamily="34" charset="0"/>
+              </a:rPr>
+              <a:t> </a:t>
+            </a:r>
+            <a:r>
+              <a:rPr lang="en-US" sz="2000" dirty="0" err="1">
+                <a:effectLst/>
+                <a:latin typeface="Tahoma" panose="020B0604030504040204" pitchFamily="34" charset="0"/>
+                <a:ea typeface="Tahoma" panose="020B0604030504040204" pitchFamily="34" charset="0"/>
+                <a:cs typeface="Tahoma" panose="020B0604030504040204" pitchFamily="34" charset="0"/>
+              </a:rPr>
+              <a:t>phẩm</a:t>
+            </a:r>
+            <a:r>
+              <a:rPr lang="en-US" sz="2000" dirty="0">
+                <a:effectLst/>
+                <a:latin typeface="Tahoma" panose="020B0604030504040204" pitchFamily="34" charset="0"/>
+                <a:ea typeface="Tahoma" panose="020B0604030504040204" pitchFamily="34" charset="0"/>
+                <a:cs typeface="Tahoma" panose="020B0604030504040204" pitchFamily="34" charset="0"/>
+              </a:rPr>
+              <a:t>, </a:t>
+            </a:r>
+            <a:r>
+              <a:rPr lang="en-US" sz="2000" dirty="0" err="1">
+                <a:effectLst/>
+                <a:latin typeface="Tahoma" panose="020B0604030504040204" pitchFamily="34" charset="0"/>
+                <a:ea typeface="Tahoma" panose="020B0604030504040204" pitchFamily="34" charset="0"/>
+                <a:cs typeface="Tahoma" panose="020B0604030504040204" pitchFamily="34" charset="0"/>
+              </a:rPr>
+              <a:t>thêm</a:t>
+            </a:r>
+            <a:r>
+              <a:rPr lang="en-US" sz="2000" dirty="0">
+                <a:effectLst/>
+                <a:latin typeface="Tahoma" panose="020B0604030504040204" pitchFamily="34" charset="0"/>
+                <a:ea typeface="Tahoma" panose="020B0604030504040204" pitchFamily="34" charset="0"/>
+                <a:cs typeface="Tahoma" panose="020B0604030504040204" pitchFamily="34" charset="0"/>
+              </a:rPr>
+              <a:t> </a:t>
+            </a:r>
+            <a:r>
+              <a:rPr lang="en-US" sz="2000" dirty="0" err="1">
+                <a:effectLst/>
+                <a:latin typeface="Tahoma" panose="020B0604030504040204" pitchFamily="34" charset="0"/>
+                <a:ea typeface="Tahoma" panose="020B0604030504040204" pitchFamily="34" charset="0"/>
+                <a:cs typeface="Tahoma" panose="020B0604030504040204" pitchFamily="34" charset="0"/>
+              </a:rPr>
+              <a:t>giỏ</a:t>
+            </a:r>
+            <a:r>
+              <a:rPr lang="en-US" sz="2000" dirty="0">
+                <a:effectLst/>
+                <a:latin typeface="Tahoma" panose="020B0604030504040204" pitchFamily="34" charset="0"/>
+                <a:ea typeface="Tahoma" panose="020B0604030504040204" pitchFamily="34" charset="0"/>
+                <a:cs typeface="Tahoma" panose="020B0604030504040204" pitchFamily="34" charset="0"/>
+              </a:rPr>
+              <a:t> </a:t>
+            </a:r>
+            <a:r>
+              <a:rPr lang="en-US" sz="2000" dirty="0" err="1">
+                <a:effectLst/>
+                <a:latin typeface="Tahoma" panose="020B0604030504040204" pitchFamily="34" charset="0"/>
+                <a:ea typeface="Tahoma" panose="020B0604030504040204" pitchFamily="34" charset="0"/>
+                <a:cs typeface="Tahoma" panose="020B0604030504040204" pitchFamily="34" charset="0"/>
+              </a:rPr>
+              <a:t>hàng</a:t>
+            </a:r>
+            <a:r>
+              <a:rPr lang="en-US" sz="2000" dirty="0">
+                <a:effectLst/>
+                <a:latin typeface="Tahoma" panose="020B0604030504040204" pitchFamily="34" charset="0"/>
+                <a:ea typeface="Tahoma" panose="020B0604030504040204" pitchFamily="34" charset="0"/>
+                <a:cs typeface="Tahoma" panose="020B0604030504040204" pitchFamily="34" charset="0"/>
+              </a:rPr>
+              <a:t>.</a:t>
             </a:r>
           </a:p>
         </p:txBody>
@@ -16043,7 +19620,7 @@
         </p:blipFill>
         <p:spPr bwMode="auto">
           <a:xfrm>
-            <a:off x="9039925" y="5308365"/>
+            <a:off x="9837255" y="5341455"/>
             <a:ext cx="1516545" cy="1516545"/>
           </a:xfrm>
           <a:prstGeom prst="rect">
@@ -16113,10 +19690,18 @@
           <a:lstStyle/>
           <a:p>
             <a:fld id="{D16EA1EE-1AB6-40C4-ADCB-7B395AD295B2}" type="slidenum">
-              <a:rPr lang="en-US" smtClean="0"/>
+              <a:rPr lang="en-US" smtClean="0">
+                <a:latin typeface="Tahoma" panose="020B0604030504040204" pitchFamily="34" charset="0"/>
+                <a:ea typeface="Tahoma" panose="020B0604030504040204" pitchFamily="34" charset="0"/>
+                <a:cs typeface="Tahoma" panose="020B0604030504040204" pitchFamily="34" charset="0"/>
+              </a:rPr>
               <a:t>5</a:t>
             </a:fld>
-            <a:endParaRPr lang="en-US"/>
+            <a:endParaRPr lang="en-US">
+              <a:latin typeface="Tahoma" panose="020B0604030504040204" pitchFamily="34" charset="0"/>
+              <a:ea typeface="Tahoma" panose="020B0604030504040204" pitchFamily="34" charset="0"/>
+              <a:cs typeface="Tahoma" panose="020B0604030504040204" pitchFamily="34" charset="0"/>
+            </a:endParaRPr>
           </a:p>
         </p:txBody>
       </p:sp>
@@ -16163,7 +19748,11 @@
           <a:lstStyle/>
           <a:p>
             <a:pPr algn="ctr"/>
-            <a:endParaRPr lang="en-US"/>
+            <a:endParaRPr lang="en-US">
+              <a:latin typeface="Tahoma" panose="020B0604030504040204" pitchFamily="34" charset="0"/>
+              <a:ea typeface="Tahoma" panose="020B0604030504040204" pitchFamily="34" charset="0"/>
+              <a:cs typeface="Tahoma" panose="020B0604030504040204" pitchFamily="34" charset="0"/>
+            </a:endParaRPr>
           </a:p>
         </p:txBody>
       </p:sp>
@@ -16361,10 +19950,18 @@
           <a:lstStyle/>
           <a:p>
             <a:fld id="{D16EA1EE-1AB6-40C4-ADCB-7B395AD295B2}" type="slidenum">
-              <a:rPr lang="en-US" smtClean="0"/>
+              <a:rPr lang="en-US" smtClean="0">
+                <a:latin typeface="Tahoma" panose="020B0604030504040204" pitchFamily="34" charset="0"/>
+                <a:ea typeface="Tahoma" panose="020B0604030504040204" pitchFamily="34" charset="0"/>
+                <a:cs typeface="Tahoma" panose="020B0604030504040204" pitchFamily="34" charset="0"/>
+              </a:rPr>
               <a:t>6</a:t>
             </a:fld>
-            <a:endParaRPr lang="en-US"/>
+            <a:endParaRPr lang="en-US">
+              <a:latin typeface="Tahoma" panose="020B0604030504040204" pitchFamily="34" charset="0"/>
+              <a:ea typeface="Tahoma" panose="020B0604030504040204" pitchFamily="34" charset="0"/>
+              <a:cs typeface="Tahoma" panose="020B0604030504040204" pitchFamily="34" charset="0"/>
+            </a:endParaRPr>
           </a:p>
         </p:txBody>
       </p:sp>
@@ -16411,7 +20008,11 @@
           <a:lstStyle/>
           <a:p>
             <a:pPr algn="ctr"/>
-            <a:endParaRPr lang="en-US"/>
+            <a:endParaRPr lang="en-US">
+              <a:latin typeface="Tahoma" panose="020B0604030504040204" pitchFamily="34" charset="0"/>
+              <a:ea typeface="Tahoma" panose="020B0604030504040204" pitchFamily="34" charset="0"/>
+              <a:cs typeface="Tahoma" panose="020B0604030504040204" pitchFamily="34" charset="0"/>
+            </a:endParaRPr>
           </a:p>
         </p:txBody>
       </p:sp>
@@ -16480,7 +20081,7 @@
         </p:blipFill>
         <p:spPr bwMode="auto">
           <a:xfrm>
-            <a:off x="871642" y="606979"/>
+            <a:off x="6096000" y="118868"/>
             <a:ext cx="1488123" cy="1371600"/>
           </a:xfrm>
           <a:prstGeom prst="rect">
@@ -16527,8 +20128,8 @@
         </p:blipFill>
         <p:spPr bwMode="auto">
           <a:xfrm>
-            <a:off x="3218912" y="606979"/>
-            <a:ext cx="2239328" cy="1371600"/>
+            <a:off x="7584123" y="3226961"/>
+            <a:ext cx="2462763" cy="1371600"/>
           </a:xfrm>
           <a:prstGeom prst="rect">
             <a:avLst/>
@@ -16574,8 +20175,8 @@
         </p:blipFill>
         <p:spPr bwMode="auto">
           <a:xfrm>
-            <a:off x="6096000" y="608351"/>
-            <a:ext cx="2962656" cy="1370228"/>
+            <a:off x="3406482" y="3351826"/>
+            <a:ext cx="2196970" cy="1221148"/>
           </a:xfrm>
           <a:prstGeom prst="rect">
             <a:avLst/>
@@ -16621,7 +20222,7 @@
         </p:blipFill>
         <p:spPr bwMode="auto">
           <a:xfrm>
-            <a:off x="544224" y="2487235"/>
+            <a:off x="5514392" y="5136138"/>
             <a:ext cx="2441225" cy="1371600"/>
           </a:xfrm>
           <a:prstGeom prst="rect">
@@ -16641,10 +20242,10 @@
       </p:pic>
       <p:pic>
         <p:nvPicPr>
-          <p:cNvPr id="2058" name="Picture 10" descr="Html là gì? Html có phải là ngôn ngữ lập trình không?">
-            <a:extLst>
-              <a:ext uri="{FF2B5EF4-FFF2-40B4-BE49-F238E27FC236}">
-                <a16:creationId xmlns:a16="http://schemas.microsoft.com/office/drawing/2014/main" id="{7D1568EA-0F9D-CFA8-CC19-A336A7AE1719}"/>
+          <p:cNvPr id="2068" name="Picture 20" descr="What Is Bootstrap? A Beginner's Guide">
+            <a:extLst>
+              <a:ext uri="{FF2B5EF4-FFF2-40B4-BE49-F238E27FC236}">
+                <a16:creationId xmlns:a16="http://schemas.microsoft.com/office/drawing/2014/main" id="{AA1810B7-F8F8-D112-E881-832BC06DDE3B}"/>
               </a:ext>
             </a:extLst>
           </p:cNvPr>
@@ -16668,194 +20269,8 @@
         </p:blipFill>
         <p:spPr bwMode="auto">
           <a:xfrm>
-            <a:off x="3534384" y="2487235"/>
-            <a:ext cx="2294965" cy="1371600"/>
-          </a:xfrm>
-          <a:prstGeom prst="rect">
-            <a:avLst/>
-          </a:prstGeom>
-          <a:noFill/>
-          <a:extLst>
-            <a:ext uri="{909E8E84-426E-40DD-AFC4-6F175D3DCCD1}">
-              <a14:hiddenFill xmlns:a14="http://schemas.microsoft.com/office/drawing/2010/main">
-                <a:solidFill>
-                  <a:srgbClr val="FFFFFF"/>
-                </a:solidFill>
-              </a14:hiddenFill>
-            </a:ext>
-          </a:extLst>
-        </p:spPr>
-      </p:pic>
-      <p:sp>
-        <p:nvSpPr>
-          <p:cNvPr id="6" name="AutoShape 14" descr="CSS LÀ GÌ? ỨNG DỤNG CỦA NGÔN NGỮ CSS">
-            <a:extLst>
-              <a:ext uri="{FF2B5EF4-FFF2-40B4-BE49-F238E27FC236}">
-                <a16:creationId xmlns:a16="http://schemas.microsoft.com/office/drawing/2014/main" id="{FCEDFA4D-3671-F77A-2C1C-5CB4C6A4BED1}"/>
-              </a:ext>
-            </a:extLst>
-          </p:cNvPr>
-          <p:cNvSpPr>
-            <a:spLocks noChangeAspect="1" noChangeArrowheads="1"/>
-          </p:cNvSpPr>
-          <p:nvPr/>
-        </p:nvSpPr>
-        <p:spPr bwMode="auto">
-          <a:xfrm>
-            <a:off x="5943600" y="3276600"/>
-            <a:ext cx="1371600" cy="1371600"/>
-          </a:xfrm>
-          <a:prstGeom prst="rect">
-            <a:avLst/>
-          </a:prstGeom>
-          <a:noFill/>
-          <a:extLst>
-            <a:ext uri="{909E8E84-426E-40DD-AFC4-6F175D3DCCD1}">
-              <a14:hiddenFill xmlns:a14="http://schemas.microsoft.com/office/drawing/2010/main">
-                <a:solidFill>
-                  <a:srgbClr val="FFFFFF"/>
-                </a:solidFill>
-              </a14:hiddenFill>
-            </a:ext>
-          </a:extLst>
-        </p:spPr>
-        <p:txBody>
-          <a:bodyPr vert="horz" wrap="square" lIns="91440" tIns="45720" rIns="91440" bIns="45720" numCol="1" anchor="t" anchorCtr="0" compatLnSpc="1">
-            <a:prstTxWarp prst="textNoShape">
-              <a:avLst/>
-            </a:prstTxWarp>
-          </a:bodyPr>
-          <a:lstStyle/>
-          <a:p>
-            <a:endParaRPr lang="en-US"/>
-          </a:p>
-        </p:txBody>
-      </p:sp>
-      <p:pic>
-        <p:nvPicPr>
-          <p:cNvPr id="2064" name="Picture 16" descr="Šta je CSS">
-            <a:extLst>
-              <a:ext uri="{FF2B5EF4-FFF2-40B4-BE49-F238E27FC236}">
-                <a16:creationId xmlns:a16="http://schemas.microsoft.com/office/drawing/2014/main" id="{74587421-1099-7AC3-A1A5-BC0D36D6C16B}"/>
-              </a:ext>
-            </a:extLst>
-          </p:cNvPr>
-          <p:cNvPicPr>
-            <a:picLocks noChangeAspect="1" noChangeArrowheads="1"/>
-          </p:cNvPicPr>
-          <p:nvPr/>
-        </p:nvPicPr>
-        <p:blipFill>
-          <a:blip r:embed="rId8">
-            <a:extLst>
-              <a:ext uri="{28A0092B-C50C-407E-A947-70E740481C1C}">
-                <a14:useLocalDpi xmlns:a14="http://schemas.microsoft.com/office/drawing/2010/main" val="0"/>
-              </a:ext>
-            </a:extLst>
-          </a:blip>
-          <a:srcRect/>
-          <a:stretch>
-            <a:fillRect/>
-          </a:stretch>
-        </p:blipFill>
-        <p:spPr bwMode="auto">
-          <a:xfrm>
-            <a:off x="6629400" y="2487235"/>
-            <a:ext cx="2286000" cy="1371600"/>
-          </a:xfrm>
-          <a:prstGeom prst="rect">
-            <a:avLst/>
-          </a:prstGeom>
-          <a:noFill/>
-          <a:extLst>
-            <a:ext uri="{909E8E84-426E-40DD-AFC4-6F175D3DCCD1}">
-              <a14:hiddenFill xmlns:a14="http://schemas.microsoft.com/office/drawing/2010/main">
-                <a:solidFill>
-                  <a:srgbClr val="FFFFFF"/>
-                </a:solidFill>
-              </a14:hiddenFill>
-            </a:ext>
-          </a:extLst>
-        </p:spPr>
-      </p:pic>
-      <p:pic>
-        <p:nvPicPr>
-          <p:cNvPr id="2066" name="Picture 18" descr="JavaScript là gì? Kiến thức cơ bản về ngôn ngữ lập trình JS">
-            <a:extLst>
-              <a:ext uri="{FF2B5EF4-FFF2-40B4-BE49-F238E27FC236}">
-                <a16:creationId xmlns:a16="http://schemas.microsoft.com/office/drawing/2014/main" id="{50399451-4ACC-5CC7-88DE-DC691E6865F6}"/>
-              </a:ext>
-            </a:extLst>
-          </p:cNvPr>
-          <p:cNvPicPr>
-            <a:picLocks noChangeAspect="1" noChangeArrowheads="1"/>
-          </p:cNvPicPr>
-          <p:nvPr/>
-        </p:nvPicPr>
-        <p:blipFill>
-          <a:blip r:embed="rId9">
-            <a:extLst>
-              <a:ext uri="{28A0092B-C50C-407E-A947-70E740481C1C}">
-                <a14:useLocalDpi xmlns:a14="http://schemas.microsoft.com/office/drawing/2010/main" val="0"/>
-              </a:ext>
-            </a:extLst>
-          </a:blip>
-          <a:srcRect/>
-          <a:stretch>
-            <a:fillRect/>
-          </a:stretch>
-        </p:blipFill>
-        <p:spPr bwMode="auto">
-          <a:xfrm>
-            <a:off x="9508484" y="2487235"/>
-            <a:ext cx="2440641" cy="1371600"/>
-          </a:xfrm>
-          <a:prstGeom prst="rect">
-            <a:avLst/>
-          </a:prstGeom>
-          <a:noFill/>
-          <a:extLst>
-            <a:ext uri="{909E8E84-426E-40DD-AFC4-6F175D3DCCD1}">
-              <a14:hiddenFill xmlns:a14="http://schemas.microsoft.com/office/drawing/2010/main">
-                <a:solidFill>
-                  <a:srgbClr val="FFFFFF"/>
-                </a:solidFill>
-              </a14:hiddenFill>
-            </a:ext>
-          </a:extLst>
-        </p:spPr>
-      </p:pic>
-      <p:pic>
-        <p:nvPicPr>
-          <p:cNvPr id="2068" name="Picture 20" descr="What Is Bootstrap? A Beginner's Guide">
-            <a:extLst>
-              <a:ext uri="{FF2B5EF4-FFF2-40B4-BE49-F238E27FC236}">
-                <a16:creationId xmlns:a16="http://schemas.microsoft.com/office/drawing/2014/main" id="{AA1810B7-F8F8-D112-E881-832BC06DDE3B}"/>
-              </a:ext>
-            </a:extLst>
-          </p:cNvPr>
-          <p:cNvPicPr>
-            <a:picLocks noChangeAspect="1" noChangeArrowheads="1"/>
-          </p:cNvPicPr>
-          <p:nvPr/>
-        </p:nvPicPr>
-        <p:blipFill>
-          <a:blip r:embed="rId10">
-            <a:extLst>
-              <a:ext uri="{28A0092B-C50C-407E-A947-70E740481C1C}">
-                <a14:useLocalDpi xmlns:a14="http://schemas.microsoft.com/office/drawing/2010/main" val="0"/>
-              </a:ext>
-            </a:extLst>
-          </a:blip>
-          <a:srcRect/>
-          <a:stretch>
-            <a:fillRect/>
-          </a:stretch>
-        </p:blipFill>
-        <p:spPr bwMode="auto">
-          <a:xfrm>
-            <a:off x="2985449" y="4546634"/>
-            <a:ext cx="2467646" cy="1371600"/>
+            <a:off x="3410729" y="1567513"/>
+            <a:ext cx="2196969" cy="1221149"/>
           </a:xfrm>
           <a:prstGeom prst="rect">
             <a:avLst/>
@@ -16887,7 +20302,7 @@
           <p:nvPr/>
         </p:nvPicPr>
         <p:blipFill>
-          <a:blip r:embed="rId11">
+          <a:blip r:embed="rId8">
             <a:extLst>
               <a:ext uri="{28A0092B-C50C-407E-A947-70E740481C1C}">
                 <a14:useLocalDpi xmlns:a14="http://schemas.microsoft.com/office/drawing/2010/main" val="0"/>
@@ -16901,8 +20316,8 @@
         </p:blipFill>
         <p:spPr bwMode="auto">
           <a:xfrm>
-            <a:off x="7125103" y="4574621"/>
-            <a:ext cx="2612571" cy="1371600"/>
+            <a:off x="7645360" y="1490468"/>
+            <a:ext cx="2472750" cy="1298194"/>
           </a:xfrm>
           <a:prstGeom prst="rect">
             <a:avLst/>
@@ -16919,6 +20334,183 @@
           </a:extLst>
         </p:spPr>
       </p:pic>
+      <p:sp>
+        <p:nvSpPr>
+          <p:cNvPr id="2" name="TextBox 1">
+            <a:extLst>
+              <a:ext uri="{FF2B5EF4-FFF2-40B4-BE49-F238E27FC236}">
+                <a16:creationId xmlns:a16="http://schemas.microsoft.com/office/drawing/2014/main" id="{EFCA369E-DB79-C42C-5FEC-DBFBC1476CC9}"/>
+              </a:ext>
+            </a:extLst>
+          </p:cNvPr>
+          <p:cNvSpPr txBox="1"/>
+          <p:nvPr/>
+        </p:nvSpPr>
+        <p:spPr>
+          <a:xfrm>
+            <a:off x="391935" y="534591"/>
+            <a:ext cx="3269798" cy="810350"/>
+          </a:xfrm>
+          <a:prstGeom prst="rect">
+            <a:avLst/>
+          </a:prstGeom>
+          <a:noFill/>
+        </p:spPr>
+        <p:txBody>
+          <a:bodyPr wrap="square">
+            <a:spAutoFit/>
+          </a:bodyPr>
+          <a:lstStyle/>
+          <a:p>
+            <a:pPr marR="0">
+              <a:lnSpc>
+                <a:spcPct val="150000"/>
+              </a:lnSpc>
+              <a:spcBef>
+                <a:spcPts val="0"/>
+              </a:spcBef>
+              <a:spcAft>
+                <a:spcPts val="0"/>
+              </a:spcAft>
+            </a:pPr>
+            <a:r>
+              <a:rPr lang="en-US" sz="3600" b="1" dirty="0">
+                <a:solidFill>
+                  <a:srgbClr val="000000"/>
+                </a:solidFill>
+                <a:latin typeface="Tahoma" panose="020B0604030504040204" pitchFamily="34" charset="0"/>
+                <a:ea typeface="Tahoma" panose="020B0604030504040204" pitchFamily="34" charset="0"/>
+                <a:cs typeface="Tahoma" panose="020B0604030504040204" pitchFamily="34" charset="0"/>
+              </a:rPr>
+              <a:t>FRONTEND</a:t>
+            </a:r>
+            <a:endParaRPr lang="en-US" sz="3600" dirty="0">
+              <a:effectLst/>
+              <a:latin typeface="Tahoma" panose="020B0604030504040204" pitchFamily="34" charset="0"/>
+              <a:ea typeface="Tahoma" panose="020B0604030504040204" pitchFamily="34" charset="0"/>
+              <a:cs typeface="Tahoma" panose="020B0604030504040204" pitchFamily="34" charset="0"/>
+            </a:endParaRPr>
+          </a:p>
+        </p:txBody>
+      </p:sp>
+      <p:sp>
+        <p:nvSpPr>
+          <p:cNvPr id="3" name="TextBox 2">
+            <a:extLst>
+              <a:ext uri="{FF2B5EF4-FFF2-40B4-BE49-F238E27FC236}">
+                <a16:creationId xmlns:a16="http://schemas.microsoft.com/office/drawing/2014/main" id="{1C5BD01B-873E-FDB3-F2D9-46A07743D3AD}"/>
+              </a:ext>
+            </a:extLst>
+          </p:cNvPr>
+          <p:cNvSpPr txBox="1"/>
+          <p:nvPr/>
+        </p:nvSpPr>
+        <p:spPr>
+          <a:xfrm>
+            <a:off x="391935" y="3528539"/>
+            <a:ext cx="3269798" cy="810350"/>
+          </a:xfrm>
+          <a:prstGeom prst="rect">
+            <a:avLst/>
+          </a:prstGeom>
+          <a:noFill/>
+        </p:spPr>
+        <p:txBody>
+          <a:bodyPr wrap="square">
+            <a:spAutoFit/>
+          </a:bodyPr>
+          <a:lstStyle/>
+          <a:p>
+            <a:pPr marR="0">
+              <a:lnSpc>
+                <a:spcPct val="150000"/>
+              </a:lnSpc>
+              <a:spcBef>
+                <a:spcPts val="0"/>
+              </a:spcBef>
+              <a:spcAft>
+                <a:spcPts val="0"/>
+              </a:spcAft>
+            </a:pPr>
+            <a:r>
+              <a:rPr lang="en-US" sz="3600" b="1" dirty="0">
+                <a:solidFill>
+                  <a:srgbClr val="000000"/>
+                </a:solidFill>
+                <a:latin typeface="Tahoma" panose="020B0604030504040204" pitchFamily="34" charset="0"/>
+                <a:ea typeface="Tahoma" panose="020B0604030504040204" pitchFamily="34" charset="0"/>
+                <a:cs typeface="Tahoma" panose="020B0604030504040204" pitchFamily="34" charset="0"/>
+              </a:rPr>
+              <a:t>BACKEND</a:t>
+            </a:r>
+            <a:endParaRPr lang="en-US" sz="3600" dirty="0">
+              <a:effectLst/>
+              <a:latin typeface="Tahoma" panose="020B0604030504040204" pitchFamily="34" charset="0"/>
+              <a:ea typeface="Tahoma" panose="020B0604030504040204" pitchFamily="34" charset="0"/>
+              <a:cs typeface="Tahoma" panose="020B0604030504040204" pitchFamily="34" charset="0"/>
+            </a:endParaRPr>
+          </a:p>
+        </p:txBody>
+      </p:sp>
+      <p:sp>
+        <p:nvSpPr>
+          <p:cNvPr id="5" name="TextBox 4">
+            <a:extLst>
+              <a:ext uri="{FF2B5EF4-FFF2-40B4-BE49-F238E27FC236}">
+                <a16:creationId xmlns:a16="http://schemas.microsoft.com/office/drawing/2014/main" id="{70057CC0-9438-1485-8BC5-721ECD7540DB}"/>
+              </a:ext>
+            </a:extLst>
+          </p:cNvPr>
+          <p:cNvSpPr txBox="1"/>
+          <p:nvPr/>
+        </p:nvSpPr>
+        <p:spPr>
+          <a:xfrm>
+            <a:off x="391935" y="5512413"/>
+            <a:ext cx="3269798" cy="810350"/>
+          </a:xfrm>
+          <a:prstGeom prst="rect">
+            <a:avLst/>
+          </a:prstGeom>
+          <a:noFill/>
+        </p:spPr>
+        <p:txBody>
+          <a:bodyPr wrap="square">
+            <a:spAutoFit/>
+          </a:bodyPr>
+          <a:lstStyle/>
+          <a:p>
+            <a:pPr marR="0">
+              <a:lnSpc>
+                <a:spcPct val="150000"/>
+              </a:lnSpc>
+              <a:spcBef>
+                <a:spcPts val="0"/>
+              </a:spcBef>
+              <a:spcAft>
+                <a:spcPts val="0"/>
+              </a:spcAft>
+            </a:pPr>
+            <a:r>
+              <a:rPr lang="en-US" sz="3600" b="1" dirty="0">
+                <a:solidFill>
+                  <a:srgbClr val="000000"/>
+                </a:solidFill>
+                <a:latin typeface="Tahoma" panose="020B0604030504040204" pitchFamily="34" charset="0"/>
+                <a:ea typeface="Tahoma" panose="020B0604030504040204" pitchFamily="34" charset="0"/>
+                <a:cs typeface="Tahoma" panose="020B0604030504040204" pitchFamily="34" charset="0"/>
+              </a:rPr>
+              <a:t>DATABASE</a:t>
+            </a:r>
+            <a:endParaRPr lang="en-US" sz="3600" dirty="0">
+              <a:effectLst/>
+              <a:latin typeface="Tahoma" panose="020B0604030504040204" pitchFamily="34" charset="0"/>
+              <a:ea typeface="Tahoma" panose="020B0604030504040204" pitchFamily="34" charset="0"/>
+              <a:cs typeface="Tahoma" panose="020B0604030504040204" pitchFamily="34" charset="0"/>
+            </a:endParaRPr>
+          </a:p>
+        </p:txBody>
+      </p:sp>
     </p:spTree>
     <p:extLst>
       <p:ext uri="{BB962C8B-B14F-4D97-AF65-F5344CB8AC3E}">
@@ -16971,10 +20563,18 @@
           <a:lstStyle/>
           <a:p>
             <a:fld id="{D16EA1EE-1AB6-40C4-ADCB-7B395AD295B2}" type="slidenum">
-              <a:rPr lang="en-US" smtClean="0"/>
+              <a:rPr lang="en-US" smtClean="0">
+                <a:latin typeface="Tahoma" panose="020B0604030504040204" pitchFamily="34" charset="0"/>
+                <a:ea typeface="Tahoma" panose="020B0604030504040204" pitchFamily="34" charset="0"/>
+                <a:cs typeface="Tahoma" panose="020B0604030504040204" pitchFamily="34" charset="0"/>
+              </a:rPr>
               <a:t>7</a:t>
             </a:fld>
-            <a:endParaRPr lang="en-US"/>
+            <a:endParaRPr lang="en-US">
+              <a:latin typeface="Tahoma" panose="020B0604030504040204" pitchFamily="34" charset="0"/>
+              <a:ea typeface="Tahoma" panose="020B0604030504040204" pitchFamily="34" charset="0"/>
+              <a:cs typeface="Tahoma" panose="020B0604030504040204" pitchFamily="34" charset="0"/>
+            </a:endParaRPr>
           </a:p>
         </p:txBody>
       </p:sp>
@@ -17021,7 +20621,11 @@
           <a:lstStyle/>
           <a:p>
             <a:pPr algn="ctr"/>
-            <a:endParaRPr lang="en-US"/>
+            <a:endParaRPr lang="en-US">
+              <a:latin typeface="Tahoma" panose="020B0604030504040204" pitchFamily="34" charset="0"/>
+              <a:ea typeface="Tahoma" panose="020B0604030504040204" pitchFamily="34" charset="0"/>
+              <a:cs typeface="Tahoma" panose="020B0604030504040204" pitchFamily="34" charset="0"/>
+            </a:endParaRPr>
           </a:p>
         </p:txBody>
       </p:sp>
@@ -17219,10 +20823,18 @@
           <a:lstStyle/>
           <a:p>
             <a:fld id="{D16EA1EE-1AB6-40C4-ADCB-7B395AD295B2}" type="slidenum">
-              <a:rPr lang="en-US" smtClean="0"/>
+              <a:rPr lang="en-US" smtClean="0">
+                <a:latin typeface="Tahoma" panose="020B0604030504040204" pitchFamily="34" charset="0"/>
+                <a:ea typeface="Tahoma" panose="020B0604030504040204" pitchFamily="34" charset="0"/>
+                <a:cs typeface="Tahoma" panose="020B0604030504040204" pitchFamily="34" charset="0"/>
+              </a:rPr>
               <a:t>8</a:t>
             </a:fld>
-            <a:endParaRPr lang="en-US"/>
+            <a:endParaRPr lang="en-US">
+              <a:latin typeface="Tahoma" panose="020B0604030504040204" pitchFamily="34" charset="0"/>
+              <a:ea typeface="Tahoma" panose="020B0604030504040204" pitchFamily="34" charset="0"/>
+              <a:cs typeface="Tahoma" panose="020B0604030504040204" pitchFamily="34" charset="0"/>
+            </a:endParaRPr>
           </a:p>
         </p:txBody>
       </p:sp>
@@ -17269,7 +20881,11 @@
           <a:lstStyle/>
           <a:p>
             <a:pPr algn="ctr"/>
-            <a:endParaRPr lang="en-US"/>
+            <a:endParaRPr lang="en-US">
+              <a:latin typeface="Tahoma" panose="020B0604030504040204" pitchFamily="34" charset="0"/>
+              <a:ea typeface="Tahoma" panose="020B0604030504040204" pitchFamily="34" charset="0"/>
+              <a:cs typeface="Tahoma" panose="020B0604030504040204" pitchFamily="34" charset="0"/>
+            </a:endParaRPr>
           </a:p>
         </p:txBody>
       </p:sp>
@@ -17452,12 +21068,244 @@
           <a:lstStyle/>
           <a:p>
             <a:r>
-              <a:rPr lang="en-US" sz="2800">
-                <a:latin typeface="Tahoma" panose="020B0604030504040204" pitchFamily="34" charset="0"/>
-                <a:ea typeface="Tahoma" panose="020B0604030504040204" pitchFamily="34" charset="0"/>
-                <a:cs typeface="Tahoma" panose="020B0604030504040204" pitchFamily="34" charset="0"/>
-              </a:rPr>
-              <a:t>Đóng vai trò lưu trữ lưu trữ và quản lý thông tin sản phẩm, khách hàng,…</a:t>
+              <a:rPr lang="en-US" sz="2800" dirty="0" err="1">
+                <a:latin typeface="Tahoma" panose="020B0604030504040204" pitchFamily="34" charset="0"/>
+                <a:ea typeface="Tahoma" panose="020B0604030504040204" pitchFamily="34" charset="0"/>
+                <a:cs typeface="Tahoma" panose="020B0604030504040204" pitchFamily="34" charset="0"/>
+              </a:rPr>
+              <a:t>Đóng</a:t>
+            </a:r>
+            <a:r>
+              <a:rPr lang="en-US" sz="2800" dirty="0">
+                <a:latin typeface="Tahoma" panose="020B0604030504040204" pitchFamily="34" charset="0"/>
+                <a:ea typeface="Tahoma" panose="020B0604030504040204" pitchFamily="34" charset="0"/>
+                <a:cs typeface="Tahoma" panose="020B0604030504040204" pitchFamily="34" charset="0"/>
+              </a:rPr>
+              <a:t> </a:t>
+            </a:r>
+            <a:r>
+              <a:rPr lang="en-US" sz="2800" dirty="0" err="1">
+                <a:latin typeface="Tahoma" panose="020B0604030504040204" pitchFamily="34" charset="0"/>
+                <a:ea typeface="Tahoma" panose="020B0604030504040204" pitchFamily="34" charset="0"/>
+                <a:cs typeface="Tahoma" panose="020B0604030504040204" pitchFamily="34" charset="0"/>
+              </a:rPr>
+              <a:t>vai</a:t>
+            </a:r>
+            <a:r>
+              <a:rPr lang="en-US" sz="2800" dirty="0">
+                <a:latin typeface="Tahoma" panose="020B0604030504040204" pitchFamily="34" charset="0"/>
+                <a:ea typeface="Tahoma" panose="020B0604030504040204" pitchFamily="34" charset="0"/>
+                <a:cs typeface="Tahoma" panose="020B0604030504040204" pitchFamily="34" charset="0"/>
+              </a:rPr>
+              <a:t> </a:t>
+            </a:r>
+            <a:r>
+              <a:rPr lang="en-US" sz="2800" dirty="0" err="1">
+                <a:latin typeface="Tahoma" panose="020B0604030504040204" pitchFamily="34" charset="0"/>
+                <a:ea typeface="Tahoma" panose="020B0604030504040204" pitchFamily="34" charset="0"/>
+                <a:cs typeface="Tahoma" panose="020B0604030504040204" pitchFamily="34" charset="0"/>
+              </a:rPr>
+              <a:t>trò</a:t>
+            </a:r>
+            <a:r>
+              <a:rPr lang="en-US" sz="2800" dirty="0">
+                <a:latin typeface="Tahoma" panose="020B0604030504040204" pitchFamily="34" charset="0"/>
+                <a:ea typeface="Tahoma" panose="020B0604030504040204" pitchFamily="34" charset="0"/>
+                <a:cs typeface="Tahoma" panose="020B0604030504040204" pitchFamily="34" charset="0"/>
+              </a:rPr>
+              <a:t> </a:t>
+            </a:r>
+            <a:r>
+              <a:rPr lang="en-US" sz="2800" dirty="0" err="1">
+                <a:latin typeface="Tahoma" panose="020B0604030504040204" pitchFamily="34" charset="0"/>
+                <a:ea typeface="Tahoma" panose="020B0604030504040204" pitchFamily="34" charset="0"/>
+                <a:cs typeface="Tahoma" panose="020B0604030504040204" pitchFamily="34" charset="0"/>
+              </a:rPr>
+              <a:t>lưu</a:t>
+            </a:r>
+            <a:r>
+              <a:rPr lang="en-US" sz="2800" dirty="0">
+                <a:latin typeface="Tahoma" panose="020B0604030504040204" pitchFamily="34" charset="0"/>
+                <a:ea typeface="Tahoma" panose="020B0604030504040204" pitchFamily="34" charset="0"/>
+                <a:cs typeface="Tahoma" panose="020B0604030504040204" pitchFamily="34" charset="0"/>
+              </a:rPr>
+              <a:t> </a:t>
+            </a:r>
+            <a:r>
+              <a:rPr lang="en-US" sz="2800" dirty="0" err="1">
+                <a:latin typeface="Tahoma" panose="020B0604030504040204" pitchFamily="34" charset="0"/>
+                <a:ea typeface="Tahoma" panose="020B0604030504040204" pitchFamily="34" charset="0"/>
+                <a:cs typeface="Tahoma" panose="020B0604030504040204" pitchFamily="34" charset="0"/>
+              </a:rPr>
+              <a:t>trữ</a:t>
+            </a:r>
+            <a:r>
+              <a:rPr lang="en-US" sz="2800" dirty="0">
+                <a:latin typeface="Tahoma" panose="020B0604030504040204" pitchFamily="34" charset="0"/>
+                <a:ea typeface="Tahoma" panose="020B0604030504040204" pitchFamily="34" charset="0"/>
+                <a:cs typeface="Tahoma" panose="020B0604030504040204" pitchFamily="34" charset="0"/>
+              </a:rPr>
+              <a:t> </a:t>
+            </a:r>
+            <a:r>
+              <a:rPr lang="en-US" sz="2800" dirty="0" err="1">
+                <a:latin typeface="Tahoma" panose="020B0604030504040204" pitchFamily="34" charset="0"/>
+                <a:ea typeface="Tahoma" panose="020B0604030504040204" pitchFamily="34" charset="0"/>
+                <a:cs typeface="Tahoma" panose="020B0604030504040204" pitchFamily="34" charset="0"/>
+              </a:rPr>
+              <a:t>lưu</a:t>
+            </a:r>
+            <a:r>
+              <a:rPr lang="en-US" sz="2800" dirty="0">
+                <a:latin typeface="Tahoma" panose="020B0604030504040204" pitchFamily="34" charset="0"/>
+                <a:ea typeface="Tahoma" panose="020B0604030504040204" pitchFamily="34" charset="0"/>
+                <a:cs typeface="Tahoma" panose="020B0604030504040204" pitchFamily="34" charset="0"/>
+              </a:rPr>
+              <a:t> </a:t>
+            </a:r>
+            <a:r>
+              <a:rPr lang="en-US" sz="2800" dirty="0" err="1">
+                <a:latin typeface="Tahoma" panose="020B0604030504040204" pitchFamily="34" charset="0"/>
+                <a:ea typeface="Tahoma" panose="020B0604030504040204" pitchFamily="34" charset="0"/>
+                <a:cs typeface="Tahoma" panose="020B0604030504040204" pitchFamily="34" charset="0"/>
+              </a:rPr>
+              <a:t>trữ</a:t>
+            </a:r>
+            <a:r>
+              <a:rPr lang="en-US" sz="2800" dirty="0">
+                <a:latin typeface="Tahoma" panose="020B0604030504040204" pitchFamily="34" charset="0"/>
+                <a:ea typeface="Tahoma" panose="020B0604030504040204" pitchFamily="34" charset="0"/>
+                <a:cs typeface="Tahoma" panose="020B0604030504040204" pitchFamily="34" charset="0"/>
+              </a:rPr>
+              <a:t> </a:t>
+            </a:r>
+            <a:r>
+              <a:rPr lang="en-US" sz="2800" dirty="0" err="1">
+                <a:latin typeface="Tahoma" panose="020B0604030504040204" pitchFamily="34" charset="0"/>
+                <a:ea typeface="Tahoma" panose="020B0604030504040204" pitchFamily="34" charset="0"/>
+                <a:cs typeface="Tahoma" panose="020B0604030504040204" pitchFamily="34" charset="0"/>
+              </a:rPr>
+              <a:t>và</a:t>
+            </a:r>
+            <a:r>
+              <a:rPr lang="en-US" sz="2800" dirty="0">
+                <a:latin typeface="Tahoma" panose="020B0604030504040204" pitchFamily="34" charset="0"/>
+                <a:ea typeface="Tahoma" panose="020B0604030504040204" pitchFamily="34" charset="0"/>
+                <a:cs typeface="Tahoma" panose="020B0604030504040204" pitchFamily="34" charset="0"/>
+              </a:rPr>
+              <a:t> </a:t>
+            </a:r>
+            <a:r>
+              <a:rPr lang="en-US" sz="2800" dirty="0" err="1">
+                <a:latin typeface="Tahoma" panose="020B0604030504040204" pitchFamily="34" charset="0"/>
+                <a:ea typeface="Tahoma" panose="020B0604030504040204" pitchFamily="34" charset="0"/>
+                <a:cs typeface="Tahoma" panose="020B0604030504040204" pitchFamily="34" charset="0"/>
+              </a:rPr>
+              <a:t>quản</a:t>
+            </a:r>
+            <a:r>
+              <a:rPr lang="en-US" sz="2800" dirty="0">
+                <a:latin typeface="Tahoma" panose="020B0604030504040204" pitchFamily="34" charset="0"/>
+                <a:ea typeface="Tahoma" panose="020B0604030504040204" pitchFamily="34" charset="0"/>
+                <a:cs typeface="Tahoma" panose="020B0604030504040204" pitchFamily="34" charset="0"/>
+              </a:rPr>
+              <a:t> </a:t>
+            </a:r>
+            <a:r>
+              <a:rPr lang="en-US" sz="2800" dirty="0" err="1">
+                <a:latin typeface="Tahoma" panose="020B0604030504040204" pitchFamily="34" charset="0"/>
+                <a:ea typeface="Tahoma" panose="020B0604030504040204" pitchFamily="34" charset="0"/>
+                <a:cs typeface="Tahoma" panose="020B0604030504040204" pitchFamily="34" charset="0"/>
+              </a:rPr>
+              <a:t>lý</a:t>
+            </a:r>
+            <a:r>
+              <a:rPr lang="en-US" sz="2800" dirty="0">
+                <a:latin typeface="Tahoma" panose="020B0604030504040204" pitchFamily="34" charset="0"/>
+                <a:ea typeface="Tahoma" panose="020B0604030504040204" pitchFamily="34" charset="0"/>
+                <a:cs typeface="Tahoma" panose="020B0604030504040204" pitchFamily="34" charset="0"/>
+              </a:rPr>
+              <a:t> </a:t>
+            </a:r>
+            <a:r>
+              <a:rPr lang="en-US" sz="2800" dirty="0" err="1">
+                <a:latin typeface="Tahoma" panose="020B0604030504040204" pitchFamily="34" charset="0"/>
+                <a:ea typeface="Tahoma" panose="020B0604030504040204" pitchFamily="34" charset="0"/>
+                <a:cs typeface="Tahoma" panose="020B0604030504040204" pitchFamily="34" charset="0"/>
+              </a:rPr>
+              <a:t>thông</a:t>
+            </a:r>
+            <a:r>
+              <a:rPr lang="en-US" sz="2800" dirty="0">
+                <a:latin typeface="Tahoma" panose="020B0604030504040204" pitchFamily="34" charset="0"/>
+                <a:ea typeface="Tahoma" panose="020B0604030504040204" pitchFamily="34" charset="0"/>
+                <a:cs typeface="Tahoma" panose="020B0604030504040204" pitchFamily="34" charset="0"/>
+              </a:rPr>
+              <a:t> tin </a:t>
+            </a:r>
+            <a:r>
+              <a:rPr lang="en-US" sz="2800" dirty="0" err="1">
+                <a:latin typeface="Tahoma" panose="020B0604030504040204" pitchFamily="34" charset="0"/>
+                <a:ea typeface="Tahoma" panose="020B0604030504040204" pitchFamily="34" charset="0"/>
+                <a:cs typeface="Tahoma" panose="020B0604030504040204" pitchFamily="34" charset="0"/>
+              </a:rPr>
+              <a:t>sản</a:t>
+            </a:r>
+            <a:r>
+              <a:rPr lang="en-US" sz="2800" dirty="0">
+                <a:latin typeface="Tahoma" panose="020B0604030504040204" pitchFamily="34" charset="0"/>
+                <a:ea typeface="Tahoma" panose="020B0604030504040204" pitchFamily="34" charset="0"/>
+                <a:cs typeface="Tahoma" panose="020B0604030504040204" pitchFamily="34" charset="0"/>
+              </a:rPr>
+              <a:t> </a:t>
+            </a:r>
+            <a:r>
+              <a:rPr lang="en-US" sz="2800" dirty="0" err="1">
+                <a:latin typeface="Tahoma" panose="020B0604030504040204" pitchFamily="34" charset="0"/>
+                <a:ea typeface="Tahoma" panose="020B0604030504040204" pitchFamily="34" charset="0"/>
+                <a:cs typeface="Tahoma" panose="020B0604030504040204" pitchFamily="34" charset="0"/>
+              </a:rPr>
+              <a:t>phẩm</a:t>
+            </a:r>
+            <a:r>
+              <a:rPr lang="en-US" sz="2800" dirty="0">
+                <a:latin typeface="Tahoma" panose="020B0604030504040204" pitchFamily="34" charset="0"/>
+                <a:ea typeface="Tahoma" panose="020B0604030504040204" pitchFamily="34" charset="0"/>
+                <a:cs typeface="Tahoma" panose="020B0604030504040204" pitchFamily="34" charset="0"/>
+              </a:rPr>
+              <a:t>, </a:t>
+            </a:r>
+            <a:r>
+              <a:rPr lang="en-US" sz="2800" dirty="0" err="1">
+                <a:latin typeface="Tahoma" panose="020B0604030504040204" pitchFamily="34" charset="0"/>
+                <a:ea typeface="Tahoma" panose="020B0604030504040204" pitchFamily="34" charset="0"/>
+                <a:cs typeface="Tahoma" panose="020B0604030504040204" pitchFamily="34" charset="0"/>
+              </a:rPr>
+              <a:t>khách</a:t>
+            </a:r>
+            <a:r>
+              <a:rPr lang="en-US" sz="2800" dirty="0">
+                <a:latin typeface="Tahoma" panose="020B0604030504040204" pitchFamily="34" charset="0"/>
+                <a:ea typeface="Tahoma" panose="020B0604030504040204" pitchFamily="34" charset="0"/>
+                <a:cs typeface="Tahoma" panose="020B0604030504040204" pitchFamily="34" charset="0"/>
+              </a:rPr>
+              <a:t> </a:t>
+            </a:r>
+            <a:r>
+              <a:rPr lang="en-US" sz="2800" dirty="0" err="1">
+                <a:latin typeface="Tahoma" panose="020B0604030504040204" pitchFamily="34" charset="0"/>
+                <a:ea typeface="Tahoma" panose="020B0604030504040204" pitchFamily="34" charset="0"/>
+                <a:cs typeface="Tahoma" panose="020B0604030504040204" pitchFamily="34" charset="0"/>
+              </a:rPr>
+              <a:t>hàng</a:t>
+            </a:r>
+            <a:r>
+              <a:rPr lang="en-US" sz="2800" dirty="0">
+                <a:latin typeface="Tahoma" panose="020B0604030504040204" pitchFamily="34" charset="0"/>
+                <a:ea typeface="Tahoma" panose="020B0604030504040204" pitchFamily="34" charset="0"/>
+                <a:cs typeface="Tahoma" panose="020B0604030504040204" pitchFamily="34" charset="0"/>
+              </a:rPr>
+              <a:t>,…</a:t>
             </a:r>
           </a:p>
         </p:txBody>
@@ -17756,12 +21604,212 @@
           <a:lstStyle/>
           <a:p>
             <a:r>
-              <a:rPr lang="en-US" sz="2800">
-                <a:latin typeface="Tahoma" panose="020B0604030504040204" pitchFamily="34" charset="0"/>
-                <a:ea typeface="Tahoma" panose="020B0604030504040204" pitchFamily="34" charset="0"/>
-                <a:cs typeface="Tahoma" panose="020B0604030504040204" pitchFamily="34" charset="0"/>
-              </a:rPr>
-              <a:t>Xây dựng giao diện người dùng: trang chủ, chi tiết sản phẩm, mua hàng,…</a:t>
+              <a:rPr lang="en-US" sz="2800" dirty="0" err="1">
+                <a:latin typeface="Tahoma" panose="020B0604030504040204" pitchFamily="34" charset="0"/>
+                <a:ea typeface="Tahoma" panose="020B0604030504040204" pitchFamily="34" charset="0"/>
+                <a:cs typeface="Tahoma" panose="020B0604030504040204" pitchFamily="34" charset="0"/>
+              </a:rPr>
+              <a:t>Xây</a:t>
+            </a:r>
+            <a:r>
+              <a:rPr lang="en-US" sz="2800" dirty="0">
+                <a:latin typeface="Tahoma" panose="020B0604030504040204" pitchFamily="34" charset="0"/>
+                <a:ea typeface="Tahoma" panose="020B0604030504040204" pitchFamily="34" charset="0"/>
+                <a:cs typeface="Tahoma" panose="020B0604030504040204" pitchFamily="34" charset="0"/>
+              </a:rPr>
+              <a:t> </a:t>
+            </a:r>
+            <a:r>
+              <a:rPr lang="en-US" sz="2800" dirty="0" err="1">
+                <a:latin typeface="Tahoma" panose="020B0604030504040204" pitchFamily="34" charset="0"/>
+                <a:ea typeface="Tahoma" panose="020B0604030504040204" pitchFamily="34" charset="0"/>
+                <a:cs typeface="Tahoma" panose="020B0604030504040204" pitchFamily="34" charset="0"/>
+              </a:rPr>
+              <a:t>dựng</a:t>
+            </a:r>
+            <a:r>
+              <a:rPr lang="en-US" sz="2800" dirty="0">
+                <a:latin typeface="Tahoma" panose="020B0604030504040204" pitchFamily="34" charset="0"/>
+                <a:ea typeface="Tahoma" panose="020B0604030504040204" pitchFamily="34" charset="0"/>
+                <a:cs typeface="Tahoma" panose="020B0604030504040204" pitchFamily="34" charset="0"/>
+              </a:rPr>
+              <a:t> </a:t>
+            </a:r>
+            <a:r>
+              <a:rPr lang="en-US" sz="2800" dirty="0" err="1">
+                <a:latin typeface="Tahoma" panose="020B0604030504040204" pitchFamily="34" charset="0"/>
+                <a:ea typeface="Tahoma" panose="020B0604030504040204" pitchFamily="34" charset="0"/>
+                <a:cs typeface="Tahoma" panose="020B0604030504040204" pitchFamily="34" charset="0"/>
+              </a:rPr>
+              <a:t>giao</a:t>
+            </a:r>
+            <a:r>
+              <a:rPr lang="en-US" sz="2800" dirty="0">
+                <a:latin typeface="Tahoma" panose="020B0604030504040204" pitchFamily="34" charset="0"/>
+                <a:ea typeface="Tahoma" panose="020B0604030504040204" pitchFamily="34" charset="0"/>
+                <a:cs typeface="Tahoma" panose="020B0604030504040204" pitchFamily="34" charset="0"/>
+              </a:rPr>
+              <a:t> </a:t>
+            </a:r>
+            <a:r>
+              <a:rPr lang="en-US" sz="2800" dirty="0" err="1">
+                <a:latin typeface="Tahoma" panose="020B0604030504040204" pitchFamily="34" charset="0"/>
+                <a:ea typeface="Tahoma" panose="020B0604030504040204" pitchFamily="34" charset="0"/>
+                <a:cs typeface="Tahoma" panose="020B0604030504040204" pitchFamily="34" charset="0"/>
+              </a:rPr>
+              <a:t>diện</a:t>
+            </a:r>
+            <a:r>
+              <a:rPr lang="en-US" sz="2800" dirty="0">
+                <a:latin typeface="Tahoma" panose="020B0604030504040204" pitchFamily="34" charset="0"/>
+                <a:ea typeface="Tahoma" panose="020B0604030504040204" pitchFamily="34" charset="0"/>
+                <a:cs typeface="Tahoma" panose="020B0604030504040204" pitchFamily="34" charset="0"/>
+              </a:rPr>
+              <a:t> </a:t>
+            </a:r>
+            <a:r>
+              <a:rPr lang="en-US" sz="2800" dirty="0" err="1">
+                <a:latin typeface="Tahoma" panose="020B0604030504040204" pitchFamily="34" charset="0"/>
+                <a:ea typeface="Tahoma" panose="020B0604030504040204" pitchFamily="34" charset="0"/>
+                <a:cs typeface="Tahoma" panose="020B0604030504040204" pitchFamily="34" charset="0"/>
+              </a:rPr>
+              <a:t>người</a:t>
+            </a:r>
+            <a:r>
+              <a:rPr lang="en-US" sz="2800" dirty="0">
+                <a:latin typeface="Tahoma" panose="020B0604030504040204" pitchFamily="34" charset="0"/>
+                <a:ea typeface="Tahoma" panose="020B0604030504040204" pitchFamily="34" charset="0"/>
+                <a:cs typeface="Tahoma" panose="020B0604030504040204" pitchFamily="34" charset="0"/>
+              </a:rPr>
+              <a:t> </a:t>
+            </a:r>
+            <a:r>
+              <a:rPr lang="en-US" sz="2800" dirty="0" err="1">
+                <a:latin typeface="Tahoma" panose="020B0604030504040204" pitchFamily="34" charset="0"/>
+                <a:ea typeface="Tahoma" panose="020B0604030504040204" pitchFamily="34" charset="0"/>
+                <a:cs typeface="Tahoma" panose="020B0604030504040204" pitchFamily="34" charset="0"/>
+              </a:rPr>
+              <a:t>dùng</a:t>
+            </a:r>
+            <a:r>
+              <a:rPr lang="en-US" sz="2800" dirty="0">
+                <a:latin typeface="Tahoma" panose="020B0604030504040204" pitchFamily="34" charset="0"/>
+                <a:ea typeface="Tahoma" panose="020B0604030504040204" pitchFamily="34" charset="0"/>
+                <a:cs typeface="Tahoma" panose="020B0604030504040204" pitchFamily="34" charset="0"/>
+              </a:rPr>
+              <a:t>: </a:t>
+            </a:r>
+            <a:r>
+              <a:rPr lang="en-US" sz="2800" dirty="0" err="1">
+                <a:latin typeface="Tahoma" panose="020B0604030504040204" pitchFamily="34" charset="0"/>
+                <a:ea typeface="Tahoma" panose="020B0604030504040204" pitchFamily="34" charset="0"/>
+                <a:cs typeface="Tahoma" panose="020B0604030504040204" pitchFamily="34" charset="0"/>
+              </a:rPr>
+              <a:t>trang</a:t>
+            </a:r>
+            <a:r>
+              <a:rPr lang="en-US" sz="2800" dirty="0">
+                <a:latin typeface="Tahoma" panose="020B0604030504040204" pitchFamily="34" charset="0"/>
+                <a:ea typeface="Tahoma" panose="020B0604030504040204" pitchFamily="34" charset="0"/>
+                <a:cs typeface="Tahoma" panose="020B0604030504040204" pitchFamily="34" charset="0"/>
+              </a:rPr>
+              <a:t> </a:t>
+            </a:r>
+            <a:r>
+              <a:rPr lang="en-US" sz="2800" dirty="0" err="1">
+                <a:latin typeface="Tahoma" panose="020B0604030504040204" pitchFamily="34" charset="0"/>
+                <a:ea typeface="Tahoma" panose="020B0604030504040204" pitchFamily="34" charset="0"/>
+                <a:cs typeface="Tahoma" panose="020B0604030504040204" pitchFamily="34" charset="0"/>
+              </a:rPr>
+              <a:t>chủ</a:t>
+            </a:r>
+            <a:r>
+              <a:rPr lang="en-US" sz="2800" dirty="0">
+                <a:latin typeface="Tahoma" panose="020B0604030504040204" pitchFamily="34" charset="0"/>
+                <a:ea typeface="Tahoma" panose="020B0604030504040204" pitchFamily="34" charset="0"/>
+                <a:cs typeface="Tahoma" panose="020B0604030504040204" pitchFamily="34" charset="0"/>
+              </a:rPr>
+              <a:t>, chi </a:t>
+            </a:r>
+            <a:r>
+              <a:rPr lang="en-US" sz="2800" dirty="0" err="1">
+                <a:latin typeface="Tahoma" panose="020B0604030504040204" pitchFamily="34" charset="0"/>
+                <a:ea typeface="Tahoma" panose="020B0604030504040204" pitchFamily="34" charset="0"/>
+                <a:cs typeface="Tahoma" panose="020B0604030504040204" pitchFamily="34" charset="0"/>
+              </a:rPr>
+              <a:t>tiết</a:t>
+            </a:r>
+            <a:r>
+              <a:rPr lang="en-US" sz="2800" dirty="0">
+                <a:latin typeface="Tahoma" panose="020B0604030504040204" pitchFamily="34" charset="0"/>
+                <a:ea typeface="Tahoma" panose="020B0604030504040204" pitchFamily="34" charset="0"/>
+                <a:cs typeface="Tahoma" panose="020B0604030504040204" pitchFamily="34" charset="0"/>
+              </a:rPr>
+              <a:t> </a:t>
+            </a:r>
+            <a:r>
+              <a:rPr lang="en-US" sz="2800" dirty="0" err="1">
+                <a:latin typeface="Tahoma" panose="020B0604030504040204" pitchFamily="34" charset="0"/>
+                <a:ea typeface="Tahoma" panose="020B0604030504040204" pitchFamily="34" charset="0"/>
+                <a:cs typeface="Tahoma" panose="020B0604030504040204" pitchFamily="34" charset="0"/>
+              </a:rPr>
+              <a:t>sản</a:t>
+            </a:r>
+            <a:r>
+              <a:rPr lang="en-US" sz="2800" dirty="0">
+                <a:latin typeface="Tahoma" panose="020B0604030504040204" pitchFamily="34" charset="0"/>
+                <a:ea typeface="Tahoma" panose="020B0604030504040204" pitchFamily="34" charset="0"/>
+                <a:cs typeface="Tahoma" panose="020B0604030504040204" pitchFamily="34" charset="0"/>
+              </a:rPr>
+              <a:t> </a:t>
+            </a:r>
+            <a:r>
+              <a:rPr lang="en-US" sz="2800" dirty="0" err="1">
+                <a:latin typeface="Tahoma" panose="020B0604030504040204" pitchFamily="34" charset="0"/>
+                <a:ea typeface="Tahoma" panose="020B0604030504040204" pitchFamily="34" charset="0"/>
+                <a:cs typeface="Tahoma" panose="020B0604030504040204" pitchFamily="34" charset="0"/>
+              </a:rPr>
+              <a:t>phẩm</a:t>
+            </a:r>
+            <a:r>
+              <a:rPr lang="en-US" sz="2800" dirty="0">
+                <a:latin typeface="Tahoma" panose="020B0604030504040204" pitchFamily="34" charset="0"/>
+                <a:ea typeface="Tahoma" panose="020B0604030504040204" pitchFamily="34" charset="0"/>
+                <a:cs typeface="Tahoma" panose="020B0604030504040204" pitchFamily="34" charset="0"/>
+              </a:rPr>
+              <a:t>, </a:t>
+            </a:r>
+            <a:r>
+              <a:rPr lang="en-US" sz="2800" dirty="0" err="1">
+                <a:latin typeface="Tahoma" panose="020B0604030504040204" pitchFamily="34" charset="0"/>
+                <a:ea typeface="Tahoma" panose="020B0604030504040204" pitchFamily="34" charset="0"/>
+                <a:cs typeface="Tahoma" panose="020B0604030504040204" pitchFamily="34" charset="0"/>
+              </a:rPr>
+              <a:t>mua</a:t>
+            </a:r>
+            <a:r>
+              <a:rPr lang="en-US" sz="2800" dirty="0">
+                <a:latin typeface="Tahoma" panose="020B0604030504040204" pitchFamily="34" charset="0"/>
+                <a:ea typeface="Tahoma" panose="020B0604030504040204" pitchFamily="34" charset="0"/>
+                <a:cs typeface="Tahoma" panose="020B0604030504040204" pitchFamily="34" charset="0"/>
+              </a:rPr>
+              <a:t> </a:t>
+            </a:r>
+            <a:r>
+              <a:rPr lang="en-US" sz="2800" dirty="0" err="1">
+                <a:latin typeface="Tahoma" panose="020B0604030504040204" pitchFamily="34" charset="0"/>
+                <a:ea typeface="Tahoma" panose="020B0604030504040204" pitchFamily="34" charset="0"/>
+                <a:cs typeface="Tahoma" panose="020B0604030504040204" pitchFamily="34" charset="0"/>
+              </a:rPr>
+              <a:t>hàng</a:t>
+            </a:r>
+            <a:r>
+              <a:rPr lang="en-US" sz="2800" dirty="0">
+                <a:latin typeface="Tahoma" panose="020B0604030504040204" pitchFamily="34" charset="0"/>
+                <a:ea typeface="Tahoma" panose="020B0604030504040204" pitchFamily="34" charset="0"/>
+                <a:cs typeface="Tahoma" panose="020B0604030504040204" pitchFamily="34" charset="0"/>
+              </a:rPr>
+              <a:t>,…</a:t>
             </a:r>
           </a:p>
         </p:txBody>
@@ -17818,10 +21866,18 @@
           <a:lstStyle/>
           <a:p>
             <a:fld id="{D16EA1EE-1AB6-40C4-ADCB-7B395AD295B2}" type="slidenum">
-              <a:rPr lang="en-US" smtClean="0"/>
+              <a:rPr lang="en-US" smtClean="0">
+                <a:latin typeface="Tahoma" panose="020B0604030504040204" pitchFamily="34" charset="0"/>
+                <a:ea typeface="Tahoma" panose="020B0604030504040204" pitchFamily="34" charset="0"/>
+                <a:cs typeface="Tahoma" panose="020B0604030504040204" pitchFamily="34" charset="0"/>
+              </a:rPr>
               <a:t>9</a:t>
             </a:fld>
-            <a:endParaRPr lang="en-US"/>
+            <a:endParaRPr lang="en-US">
+              <a:latin typeface="Tahoma" panose="020B0604030504040204" pitchFamily="34" charset="0"/>
+              <a:ea typeface="Tahoma" panose="020B0604030504040204" pitchFamily="34" charset="0"/>
+              <a:cs typeface="Tahoma" panose="020B0604030504040204" pitchFamily="34" charset="0"/>
+            </a:endParaRPr>
           </a:p>
         </p:txBody>
       </p:sp>
@@ -17868,7 +21924,11 @@
           <a:lstStyle/>
           <a:p>
             <a:pPr algn="ctr"/>
-            <a:endParaRPr lang="en-US"/>
+            <a:endParaRPr lang="en-US">
+              <a:latin typeface="Tahoma" panose="020B0604030504040204" pitchFamily="34" charset="0"/>
+              <a:ea typeface="Tahoma" panose="020B0604030504040204" pitchFamily="34" charset="0"/>
+              <a:cs typeface="Tahoma" panose="020B0604030504040204" pitchFamily="34" charset="0"/>
+            </a:endParaRPr>
           </a:p>
         </p:txBody>
       </p:sp>
